--- a/DataCamp/forecasting-using-arima-models-in-python/forecasting-using-arima-models-in-python-Copy1.pptx
+++ b/DataCamp/forecasting-using-arima-models-in-python/forecasting-using-arima-models-in-python-Copy1.pptx
@@ -10,11 +10,13 @@
     <p:sldId id="257" r:id="rId4"/>
     <p:sldId id="260" r:id="rId5"/>
     <p:sldId id="261" r:id="rId6"/>
-    <p:sldId id="264" r:id="rId7"/>
-    <p:sldId id="266" r:id="rId8"/>
-    <p:sldId id="263" r:id="rId9"/>
-    <p:sldId id="267" r:id="rId10"/>
-    <p:sldId id="262" r:id="rId11"/>
+    <p:sldId id="266" r:id="rId7"/>
+    <p:sldId id="268" r:id="rId8"/>
+    <p:sldId id="269" r:id="rId9"/>
+    <p:sldId id="264" r:id="rId10"/>
+    <p:sldId id="263" r:id="rId11"/>
+    <p:sldId id="267" r:id="rId12"/>
+    <p:sldId id="262" r:id="rId13"/>
   </p:sldIdLst>
   <p:sldSz cx="12192000" cy="6858000"/>
   <p:notesSz cx="6858000" cy="9144000"/>
@@ -1338,7 +1340,7 @@
           <a:p>
             <a:fld id="{52B7C267-AE6F-400E-833A-3F1AAF069A4D}" type="datetimeFigureOut">
               <a:rPr lang="en-US" smtClean="0"/>
-              <a:t>1/6/2020</a:t>
+              <a:t>1/8/2020</a:t>
             </a:fld>
             <a:endParaRPr lang="en-US"/>
           </a:p>
@@ -1506,7 +1508,7 @@
           <a:p>
             <a:fld id="{52B7C267-AE6F-400E-833A-3F1AAF069A4D}" type="datetimeFigureOut">
               <a:rPr lang="en-US" smtClean="0"/>
-              <a:t>1/6/2020</a:t>
+              <a:t>1/8/2020</a:t>
             </a:fld>
             <a:endParaRPr lang="en-US"/>
           </a:p>
@@ -1684,7 +1686,7 @@
           <a:p>
             <a:fld id="{52B7C267-AE6F-400E-833A-3F1AAF069A4D}" type="datetimeFigureOut">
               <a:rPr lang="en-US" smtClean="0"/>
-              <a:t>1/6/2020</a:t>
+              <a:t>1/8/2020</a:t>
             </a:fld>
             <a:endParaRPr lang="en-US"/>
           </a:p>
@@ -1852,7 +1854,7 @@
           <a:p>
             <a:fld id="{52B7C267-AE6F-400E-833A-3F1AAF069A4D}" type="datetimeFigureOut">
               <a:rPr lang="en-US" smtClean="0"/>
-              <a:t>1/6/2020</a:t>
+              <a:t>1/8/2020</a:t>
             </a:fld>
             <a:endParaRPr lang="en-US"/>
           </a:p>
@@ -2097,7 +2099,7 @@
           <a:p>
             <a:fld id="{52B7C267-AE6F-400E-833A-3F1AAF069A4D}" type="datetimeFigureOut">
               <a:rPr lang="en-US" smtClean="0"/>
-              <a:t>1/6/2020</a:t>
+              <a:t>1/8/2020</a:t>
             </a:fld>
             <a:endParaRPr lang="en-US"/>
           </a:p>
@@ -2326,7 +2328,7 @@
           <a:p>
             <a:fld id="{52B7C267-AE6F-400E-833A-3F1AAF069A4D}" type="datetimeFigureOut">
               <a:rPr lang="en-US" smtClean="0"/>
-              <a:t>1/6/2020</a:t>
+              <a:t>1/8/2020</a:t>
             </a:fld>
             <a:endParaRPr lang="en-US"/>
           </a:p>
@@ -2690,7 +2692,7 @@
           <a:p>
             <a:fld id="{52B7C267-AE6F-400E-833A-3F1AAF069A4D}" type="datetimeFigureOut">
               <a:rPr lang="en-US" smtClean="0"/>
-              <a:t>1/6/2020</a:t>
+              <a:t>1/8/2020</a:t>
             </a:fld>
             <a:endParaRPr lang="en-US"/>
           </a:p>
@@ -2807,7 +2809,7 @@
           <a:p>
             <a:fld id="{52B7C267-AE6F-400E-833A-3F1AAF069A4D}" type="datetimeFigureOut">
               <a:rPr lang="en-US" smtClean="0"/>
-              <a:t>1/6/2020</a:t>
+              <a:t>1/8/2020</a:t>
             </a:fld>
             <a:endParaRPr lang="en-US"/>
           </a:p>
@@ -2902,7 +2904,7 @@
           <a:p>
             <a:fld id="{52B7C267-AE6F-400E-833A-3F1AAF069A4D}" type="datetimeFigureOut">
               <a:rPr lang="en-US" smtClean="0"/>
-              <a:t>1/6/2020</a:t>
+              <a:t>1/8/2020</a:t>
             </a:fld>
             <a:endParaRPr lang="en-US"/>
           </a:p>
@@ -3177,7 +3179,7 @@
           <a:p>
             <a:fld id="{52B7C267-AE6F-400E-833A-3F1AAF069A4D}" type="datetimeFigureOut">
               <a:rPr lang="en-US" smtClean="0"/>
-              <a:t>1/6/2020</a:t>
+              <a:t>1/8/2020</a:t>
             </a:fld>
             <a:endParaRPr lang="en-US"/>
           </a:p>
@@ -3429,7 +3431,7 @@
           <a:p>
             <a:fld id="{52B7C267-AE6F-400E-833A-3F1AAF069A4D}" type="datetimeFigureOut">
               <a:rPr lang="en-US" smtClean="0"/>
-              <a:t>1/6/2020</a:t>
+              <a:t>1/8/2020</a:t>
             </a:fld>
             <a:endParaRPr lang="en-US"/>
           </a:p>
@@ -3640,7 +3642,7 @@
           <a:p>
             <a:fld id="{52B7C267-AE6F-400E-833A-3F1AAF069A4D}" type="datetimeFigureOut">
               <a:rPr lang="en-US" smtClean="0"/>
-              <a:t>1/6/2020</a:t>
+              <a:t>1/8/2020</a:t>
             </a:fld>
             <a:endParaRPr lang="en-US"/>
           </a:p>
@@ -4137,6 +4139,281 @@
           <a:chExt cx="0" cy="0"/>
         </a:xfrm>
       </p:grpSpPr>
+      <p:grpSp>
+        <p:nvGrpSpPr>
+          <p:cNvPr id="2" name="Group 1">
+            <a:extLst>
+              <a:ext uri="{FF2B5EF4-FFF2-40B4-BE49-F238E27FC236}">
+                <a16:creationId xmlns:a16="http://schemas.microsoft.com/office/drawing/2014/main" id="{F31607D5-88DF-4F9D-8C6B-274CD1649B05}"/>
+              </a:ext>
+            </a:extLst>
+          </p:cNvPr>
+          <p:cNvGrpSpPr/>
+          <p:nvPr/>
+        </p:nvGrpSpPr>
+        <p:grpSpPr>
+          <a:xfrm>
+            <a:off x="1398788" y="2910579"/>
+            <a:ext cx="5757080" cy="3088633"/>
+            <a:chOff x="251011" y="3569670"/>
+            <a:chExt cx="5757080" cy="3088633"/>
+          </a:xfrm>
+        </p:grpSpPr>
+        <p:pic>
+          <p:nvPicPr>
+            <p:cNvPr id="3" name="Picture 2">
+              <a:extLst>
+                <a:ext uri="{FF2B5EF4-FFF2-40B4-BE49-F238E27FC236}">
+                  <a16:creationId xmlns:a16="http://schemas.microsoft.com/office/drawing/2014/main" id="{17AC65FD-FF09-4BCE-B98D-C28C86D5FB80}"/>
+                </a:ext>
+              </a:extLst>
+            </p:cNvPr>
+            <p:cNvPicPr>
+              <a:picLocks noChangeAspect="1"/>
+            </p:cNvPicPr>
+            <p:nvPr/>
+          </p:nvPicPr>
+          <p:blipFill>
+            <a:blip r:embed="rId2"/>
+            <a:stretch>
+              <a:fillRect/>
+            </a:stretch>
+          </p:blipFill>
+          <p:spPr>
+            <a:xfrm>
+              <a:off x="251011" y="4210402"/>
+              <a:ext cx="2014028" cy="1700842"/>
+            </a:xfrm>
+            <a:prstGeom prst="rect">
+              <a:avLst/>
+            </a:prstGeom>
+          </p:spPr>
+        </p:pic>
+        <p:pic>
+          <p:nvPicPr>
+            <p:cNvPr id="4" name="Picture 3">
+              <a:extLst>
+                <a:ext uri="{FF2B5EF4-FFF2-40B4-BE49-F238E27FC236}">
+                  <a16:creationId xmlns:a16="http://schemas.microsoft.com/office/drawing/2014/main" id="{E37D7253-A3EC-4CA8-95A6-7B798C33AF5C}"/>
+                </a:ext>
+              </a:extLst>
+            </p:cNvPr>
+            <p:cNvPicPr>
+              <a:picLocks noChangeAspect="1"/>
+            </p:cNvPicPr>
+            <p:nvPr/>
+          </p:nvPicPr>
+          <p:blipFill>
+            <a:blip r:embed="rId3"/>
+            <a:stretch>
+              <a:fillRect/>
+            </a:stretch>
+          </p:blipFill>
+          <p:spPr>
+            <a:xfrm>
+              <a:off x="3472329" y="3569670"/>
+              <a:ext cx="2535762" cy="3088633"/>
+            </a:xfrm>
+            <a:prstGeom prst="rect">
+              <a:avLst/>
+            </a:prstGeom>
+          </p:spPr>
+        </p:pic>
+        <p:sp>
+          <p:nvSpPr>
+            <p:cNvPr id="5" name="Right Arrow 13">
+              <a:extLst>
+                <a:ext uri="{FF2B5EF4-FFF2-40B4-BE49-F238E27FC236}">
+                  <a16:creationId xmlns:a16="http://schemas.microsoft.com/office/drawing/2014/main" id="{60238703-8AF8-4035-9EA7-CFFE37B40F7B}"/>
+                </a:ext>
+              </a:extLst>
+            </p:cNvPr>
+            <p:cNvSpPr/>
+            <p:nvPr/>
+          </p:nvSpPr>
+          <p:spPr>
+            <a:xfrm>
+              <a:off x="1996141" y="5522773"/>
+              <a:ext cx="1476188" cy="388471"/>
+            </a:xfrm>
+            <a:prstGeom prst="rightArrow">
+              <a:avLst/>
+            </a:prstGeom>
+          </p:spPr>
+          <p:style>
+            <a:lnRef idx="2">
+              <a:schemeClr val="accent1">
+                <a:shade val="50000"/>
+              </a:schemeClr>
+            </a:lnRef>
+            <a:fillRef idx="1">
+              <a:schemeClr val="accent1"/>
+            </a:fillRef>
+            <a:effectRef idx="0">
+              <a:schemeClr val="accent1"/>
+            </a:effectRef>
+            <a:fontRef idx="minor">
+              <a:schemeClr val="lt1"/>
+            </a:fontRef>
+          </p:style>
+          <p:txBody>
+            <a:bodyPr rtlCol="0" anchor="ctr"/>
+            <a:lstStyle/>
+            <a:p>
+              <a:pPr algn="ctr"/>
+              <a:endParaRPr lang="en-US"/>
+            </a:p>
+          </p:txBody>
+        </p:sp>
+      </p:grpSp>
+      <p:pic>
+        <p:nvPicPr>
+          <p:cNvPr id="6" name="Picture 5">
+            <a:extLst>
+              <a:ext uri="{FF2B5EF4-FFF2-40B4-BE49-F238E27FC236}">
+                <a16:creationId xmlns:a16="http://schemas.microsoft.com/office/drawing/2014/main" id="{89B2B560-D032-4515-A5D0-6B7B9B4E0E46}"/>
+              </a:ext>
+            </a:extLst>
+          </p:cNvPr>
+          <p:cNvPicPr>
+            <a:picLocks noChangeAspect="1"/>
+          </p:cNvPicPr>
+          <p:nvPr/>
+        </p:nvPicPr>
+        <p:blipFill>
+          <a:blip r:embed="rId4"/>
+          <a:stretch>
+            <a:fillRect/>
+          </a:stretch>
+        </p:blipFill>
+        <p:spPr>
+          <a:xfrm>
+            <a:off x="1829048" y="496510"/>
+            <a:ext cx="3607607" cy="1599077"/>
+          </a:xfrm>
+          <a:prstGeom prst="rect">
+            <a:avLst/>
+          </a:prstGeom>
+        </p:spPr>
+      </p:pic>
+    </p:spTree>
+    <p:extLst>
+      <p:ext uri="{BB962C8B-B14F-4D97-AF65-F5344CB8AC3E}">
+        <p14:creationId xmlns:p14="http://schemas.microsoft.com/office/powerpoint/2010/main" val="2880202069"/>
+      </p:ext>
+    </p:extLst>
+  </p:cSld>
+  <p:clrMapOvr>
+    <a:masterClrMapping/>
+  </p:clrMapOvr>
+</p:sld>
+</file>
+
+<file path=ppt/slides/slide11.xml><?xml version="1.0" encoding="utf-8"?>
+<p:sld xmlns:a="http://schemas.openxmlformats.org/drawingml/2006/main" xmlns:r="http://schemas.openxmlformats.org/officeDocument/2006/relationships" xmlns:p="http://schemas.openxmlformats.org/presentationml/2006/main">
+  <p:cSld>
+    <p:spTree>
+      <p:nvGrpSpPr>
+        <p:cNvPr id="1" name=""/>
+        <p:cNvGrpSpPr/>
+        <p:nvPr/>
+      </p:nvGrpSpPr>
+      <p:grpSpPr>
+        <a:xfrm>
+          <a:off x="0" y="0"/>
+          <a:ext cx="0" cy="0"/>
+          <a:chOff x="0" y="0"/>
+          <a:chExt cx="0" cy="0"/>
+        </a:xfrm>
+      </p:grpSpPr>
+      <p:sp>
+        <p:nvSpPr>
+          <p:cNvPr id="2" name="Title 1">
+            <a:extLst>
+              <a:ext uri="{FF2B5EF4-FFF2-40B4-BE49-F238E27FC236}">
+                <a16:creationId xmlns:a16="http://schemas.microsoft.com/office/drawing/2014/main" id="{B4A4D2FB-994A-4081-AAB3-1BF22E8841B0}"/>
+              </a:ext>
+            </a:extLst>
+          </p:cNvPr>
+          <p:cNvSpPr>
+            <a:spLocks noGrp="1"/>
+          </p:cNvSpPr>
+          <p:nvPr>
+            <p:ph type="title"/>
+          </p:nvPr>
+        </p:nvSpPr>
+        <p:spPr/>
+        <p:txBody>
+          <a:bodyPr>
+            <a:normAutofit/>
+          </a:bodyPr>
+          <a:lstStyle/>
+          <a:p>
+            <a:r>
+              <a:rPr lang="en-US" sz="4400" dirty="0"/>
+              <a:t>Forecasting Using ARIMA Models in Python</a:t>
+            </a:r>
+          </a:p>
+        </p:txBody>
+      </p:sp>
+      <p:sp>
+        <p:nvSpPr>
+          <p:cNvPr id="3" name="Text Placeholder 2">
+            <a:extLst>
+              <a:ext uri="{FF2B5EF4-FFF2-40B4-BE49-F238E27FC236}">
+                <a16:creationId xmlns:a16="http://schemas.microsoft.com/office/drawing/2014/main" id="{C730F032-0C60-43A0-80D0-215C7FF04611}"/>
+              </a:ext>
+            </a:extLst>
+          </p:cNvPr>
+          <p:cNvSpPr>
+            <a:spLocks noGrp="1"/>
+          </p:cNvSpPr>
+          <p:nvPr>
+            <p:ph type="body" idx="1"/>
+          </p:nvPr>
+        </p:nvSpPr>
+        <p:spPr/>
+        <p:txBody>
+          <a:bodyPr/>
+          <a:lstStyle/>
+          <a:p>
+            <a:r>
+              <a:rPr lang="en-US" dirty="0"/>
+              <a:t>Additional Insights</a:t>
+            </a:r>
+          </a:p>
+        </p:txBody>
+      </p:sp>
+    </p:spTree>
+    <p:extLst>
+      <p:ext uri="{BB962C8B-B14F-4D97-AF65-F5344CB8AC3E}">
+        <p14:creationId xmlns:p14="http://schemas.microsoft.com/office/powerpoint/2010/main" val="1264629652"/>
+      </p:ext>
+    </p:extLst>
+  </p:cSld>
+  <p:clrMapOvr>
+    <a:masterClrMapping/>
+  </p:clrMapOvr>
+</p:sld>
+</file>
+
+<file path=ppt/slides/slide12.xml><?xml version="1.0" encoding="utf-8"?>
+<p:sld xmlns:a="http://schemas.openxmlformats.org/drawingml/2006/main" xmlns:r="http://schemas.openxmlformats.org/officeDocument/2006/relationships" xmlns:p="http://schemas.openxmlformats.org/presentationml/2006/main">
+  <p:cSld>
+    <p:spTree>
+      <p:nvGrpSpPr>
+        <p:cNvPr id="1" name=""/>
+        <p:cNvGrpSpPr/>
+        <p:nvPr/>
+      </p:nvGrpSpPr>
+      <p:grpSpPr>
+        <a:xfrm>
+          <a:off x="0" y="0"/>
+          <a:ext cx="0" cy="0"/>
+          <a:chOff x="0" y="0"/>
+          <a:chExt cx="0" cy="0"/>
+        </a:xfrm>
+      </p:grpSpPr>
       <p:pic>
         <p:nvPicPr>
           <p:cNvPr id="5" name="Picture 4"/>
@@ -6433,7 +6710,7 @@
           <p:cNvPr id="2" name="Title 1">
             <a:extLst>
               <a:ext uri="{FF2B5EF4-FFF2-40B4-BE49-F238E27FC236}">
-                <a16:creationId xmlns:a16="http://schemas.microsoft.com/office/drawing/2014/main" id="{D21888E8-500D-4455-AD35-F4DC714207B6}"/>
+                <a16:creationId xmlns:a16="http://schemas.microsoft.com/office/drawing/2014/main" id="{B4A4D2FB-994A-4081-AAB3-1BF22E8841B0}"/>
               </a:ext>
             </a:extLst>
           </p:cNvPr>
@@ -6444,12 +6721,7 @@
             <p:ph type="title"/>
           </p:nvPr>
         </p:nvSpPr>
-        <p:spPr>
-          <a:xfrm>
-            <a:off x="838200" y="365126"/>
-            <a:ext cx="10515600" cy="557588"/>
-          </a:xfrm>
-        </p:spPr>
+        <p:spPr/>
         <p:txBody>
           <a:bodyPr>
             <a:normAutofit/>
@@ -6457,18 +6729,18 @@
           <a:lstStyle/>
           <a:p>
             <a:r>
-              <a:rPr lang="en-US" sz="2800" b="1" dirty="0"/>
-              <a:t>ARIMA Model Forecasting</a:t>
-            </a:r>
-          </a:p>
-        </p:txBody>
-      </p:sp>
-      <p:sp>
-        <p:nvSpPr>
-          <p:cNvPr id="3" name="Content Placeholder 2">
+              <a:rPr lang="en-US" sz="4400" dirty="0"/>
+              <a:t>Forecasting Using ARIMA Models in Python</a:t>
+            </a:r>
+          </a:p>
+        </p:txBody>
+      </p:sp>
+      <p:sp>
+        <p:nvSpPr>
+          <p:cNvPr id="3" name="Text Placeholder 2">
             <a:extLst>
               <a:ext uri="{FF2B5EF4-FFF2-40B4-BE49-F238E27FC236}">
-                <a16:creationId xmlns:a16="http://schemas.microsoft.com/office/drawing/2014/main" id="{CF9F60B2-44C3-45C6-9DDB-1780F73DD7C5}"/>
+                <a16:creationId xmlns:a16="http://schemas.microsoft.com/office/drawing/2014/main" id="{C730F032-0C60-43A0-80D0-215C7FF04611}"/>
               </a:ext>
             </a:extLst>
           </p:cNvPr>
@@ -6476,248 +6748,25 @@
             <a:spLocks noGrp="1"/>
           </p:cNvSpPr>
           <p:nvPr>
-            <p:ph idx="1"/>
+            <p:ph type="body" idx="1"/>
           </p:nvPr>
         </p:nvSpPr>
-        <p:spPr>
-          <a:xfrm>
-            <a:off x="838199" y="922714"/>
-            <a:ext cx="4560917" cy="5254249"/>
-          </a:xfrm>
-        </p:spPr>
-        <p:txBody>
-          <a:bodyPr>
-            <a:normAutofit/>
-          </a:bodyPr>
+        <p:spPr/>
+        <p:txBody>
+          <a:bodyPr/>
           <a:lstStyle/>
           <a:p>
             <a:r>
-              <a:rPr lang="en-US" sz="1800" dirty="0"/>
-              <a:t>Loading single time-series</a:t>
-            </a:r>
-          </a:p>
-          <a:p>
-            <a:r>
-              <a:rPr lang="en-US" sz="1800" dirty="0"/>
-              <a:t>Loading multiple time-series</a:t>
-            </a:r>
-          </a:p>
-          <a:p>
-            <a:r>
-              <a:rPr lang="en-US" sz="1800" dirty="0"/>
-              <a:t>Plotting time-series to observe</a:t>
-            </a:r>
-          </a:p>
-          <a:p>
-            <a:pPr lvl="1"/>
-            <a:r>
-              <a:rPr lang="en-US" sz="1100" dirty="0"/>
-              <a:t>Stationarity </a:t>
-            </a:r>
-            <a:r>
-              <a:rPr lang="en-US" sz="1100" dirty="0">
-                <a:sym typeface="Wingdings" panose="05000000000000000000" pitchFamily="2" charset="2"/>
-              </a:rPr>
-              <a:t> trend, </a:t>
-            </a:r>
-            <a:r>
-              <a:rPr lang="en-US" sz="1100" dirty="0" err="1">
-                <a:sym typeface="Wingdings" panose="05000000000000000000" pitchFamily="2" charset="2"/>
-              </a:rPr>
-              <a:t>skedasticity</a:t>
-            </a:r>
-            <a:r>
-              <a:rPr lang="en-US" sz="1100" dirty="0">
-                <a:sym typeface="Wingdings" panose="05000000000000000000" pitchFamily="2" charset="2"/>
-              </a:rPr>
-              <a:t>, autocorrelation</a:t>
-            </a:r>
-          </a:p>
-          <a:p>
-            <a:pPr lvl="1"/>
-            <a:r>
-              <a:rPr lang="en-US" sz="1100" dirty="0">
-                <a:sym typeface="Wingdings" panose="05000000000000000000" pitchFamily="2" charset="2"/>
-              </a:rPr>
-              <a:t>Periodicity  seasonality, cyclicality</a:t>
-            </a:r>
-          </a:p>
-          <a:p>
-            <a:r>
-              <a:rPr lang="en-US" sz="1500" dirty="0">
-                <a:sym typeface="Wingdings" panose="05000000000000000000" pitchFamily="2" charset="2"/>
-              </a:rPr>
-              <a:t>Augmented Dicky-Fuller test for trend stationarity – </a:t>
-            </a:r>
-            <a:r>
-              <a:rPr lang="en-US" sz="1200" i="1" dirty="0">
-                <a:sym typeface="Wingdings" panose="05000000000000000000" pitchFamily="2" charset="2"/>
-              </a:rPr>
-              <a:t>what about testing for </a:t>
-            </a:r>
-            <a:r>
-              <a:rPr lang="en-US" sz="1200" i="1" dirty="0" err="1">
-                <a:sym typeface="Wingdings" panose="05000000000000000000" pitchFamily="2" charset="2"/>
-              </a:rPr>
-              <a:t>skedasticity</a:t>
-            </a:r>
-            <a:r>
-              <a:rPr lang="en-US" sz="1200" i="1" dirty="0">
-                <a:sym typeface="Wingdings" panose="05000000000000000000" pitchFamily="2" charset="2"/>
-              </a:rPr>
-              <a:t> and autocorrelation?</a:t>
-            </a:r>
-            <a:endParaRPr lang="en-US" sz="1500" i="1" dirty="0">
-              <a:sym typeface="Wingdings" panose="05000000000000000000" pitchFamily="2" charset="2"/>
-            </a:endParaRPr>
-          </a:p>
-          <a:p>
-            <a:r>
-              <a:rPr lang="en-US" sz="1500" dirty="0">
-                <a:sym typeface="Wingdings" panose="05000000000000000000" pitchFamily="2" charset="2"/>
-              </a:rPr>
-              <a:t>Converting non-stationary TS to stationary TS –</a:t>
-            </a:r>
-            <a:br>
-              <a:rPr lang="en-US" sz="1500" dirty="0">
-                <a:sym typeface="Wingdings" panose="05000000000000000000" pitchFamily="2" charset="2"/>
-              </a:rPr>
-            </a:br>
-            <a:r>
-              <a:rPr lang="en-US" sz="1200" i="1" dirty="0">
-                <a:sym typeface="Wingdings" panose="05000000000000000000" pitchFamily="2" charset="2"/>
-              </a:rPr>
-              <a:t>how does inverse transforms work?</a:t>
-            </a:r>
-          </a:p>
-          <a:p>
-            <a:pPr lvl="1"/>
-            <a:r>
-              <a:rPr lang="en-US" sz="1100" dirty="0">
-                <a:sym typeface="Wingdings" panose="05000000000000000000" pitchFamily="2" charset="2"/>
-              </a:rPr>
-              <a:t>nth order differencing</a:t>
-            </a:r>
-          </a:p>
-          <a:p>
-            <a:pPr lvl="1"/>
-            <a:r>
-              <a:rPr lang="en-US" sz="1100" dirty="0">
-                <a:sym typeface="Wingdings" panose="05000000000000000000" pitchFamily="2" charset="2"/>
-              </a:rPr>
-              <a:t>proportional change</a:t>
-            </a:r>
-          </a:p>
-          <a:p>
-            <a:pPr lvl="1"/>
-            <a:r>
-              <a:rPr lang="en-US" sz="1100" dirty="0">
-                <a:sym typeface="Wingdings" panose="05000000000000000000" pitchFamily="2" charset="2"/>
-              </a:rPr>
-              <a:t>square root</a:t>
-            </a:r>
-          </a:p>
-          <a:p>
-            <a:pPr lvl="1"/>
-            <a:r>
-              <a:rPr lang="en-US" sz="1100" dirty="0">
-                <a:sym typeface="Wingdings" panose="05000000000000000000" pitchFamily="2" charset="2"/>
-              </a:rPr>
-              <a:t>log </a:t>
-            </a:r>
-          </a:p>
-          <a:p>
-            <a:r>
-              <a:rPr lang="en-US" sz="1500" dirty="0">
-                <a:sym typeface="Wingdings" panose="05000000000000000000" pitchFamily="2" charset="2"/>
-              </a:rPr>
-              <a:t>Retesting for stationarity</a:t>
-            </a:r>
-          </a:p>
-          <a:p>
-            <a:r>
-              <a:rPr lang="en-US" sz="1500" dirty="0">
-                <a:sym typeface="Wingdings" panose="05000000000000000000" pitchFamily="2" charset="2"/>
-              </a:rPr>
-              <a:t>Fit a preliminary </a:t>
-            </a:r>
-            <a:r>
-              <a:rPr lang="en-US" sz="1500" dirty="0" err="1">
-                <a:sym typeface="Wingdings" panose="05000000000000000000" pitchFamily="2" charset="2"/>
-              </a:rPr>
-              <a:t>ARMA</a:t>
-            </a:r>
-            <a:r>
-              <a:rPr lang="en-US" sz="1500" dirty="0">
-                <a:sym typeface="Wingdings" panose="05000000000000000000" pitchFamily="2" charset="2"/>
-              </a:rPr>
-              <a:t> model –</a:t>
-            </a:r>
-            <a:br>
-              <a:rPr lang="en-US" sz="1500" dirty="0">
-                <a:sym typeface="Wingdings" panose="05000000000000000000" pitchFamily="2" charset="2"/>
-              </a:rPr>
-            </a:br>
-            <a:r>
-              <a:rPr lang="en-US" sz="1200" i="1" dirty="0">
-                <a:sym typeface="Wingdings" panose="05000000000000000000" pitchFamily="2" charset="2"/>
-              </a:rPr>
-              <a:t>why is an MA model a moving average model?</a:t>
-            </a:r>
-            <a:br>
-              <a:rPr lang="en-US" sz="1200" i="1" dirty="0">
-                <a:sym typeface="Wingdings" panose="05000000000000000000" pitchFamily="2" charset="2"/>
-              </a:rPr>
-            </a:br>
-            <a:r>
-              <a:rPr lang="en-US" sz="1200" i="1" dirty="0">
-                <a:sym typeface="Wingdings" panose="05000000000000000000" pitchFamily="2" charset="2"/>
-              </a:rPr>
-              <a:t>from where are the shock terms in the MA model derived?</a:t>
-            </a:r>
-            <a:br>
-              <a:rPr lang="en-US" sz="1200" i="1" dirty="0">
-                <a:sym typeface="Wingdings" panose="05000000000000000000" pitchFamily="2" charset="2"/>
-              </a:rPr>
-            </a:br>
-            <a:r>
-              <a:rPr lang="en-US" sz="1200" i="1" dirty="0">
-                <a:sym typeface="Wingdings" panose="05000000000000000000" pitchFamily="2" charset="2"/>
-              </a:rPr>
-              <a:t>how are the p and q model orders chosen?</a:t>
-            </a:r>
-            <a:br>
-              <a:rPr lang="en-US" sz="1200" i="1" dirty="0">
-                <a:sym typeface="Wingdings" panose="05000000000000000000" pitchFamily="2" charset="2"/>
-              </a:rPr>
-            </a:br>
-            <a:br>
-              <a:rPr lang="en-US" sz="1500" dirty="0">
-                <a:sym typeface="Wingdings" panose="05000000000000000000" pitchFamily="2" charset="2"/>
-              </a:rPr>
-            </a:br>
-            <a:endParaRPr lang="en-US" sz="1500" dirty="0">
-              <a:sym typeface="Wingdings" panose="05000000000000000000" pitchFamily="2" charset="2"/>
-            </a:endParaRPr>
-          </a:p>
-          <a:p>
-            <a:pPr lvl="1"/>
-            <a:endParaRPr lang="en-US" sz="1100" dirty="0">
-              <a:sym typeface="Wingdings" panose="05000000000000000000" pitchFamily="2" charset="2"/>
-            </a:endParaRPr>
-          </a:p>
-          <a:p>
-            <a:endParaRPr lang="en-US" sz="1500" dirty="0"/>
-          </a:p>
-          <a:p>
-            <a:endParaRPr lang="en-US" sz="1800" dirty="0"/>
+              <a:rPr lang="en-US" dirty="0"/>
+              <a:t>Fitting the Future</a:t>
+            </a:r>
           </a:p>
         </p:txBody>
       </p:sp>
     </p:spTree>
     <p:extLst>
       <p:ext uri="{BB962C8B-B14F-4D97-AF65-F5344CB8AC3E}">
-        <p14:creationId xmlns:p14="http://schemas.microsoft.com/office/powerpoint/2010/main" val="1680492806"/>
+        <p14:creationId xmlns:p14="http://schemas.microsoft.com/office/powerpoint/2010/main" val="1961006015"/>
       </p:ext>
     </p:extLst>
   </p:cSld>
@@ -6746,66 +6795,436 @@
       </p:grpSpPr>
       <p:sp>
         <p:nvSpPr>
-          <p:cNvPr id="2" name="Title 1">
-            <a:extLst>
-              <a:ext uri="{FF2B5EF4-FFF2-40B4-BE49-F238E27FC236}">
-                <a16:creationId xmlns:a16="http://schemas.microsoft.com/office/drawing/2014/main" id="{B4A4D2FB-994A-4081-AAB3-1BF22E8841B0}"/>
-              </a:ext>
-            </a:extLst>
-          </p:cNvPr>
-          <p:cNvSpPr>
-            <a:spLocks noGrp="1"/>
-          </p:cNvSpPr>
-          <p:nvPr>
-            <p:ph type="title"/>
-          </p:nvPr>
-        </p:nvSpPr>
-        <p:spPr/>
-        <p:txBody>
-          <a:bodyPr>
-            <a:normAutofit/>
+          <p:cNvPr id="4" name="TextBox 3"/>
+          <p:cNvSpPr txBox="1"/>
+          <p:nvPr/>
+        </p:nvSpPr>
+        <p:spPr>
+          <a:xfrm>
+            <a:off x="96973" y="166343"/>
+            <a:ext cx="2705100" cy="369332"/>
+          </a:xfrm>
+          <a:prstGeom prst="rect">
+            <a:avLst/>
+          </a:prstGeom>
+          <a:noFill/>
+        </p:spPr>
+        <p:txBody>
+          <a:bodyPr wrap="none" rtlCol="0">
+            <a:spAutoFit/>
           </a:bodyPr>
           <a:lstStyle/>
           <a:p>
             <a:r>
-              <a:rPr lang="en-US" sz="4400" dirty="0"/>
-              <a:t>Forecasting Using ARIMA Models in Python</a:t>
-            </a:r>
-          </a:p>
-        </p:txBody>
-      </p:sp>
-      <p:sp>
-        <p:nvSpPr>
-          <p:cNvPr id="3" name="Text Placeholder 2">
-            <a:extLst>
-              <a:ext uri="{FF2B5EF4-FFF2-40B4-BE49-F238E27FC236}">
-                <a16:creationId xmlns:a16="http://schemas.microsoft.com/office/drawing/2014/main" id="{C730F032-0C60-43A0-80D0-215C7FF04611}"/>
-              </a:ext>
-            </a:extLst>
-          </p:cNvPr>
-          <p:cNvSpPr>
-            <a:spLocks noGrp="1"/>
-          </p:cNvSpPr>
-          <p:nvPr>
-            <p:ph type="body" idx="1"/>
-          </p:nvPr>
-        </p:nvSpPr>
-        <p:spPr/>
-        <p:txBody>
-          <a:bodyPr/>
+              <a:rPr lang="en-US" b="1" smtClean="0"/>
+              <a:t>Fitting Time Series Models</a:t>
+            </a:r>
+            <a:endParaRPr lang="en-US" b="1"/>
+          </a:p>
+        </p:txBody>
+      </p:sp>
+      <p:pic>
+        <p:nvPicPr>
+          <p:cNvPr id="5" name="Picture 4"/>
+          <p:cNvPicPr>
+            <a:picLocks noChangeAspect="1"/>
+          </p:cNvPicPr>
+          <p:nvPr/>
+        </p:nvPicPr>
+        <p:blipFill>
+          <a:blip r:embed="rId2"/>
+          <a:stretch>
+            <a:fillRect/>
+          </a:stretch>
+        </p:blipFill>
+        <p:spPr>
+          <a:xfrm>
+            <a:off x="167341" y="664901"/>
+            <a:ext cx="2671907" cy="1077112"/>
+          </a:xfrm>
+          <a:prstGeom prst="rect">
+            <a:avLst/>
+          </a:prstGeom>
+        </p:spPr>
+      </p:pic>
+      <p:sp>
+        <p:nvSpPr>
+          <p:cNvPr id="6" name="Down Arrow 5"/>
+          <p:cNvSpPr/>
+          <p:nvPr/>
+        </p:nvSpPr>
+        <p:spPr>
+          <a:xfrm rot="10800000">
+            <a:off x="1267012" y="1637553"/>
+            <a:ext cx="167341" cy="472141"/>
+          </a:xfrm>
+          <a:prstGeom prst="downArrow">
+            <a:avLst/>
+          </a:prstGeom>
+        </p:spPr>
+        <p:style>
+          <a:lnRef idx="2">
+            <a:schemeClr val="accent1">
+              <a:shade val="50000"/>
+            </a:schemeClr>
+          </a:lnRef>
+          <a:fillRef idx="1">
+            <a:schemeClr val="accent1"/>
+          </a:fillRef>
+          <a:effectRef idx="0">
+            <a:schemeClr val="accent1"/>
+          </a:effectRef>
+          <a:fontRef idx="minor">
+            <a:schemeClr val="lt1"/>
+          </a:fontRef>
+        </p:style>
+        <p:txBody>
+          <a:bodyPr rtlCol="0" anchor="ctr"/>
           <a:lstStyle/>
           <a:p>
-            <a:r>
-              <a:rPr lang="en-US" dirty="0"/>
-              <a:t>Fitting the Future</a:t>
-            </a:r>
-          </a:p>
-        </p:txBody>
-      </p:sp>
+            <a:pPr algn="ctr"/>
+            <a:endParaRPr lang="en-US"/>
+          </a:p>
+        </p:txBody>
+      </p:sp>
+      <p:sp>
+        <p:nvSpPr>
+          <p:cNvPr id="7" name="TextBox 6"/>
+          <p:cNvSpPr txBox="1"/>
+          <p:nvPr/>
+        </p:nvSpPr>
+        <p:spPr>
+          <a:xfrm>
+            <a:off x="96973" y="2055905"/>
+            <a:ext cx="2507418" cy="253916"/>
+          </a:xfrm>
+          <a:prstGeom prst="rect">
+            <a:avLst/>
+          </a:prstGeom>
+          <a:noFill/>
+        </p:spPr>
+        <p:txBody>
+          <a:bodyPr wrap="none" rtlCol="0">
+            <a:spAutoFit/>
+          </a:bodyPr>
+          <a:lstStyle/>
+          <a:p>
+            <a:r>
+              <a:rPr lang="en-US" sz="1050" smtClean="0"/>
+              <a:t>pandas DataFrame, Series, or numpy array</a:t>
+            </a:r>
+            <a:endParaRPr lang="en-US" sz="1050"/>
+          </a:p>
+        </p:txBody>
+      </p:sp>
+      <p:pic>
+        <p:nvPicPr>
+          <p:cNvPr id="8" name="Picture 7"/>
+          <p:cNvPicPr>
+            <a:picLocks noChangeAspect="1"/>
+          </p:cNvPicPr>
+          <p:nvPr/>
+        </p:nvPicPr>
+        <p:blipFill>
+          <a:blip r:embed="rId3"/>
+          <a:stretch>
+            <a:fillRect/>
+          </a:stretch>
+        </p:blipFill>
+        <p:spPr>
+          <a:xfrm>
+            <a:off x="167341" y="2467498"/>
+            <a:ext cx="3031344" cy="1171201"/>
+          </a:xfrm>
+          <a:prstGeom prst="rect">
+            <a:avLst/>
+          </a:prstGeom>
+        </p:spPr>
+      </p:pic>
+      <p:sp>
+        <p:nvSpPr>
+          <p:cNvPr id="21" name="Down Arrow 20"/>
+          <p:cNvSpPr/>
+          <p:nvPr/>
+        </p:nvSpPr>
+        <p:spPr>
+          <a:xfrm>
+            <a:off x="738730" y="3536401"/>
+            <a:ext cx="167341" cy="472141"/>
+          </a:xfrm>
+          <a:prstGeom prst="downArrow">
+            <a:avLst/>
+          </a:prstGeom>
+        </p:spPr>
+        <p:style>
+          <a:lnRef idx="2">
+            <a:schemeClr val="accent1">
+              <a:shade val="50000"/>
+            </a:schemeClr>
+          </a:lnRef>
+          <a:fillRef idx="1">
+            <a:schemeClr val="accent1"/>
+          </a:fillRef>
+          <a:effectRef idx="0">
+            <a:schemeClr val="accent1"/>
+          </a:effectRef>
+          <a:fontRef idx="minor">
+            <a:schemeClr val="lt1"/>
+          </a:fontRef>
+        </p:style>
+        <p:txBody>
+          <a:bodyPr rtlCol="0" anchor="ctr"/>
+          <a:lstStyle/>
+          <a:p>
+            <a:pPr algn="ctr"/>
+            <a:endParaRPr lang="en-US"/>
+          </a:p>
+        </p:txBody>
+      </p:sp>
+      <p:pic>
+        <p:nvPicPr>
+          <p:cNvPr id="9" name="Picture 8"/>
+          <p:cNvPicPr>
+            <a:picLocks noChangeAspect="1"/>
+          </p:cNvPicPr>
+          <p:nvPr/>
+        </p:nvPicPr>
+        <p:blipFill>
+          <a:blip r:embed="rId4"/>
+          <a:stretch>
+            <a:fillRect/>
+          </a:stretch>
+        </p:blipFill>
+        <p:spPr>
+          <a:xfrm>
+            <a:off x="167341" y="4040518"/>
+            <a:ext cx="3620933" cy="1086589"/>
+          </a:xfrm>
+          <a:prstGeom prst="rect">
+            <a:avLst/>
+          </a:prstGeom>
+        </p:spPr>
+      </p:pic>
+      <p:pic>
+        <p:nvPicPr>
+          <p:cNvPr id="10" name="Picture 9"/>
+          <p:cNvPicPr>
+            <a:picLocks noChangeAspect="1"/>
+          </p:cNvPicPr>
+          <p:nvPr/>
+        </p:nvPicPr>
+        <p:blipFill>
+          <a:blip r:embed="rId5"/>
+          <a:stretch>
+            <a:fillRect/>
+          </a:stretch>
+        </p:blipFill>
+        <p:spPr>
+          <a:xfrm>
+            <a:off x="167340" y="5159083"/>
+            <a:ext cx="3620933" cy="956938"/>
+          </a:xfrm>
+          <a:prstGeom prst="rect">
+            <a:avLst/>
+          </a:prstGeom>
+        </p:spPr>
+      </p:pic>
+      <p:pic>
+        <p:nvPicPr>
+          <p:cNvPr id="22" name="Picture 21"/>
+          <p:cNvPicPr>
+            <a:picLocks noChangeAspect="1"/>
+          </p:cNvPicPr>
+          <p:nvPr/>
+        </p:nvPicPr>
+        <p:blipFill>
+          <a:blip r:embed="rId6"/>
+          <a:stretch>
+            <a:fillRect/>
+          </a:stretch>
+        </p:blipFill>
+        <p:spPr>
+          <a:xfrm>
+            <a:off x="4183529" y="664901"/>
+            <a:ext cx="3314262" cy="981839"/>
+          </a:xfrm>
+          <a:prstGeom prst="rect">
+            <a:avLst/>
+          </a:prstGeom>
+        </p:spPr>
+      </p:pic>
+      <p:pic>
+        <p:nvPicPr>
+          <p:cNvPr id="23" name="Picture 22"/>
+          <p:cNvPicPr>
+            <a:picLocks noChangeAspect="1"/>
+          </p:cNvPicPr>
+          <p:nvPr/>
+        </p:nvPicPr>
+        <p:blipFill>
+          <a:blip r:embed="rId7"/>
+          <a:stretch>
+            <a:fillRect/>
+          </a:stretch>
+        </p:blipFill>
+        <p:spPr>
+          <a:xfrm>
+            <a:off x="4339613" y="1818065"/>
+            <a:ext cx="977460" cy="583258"/>
+          </a:xfrm>
+          <a:prstGeom prst="rect">
+            <a:avLst/>
+          </a:prstGeom>
+        </p:spPr>
+      </p:pic>
+      <p:pic>
+        <p:nvPicPr>
+          <p:cNvPr id="24" name="Picture 23"/>
+          <p:cNvPicPr>
+            <a:picLocks noChangeAspect="1"/>
+          </p:cNvPicPr>
+          <p:nvPr/>
+        </p:nvPicPr>
+        <p:blipFill>
+          <a:blip r:embed="rId8"/>
+          <a:stretch>
+            <a:fillRect/>
+          </a:stretch>
+        </p:blipFill>
+        <p:spPr>
+          <a:xfrm>
+            <a:off x="5408706" y="1818065"/>
+            <a:ext cx="1836197" cy="584983"/>
+          </a:xfrm>
+          <a:prstGeom prst="rect">
+            <a:avLst/>
+          </a:prstGeom>
+        </p:spPr>
+      </p:pic>
+      <p:pic>
+        <p:nvPicPr>
+          <p:cNvPr id="25" name="Picture 24"/>
+          <p:cNvPicPr>
+            <a:picLocks noChangeAspect="1"/>
+          </p:cNvPicPr>
+          <p:nvPr/>
+        </p:nvPicPr>
+        <p:blipFill>
+          <a:blip r:embed="rId9"/>
+          <a:stretch>
+            <a:fillRect/>
+          </a:stretch>
+        </p:blipFill>
+        <p:spPr>
+          <a:xfrm>
+            <a:off x="4183529" y="2627703"/>
+            <a:ext cx="3434858" cy="1167356"/>
+          </a:xfrm>
+          <a:prstGeom prst="rect">
+            <a:avLst/>
+          </a:prstGeom>
+        </p:spPr>
+      </p:pic>
+      <p:pic>
+        <p:nvPicPr>
+          <p:cNvPr id="26" name="Picture 25"/>
+          <p:cNvPicPr>
+            <a:picLocks noChangeAspect="1"/>
+          </p:cNvPicPr>
+          <p:nvPr/>
+        </p:nvPicPr>
+        <p:blipFill>
+          <a:blip r:embed="rId10"/>
+          <a:stretch>
+            <a:fillRect/>
+          </a:stretch>
+        </p:blipFill>
+        <p:spPr>
+          <a:xfrm>
+            <a:off x="4183529" y="3959648"/>
+            <a:ext cx="3439272" cy="1245858"/>
+          </a:xfrm>
+          <a:prstGeom prst="rect">
+            <a:avLst/>
+          </a:prstGeom>
+        </p:spPr>
+      </p:pic>
+      <p:pic>
+        <p:nvPicPr>
+          <p:cNvPr id="3" name="Picture 2"/>
+          <p:cNvPicPr>
+            <a:picLocks noChangeAspect="1"/>
+          </p:cNvPicPr>
+          <p:nvPr/>
+        </p:nvPicPr>
+        <p:blipFill>
+          <a:blip r:embed="rId11"/>
+          <a:stretch>
+            <a:fillRect/>
+          </a:stretch>
+        </p:blipFill>
+        <p:spPr>
+          <a:xfrm>
+            <a:off x="8000381" y="664901"/>
+            <a:ext cx="3856902" cy="1400250"/>
+          </a:xfrm>
+          <a:prstGeom prst="rect">
+            <a:avLst/>
+          </a:prstGeom>
+        </p:spPr>
+      </p:pic>
+      <p:pic>
+        <p:nvPicPr>
+          <p:cNvPr id="11" name="Picture 10"/>
+          <p:cNvPicPr>
+            <a:picLocks noChangeAspect="1"/>
+          </p:cNvPicPr>
+          <p:nvPr/>
+        </p:nvPicPr>
+        <p:blipFill>
+          <a:blip r:embed="rId12"/>
+          <a:stretch>
+            <a:fillRect/>
+          </a:stretch>
+        </p:blipFill>
+        <p:spPr>
+          <a:xfrm>
+            <a:off x="8000381" y="2203664"/>
+            <a:ext cx="3455899" cy="2378913"/>
+          </a:xfrm>
+          <a:prstGeom prst="rect">
+            <a:avLst/>
+          </a:prstGeom>
+        </p:spPr>
+      </p:pic>
+      <p:pic>
+        <p:nvPicPr>
+          <p:cNvPr id="12" name="Picture 11"/>
+          <p:cNvPicPr>
+            <a:picLocks noChangeAspect="1"/>
+          </p:cNvPicPr>
+          <p:nvPr/>
+        </p:nvPicPr>
+        <p:blipFill>
+          <a:blip r:embed="rId13"/>
+          <a:stretch>
+            <a:fillRect/>
+          </a:stretch>
+        </p:blipFill>
+        <p:spPr>
+          <a:xfrm>
+            <a:off x="8000381" y="4721090"/>
+            <a:ext cx="2961237" cy="1749822"/>
+          </a:xfrm>
+          <a:prstGeom prst="rect">
+            <a:avLst/>
+          </a:prstGeom>
+        </p:spPr>
+      </p:pic>
     </p:spTree>
     <p:extLst>
       <p:ext uri="{BB962C8B-B14F-4D97-AF65-F5344CB8AC3E}">
-        <p14:creationId xmlns:p14="http://schemas.microsoft.com/office/powerpoint/2010/main" val="1961006015"/>
+        <p14:creationId xmlns:p14="http://schemas.microsoft.com/office/powerpoint/2010/main" val="3410943032"/>
       </p:ext>
     </p:extLst>
   </p:cSld>
@@ -6832,142 +7251,57 @@
           <a:chExt cx="0" cy="0"/>
         </a:xfrm>
       </p:grpSpPr>
-      <p:grpSp>
-        <p:nvGrpSpPr>
-          <p:cNvPr id="2" name="Group 1">
-            <a:extLst>
-              <a:ext uri="{FF2B5EF4-FFF2-40B4-BE49-F238E27FC236}">
-                <a16:creationId xmlns:a16="http://schemas.microsoft.com/office/drawing/2014/main" id="{F31607D5-88DF-4F9D-8C6B-274CD1649B05}"/>
-              </a:ext>
-            </a:extLst>
-          </p:cNvPr>
-          <p:cNvGrpSpPr/>
-          <p:nvPr/>
-        </p:nvGrpSpPr>
-        <p:grpSpPr>
-          <a:xfrm>
-            <a:off x="1398788" y="2910579"/>
-            <a:ext cx="5757080" cy="3088633"/>
-            <a:chOff x="251011" y="3569670"/>
-            <a:chExt cx="5757080" cy="3088633"/>
-          </a:xfrm>
-        </p:grpSpPr>
-        <p:pic>
-          <p:nvPicPr>
-            <p:cNvPr id="3" name="Picture 2">
-              <a:extLst>
-                <a:ext uri="{FF2B5EF4-FFF2-40B4-BE49-F238E27FC236}">
-                  <a16:creationId xmlns:a16="http://schemas.microsoft.com/office/drawing/2014/main" id="{17AC65FD-FF09-4BCE-B98D-C28C86D5FB80}"/>
-                </a:ext>
-              </a:extLst>
-            </p:cNvPr>
-            <p:cNvPicPr>
-              <a:picLocks noChangeAspect="1"/>
-            </p:cNvPicPr>
-            <p:nvPr/>
-          </p:nvPicPr>
-          <p:blipFill>
-            <a:blip r:embed="rId2"/>
-            <a:stretch>
-              <a:fillRect/>
-            </a:stretch>
-          </p:blipFill>
-          <p:spPr>
-            <a:xfrm>
-              <a:off x="251011" y="4210402"/>
-              <a:ext cx="2014028" cy="1700842"/>
-            </a:xfrm>
-            <a:prstGeom prst="rect">
-              <a:avLst/>
-            </a:prstGeom>
-          </p:spPr>
-        </p:pic>
-        <p:pic>
-          <p:nvPicPr>
-            <p:cNvPr id="4" name="Picture 3">
-              <a:extLst>
-                <a:ext uri="{FF2B5EF4-FFF2-40B4-BE49-F238E27FC236}">
-                  <a16:creationId xmlns:a16="http://schemas.microsoft.com/office/drawing/2014/main" id="{E37D7253-A3EC-4CA8-95A6-7B798C33AF5C}"/>
-                </a:ext>
-              </a:extLst>
-            </p:cNvPr>
-            <p:cNvPicPr>
-              <a:picLocks noChangeAspect="1"/>
-            </p:cNvPicPr>
-            <p:nvPr/>
-          </p:nvPicPr>
-          <p:blipFill>
-            <a:blip r:embed="rId3"/>
-            <a:stretch>
-              <a:fillRect/>
-            </a:stretch>
-          </p:blipFill>
-          <p:spPr>
-            <a:xfrm>
-              <a:off x="3472329" y="3569670"/>
-              <a:ext cx="2535762" cy="3088633"/>
-            </a:xfrm>
-            <a:prstGeom prst="rect">
-              <a:avLst/>
-            </a:prstGeom>
-          </p:spPr>
-        </p:pic>
-        <p:sp>
-          <p:nvSpPr>
-            <p:cNvPr id="5" name="Right Arrow 13">
-              <a:extLst>
-                <a:ext uri="{FF2B5EF4-FFF2-40B4-BE49-F238E27FC236}">
-                  <a16:creationId xmlns:a16="http://schemas.microsoft.com/office/drawing/2014/main" id="{60238703-8AF8-4035-9EA7-CFFE37B40F7B}"/>
-                </a:ext>
-              </a:extLst>
-            </p:cNvPr>
-            <p:cNvSpPr/>
-            <p:nvPr/>
-          </p:nvSpPr>
-          <p:spPr>
-            <a:xfrm>
-              <a:off x="1996141" y="5522773"/>
-              <a:ext cx="1476188" cy="388471"/>
-            </a:xfrm>
-            <a:prstGeom prst="rightArrow">
-              <a:avLst/>
-            </a:prstGeom>
-          </p:spPr>
-          <p:style>
-            <a:lnRef idx="2">
-              <a:schemeClr val="accent1">
-                <a:shade val="50000"/>
-              </a:schemeClr>
-            </a:lnRef>
-            <a:fillRef idx="1">
-              <a:schemeClr val="accent1"/>
-            </a:fillRef>
-            <a:effectRef idx="0">
-              <a:schemeClr val="accent1"/>
-            </a:effectRef>
-            <a:fontRef idx="minor">
-              <a:schemeClr val="lt1"/>
-            </a:fontRef>
-          </p:style>
-          <p:txBody>
-            <a:bodyPr rtlCol="0" anchor="ctr"/>
-            <a:lstStyle/>
-            <a:p>
-              <a:pPr algn="ctr"/>
-              <a:endParaRPr lang="en-US"/>
-            </a:p>
-          </p:txBody>
-        </p:sp>
-      </p:grpSp>
       <p:pic>
         <p:nvPicPr>
-          <p:cNvPr id="6" name="Picture 5">
-            <a:extLst>
-              <a:ext uri="{FF2B5EF4-FFF2-40B4-BE49-F238E27FC236}">
-                <a16:creationId xmlns:a16="http://schemas.microsoft.com/office/drawing/2014/main" id="{89B2B560-D032-4515-A5D0-6B7B9B4E0E46}"/>
-              </a:ext>
-            </a:extLst>
-          </p:cNvPr>
+          <p:cNvPr id="2" name="Picture 1"/>
+          <p:cNvPicPr>
+            <a:picLocks noChangeAspect="1"/>
+          </p:cNvPicPr>
+          <p:nvPr/>
+        </p:nvPicPr>
+        <p:blipFill>
+          <a:blip r:embed="rId2"/>
+          <a:stretch>
+            <a:fillRect/>
+          </a:stretch>
+        </p:blipFill>
+        <p:spPr>
+          <a:xfrm>
+            <a:off x="262966" y="285356"/>
+            <a:ext cx="3665152" cy="2248092"/>
+          </a:xfrm>
+          <a:prstGeom prst="rect">
+            <a:avLst/>
+          </a:prstGeom>
+        </p:spPr>
+      </p:pic>
+      <p:pic>
+        <p:nvPicPr>
+          <p:cNvPr id="13" name="Picture 12"/>
+          <p:cNvPicPr>
+            <a:picLocks noChangeAspect="1"/>
+          </p:cNvPicPr>
+          <p:nvPr/>
+        </p:nvPicPr>
+        <p:blipFill>
+          <a:blip r:embed="rId3"/>
+          <a:stretch>
+            <a:fillRect/>
+          </a:stretch>
+        </p:blipFill>
+        <p:spPr>
+          <a:xfrm>
+            <a:off x="4876800" y="285356"/>
+            <a:ext cx="5075774" cy="2925792"/>
+          </a:xfrm>
+          <a:prstGeom prst="rect">
+            <a:avLst/>
+          </a:prstGeom>
+        </p:spPr>
+      </p:pic>
+      <p:pic>
+        <p:nvPicPr>
+          <p:cNvPr id="14" name="Picture 13"/>
           <p:cNvPicPr>
             <a:picLocks noChangeAspect="1"/>
           </p:cNvPicPr>
@@ -6981,8 +7315,32 @@
         </p:blipFill>
         <p:spPr>
           <a:xfrm>
-            <a:off x="1829048" y="496510"/>
-            <a:ext cx="3607607" cy="1599077"/>
+            <a:off x="4876800" y="3435225"/>
+            <a:ext cx="3925515" cy="2161820"/>
+          </a:xfrm>
+          <a:prstGeom prst="rect">
+            <a:avLst/>
+          </a:prstGeom>
+        </p:spPr>
+      </p:pic>
+      <p:pic>
+        <p:nvPicPr>
+          <p:cNvPr id="15" name="Picture 14"/>
+          <p:cNvPicPr>
+            <a:picLocks noChangeAspect="1"/>
+          </p:cNvPicPr>
+          <p:nvPr/>
+        </p:nvPicPr>
+        <p:blipFill>
+          <a:blip r:embed="rId5"/>
+          <a:stretch>
+            <a:fillRect/>
+          </a:stretch>
+        </p:blipFill>
+        <p:spPr>
+          <a:xfrm>
+            <a:off x="9209741" y="3435225"/>
+            <a:ext cx="2302081" cy="1526346"/>
           </a:xfrm>
           <a:prstGeom prst="rect">
             <a:avLst/>
@@ -6992,7 +7350,7 @@
     </p:spTree>
     <p:extLst>
       <p:ext uri="{BB962C8B-B14F-4D97-AF65-F5344CB8AC3E}">
-        <p14:creationId xmlns:p14="http://schemas.microsoft.com/office/powerpoint/2010/main" val="2880202069"/>
+        <p14:creationId xmlns:p14="http://schemas.microsoft.com/office/powerpoint/2010/main" val="3224970045"/>
       </p:ext>
     </p:extLst>
   </p:cSld>
@@ -7024,7 +7382,7 @@
           <p:cNvPr id="2" name="Title 1">
             <a:extLst>
               <a:ext uri="{FF2B5EF4-FFF2-40B4-BE49-F238E27FC236}">
-                <a16:creationId xmlns:a16="http://schemas.microsoft.com/office/drawing/2014/main" id="{B4A4D2FB-994A-4081-AAB3-1BF22E8841B0}"/>
+                <a16:creationId xmlns:a16="http://schemas.microsoft.com/office/drawing/2014/main" id="{D21888E8-500D-4455-AD35-F4DC714207B6}"/>
               </a:ext>
             </a:extLst>
           </p:cNvPr>
@@ -7035,7 +7393,12 @@
             <p:ph type="title"/>
           </p:nvPr>
         </p:nvSpPr>
-        <p:spPr/>
+        <p:spPr>
+          <a:xfrm>
+            <a:off x="838200" y="365126"/>
+            <a:ext cx="10515600" cy="557588"/>
+          </a:xfrm>
+        </p:spPr>
         <p:txBody>
           <a:bodyPr>
             <a:normAutofit/>
@@ -7043,18 +7406,18 @@
           <a:lstStyle/>
           <a:p>
             <a:r>
-              <a:rPr lang="en-US" sz="4400" dirty="0"/>
-              <a:t>Forecasting Using ARIMA Models in Python</a:t>
-            </a:r>
-          </a:p>
-        </p:txBody>
-      </p:sp>
-      <p:sp>
-        <p:nvSpPr>
-          <p:cNvPr id="3" name="Text Placeholder 2">
+              <a:rPr lang="en-US" sz="2800" b="1" dirty="0"/>
+              <a:t>ARIMA Model Forecasting</a:t>
+            </a:r>
+          </a:p>
+        </p:txBody>
+      </p:sp>
+      <p:sp>
+        <p:nvSpPr>
+          <p:cNvPr id="3" name="Content Placeholder 2">
             <a:extLst>
               <a:ext uri="{FF2B5EF4-FFF2-40B4-BE49-F238E27FC236}">
-                <a16:creationId xmlns:a16="http://schemas.microsoft.com/office/drawing/2014/main" id="{C730F032-0C60-43A0-80D0-215C7FF04611}"/>
+                <a16:creationId xmlns:a16="http://schemas.microsoft.com/office/drawing/2014/main" id="{CF9F60B2-44C3-45C6-9DDB-1780F73DD7C5}"/>
               </a:ext>
             </a:extLst>
           </p:cNvPr>
@@ -7062,25 +7425,254 @@
             <a:spLocks noGrp="1"/>
           </p:cNvSpPr>
           <p:nvPr>
-            <p:ph type="body" idx="1"/>
+            <p:ph idx="1"/>
           </p:nvPr>
         </p:nvSpPr>
-        <p:spPr/>
-        <p:txBody>
-          <a:bodyPr/>
+        <p:spPr>
+          <a:xfrm>
+            <a:off x="838199" y="922714"/>
+            <a:ext cx="4560917" cy="5254249"/>
+          </a:xfrm>
+        </p:spPr>
+        <p:txBody>
+          <a:bodyPr>
+            <a:normAutofit/>
+          </a:bodyPr>
           <a:lstStyle/>
           <a:p>
             <a:r>
-              <a:rPr lang="en-US" dirty="0"/>
-              <a:t>Additional Insights</a:t>
-            </a:r>
+              <a:rPr lang="en-US" sz="1800" dirty="0"/>
+              <a:t>Loading single time-series</a:t>
+            </a:r>
+          </a:p>
+          <a:p>
+            <a:r>
+              <a:rPr lang="en-US" sz="1800" dirty="0"/>
+              <a:t>Loading multiple time-series</a:t>
+            </a:r>
+          </a:p>
+          <a:p>
+            <a:r>
+              <a:rPr lang="en-US" sz="1800" dirty="0"/>
+              <a:t>Plotting time-series to observe</a:t>
+            </a:r>
+          </a:p>
+          <a:p>
+            <a:pPr lvl="1"/>
+            <a:r>
+              <a:rPr lang="en-US" sz="1100" dirty="0"/>
+              <a:t>Stationarity </a:t>
+            </a:r>
+            <a:r>
+              <a:rPr lang="en-US" sz="1100" dirty="0">
+                <a:sym typeface="Wingdings" panose="05000000000000000000" pitchFamily="2" charset="2"/>
+              </a:rPr>
+              <a:t> trend, </a:t>
+            </a:r>
+            <a:r>
+              <a:rPr lang="en-US" sz="1100" dirty="0" err="1">
+                <a:sym typeface="Wingdings" panose="05000000000000000000" pitchFamily="2" charset="2"/>
+              </a:rPr>
+              <a:t>skedasticity</a:t>
+            </a:r>
+            <a:r>
+              <a:rPr lang="en-US" sz="1100" dirty="0">
+                <a:sym typeface="Wingdings" panose="05000000000000000000" pitchFamily="2" charset="2"/>
+              </a:rPr>
+              <a:t>, autocorrelation</a:t>
+            </a:r>
+          </a:p>
+          <a:p>
+            <a:pPr lvl="1"/>
+            <a:r>
+              <a:rPr lang="en-US" sz="1100" dirty="0">
+                <a:sym typeface="Wingdings" panose="05000000000000000000" pitchFamily="2" charset="2"/>
+              </a:rPr>
+              <a:t>Periodicity  seasonality, cyclicality</a:t>
+            </a:r>
+          </a:p>
+          <a:p>
+            <a:r>
+              <a:rPr lang="en-US" sz="1500" dirty="0">
+                <a:sym typeface="Wingdings" panose="05000000000000000000" pitchFamily="2" charset="2"/>
+              </a:rPr>
+              <a:t>Augmented Dicky-Fuller test for trend stationarity – </a:t>
+            </a:r>
+            <a:r>
+              <a:rPr lang="en-US" sz="1200" i="1" dirty="0">
+                <a:sym typeface="Wingdings" panose="05000000000000000000" pitchFamily="2" charset="2"/>
+              </a:rPr>
+              <a:t>what about testing for </a:t>
+            </a:r>
+            <a:r>
+              <a:rPr lang="en-US" sz="1200" i="1" dirty="0" err="1">
+                <a:sym typeface="Wingdings" panose="05000000000000000000" pitchFamily="2" charset="2"/>
+              </a:rPr>
+              <a:t>skedasticity</a:t>
+            </a:r>
+            <a:r>
+              <a:rPr lang="en-US" sz="1200" i="1" dirty="0">
+                <a:sym typeface="Wingdings" panose="05000000000000000000" pitchFamily="2" charset="2"/>
+              </a:rPr>
+              <a:t> and autocorrelation?</a:t>
+            </a:r>
+            <a:endParaRPr lang="en-US" sz="1500" i="1" dirty="0">
+              <a:sym typeface="Wingdings" panose="05000000000000000000" pitchFamily="2" charset="2"/>
+            </a:endParaRPr>
+          </a:p>
+          <a:p>
+            <a:r>
+              <a:rPr lang="en-US" sz="1500" dirty="0">
+                <a:sym typeface="Wingdings" panose="05000000000000000000" pitchFamily="2" charset="2"/>
+              </a:rPr>
+              <a:t>Converting non-stationary TS to stationary TS –</a:t>
+            </a:r>
+            <a:br>
+              <a:rPr lang="en-US" sz="1500" dirty="0">
+                <a:sym typeface="Wingdings" panose="05000000000000000000" pitchFamily="2" charset="2"/>
+              </a:rPr>
+            </a:br>
+            <a:r>
+              <a:rPr lang="en-US" sz="1200" i="1" dirty="0">
+                <a:sym typeface="Wingdings" panose="05000000000000000000" pitchFamily="2" charset="2"/>
+              </a:rPr>
+              <a:t>how does inverse transforms work?</a:t>
+            </a:r>
+          </a:p>
+          <a:p>
+            <a:pPr lvl="1"/>
+            <a:r>
+              <a:rPr lang="en-US" sz="1100" dirty="0">
+                <a:sym typeface="Wingdings" panose="05000000000000000000" pitchFamily="2" charset="2"/>
+              </a:rPr>
+              <a:t>nth order differencing</a:t>
+            </a:r>
+          </a:p>
+          <a:p>
+            <a:pPr lvl="1"/>
+            <a:r>
+              <a:rPr lang="en-US" sz="1100" dirty="0">
+                <a:sym typeface="Wingdings" panose="05000000000000000000" pitchFamily="2" charset="2"/>
+              </a:rPr>
+              <a:t>proportional change</a:t>
+            </a:r>
+          </a:p>
+          <a:p>
+            <a:pPr lvl="1"/>
+            <a:r>
+              <a:rPr lang="en-US" sz="1100" dirty="0">
+                <a:sym typeface="Wingdings" panose="05000000000000000000" pitchFamily="2" charset="2"/>
+              </a:rPr>
+              <a:t>square root</a:t>
+            </a:r>
+          </a:p>
+          <a:p>
+            <a:pPr lvl="1"/>
+            <a:r>
+              <a:rPr lang="en-US" sz="1100" dirty="0">
+                <a:sym typeface="Wingdings" panose="05000000000000000000" pitchFamily="2" charset="2"/>
+              </a:rPr>
+              <a:t>log </a:t>
+            </a:r>
+          </a:p>
+          <a:p>
+            <a:r>
+              <a:rPr lang="en-US" sz="1500" dirty="0">
+                <a:sym typeface="Wingdings" panose="05000000000000000000" pitchFamily="2" charset="2"/>
+              </a:rPr>
+              <a:t>Retesting for stationarity</a:t>
+            </a:r>
+          </a:p>
+          <a:p>
+            <a:r>
+              <a:rPr lang="en-US" sz="1500" dirty="0">
+                <a:sym typeface="Wingdings" panose="05000000000000000000" pitchFamily="2" charset="2"/>
+              </a:rPr>
+              <a:t>Fit a preliminary </a:t>
+            </a:r>
+            <a:r>
+              <a:rPr lang="en-US" sz="1500" dirty="0" err="1">
+                <a:sym typeface="Wingdings" panose="05000000000000000000" pitchFamily="2" charset="2"/>
+              </a:rPr>
+              <a:t>ARMA</a:t>
+            </a:r>
+            <a:r>
+              <a:rPr lang="en-US" sz="1500" dirty="0">
+                <a:sym typeface="Wingdings" panose="05000000000000000000" pitchFamily="2" charset="2"/>
+              </a:rPr>
+              <a:t> model –</a:t>
+            </a:r>
+            <a:br>
+              <a:rPr lang="en-US" sz="1500" dirty="0">
+                <a:sym typeface="Wingdings" panose="05000000000000000000" pitchFamily="2" charset="2"/>
+              </a:rPr>
+            </a:br>
+            <a:r>
+              <a:rPr lang="en-US" sz="1200" i="1" dirty="0">
+                <a:sym typeface="Wingdings" panose="05000000000000000000" pitchFamily="2" charset="2"/>
+              </a:rPr>
+              <a:t>why is an MA model a moving average model?</a:t>
+            </a:r>
+            <a:br>
+              <a:rPr lang="en-US" sz="1200" i="1" dirty="0">
+                <a:sym typeface="Wingdings" panose="05000000000000000000" pitchFamily="2" charset="2"/>
+              </a:rPr>
+            </a:br>
+            <a:r>
+              <a:rPr lang="en-US" sz="1200" i="1" dirty="0">
+                <a:sym typeface="Wingdings" panose="05000000000000000000" pitchFamily="2" charset="2"/>
+              </a:rPr>
+              <a:t>from where are the shock terms in the MA model derived?</a:t>
+            </a:r>
+            <a:br>
+              <a:rPr lang="en-US" sz="1200" i="1" dirty="0">
+                <a:sym typeface="Wingdings" panose="05000000000000000000" pitchFamily="2" charset="2"/>
+              </a:rPr>
+            </a:br>
+            <a:r>
+              <a:rPr lang="en-US" sz="1200" i="1" dirty="0">
+                <a:sym typeface="Wingdings" panose="05000000000000000000" pitchFamily="2" charset="2"/>
+              </a:rPr>
+              <a:t>how are the p and q model orders chosen?</a:t>
+            </a:r>
+            <a:br>
+              <a:rPr lang="en-US" sz="1200" i="1" dirty="0">
+                <a:sym typeface="Wingdings" panose="05000000000000000000" pitchFamily="2" charset="2"/>
+              </a:rPr>
+            </a:br>
+            <a:r>
+              <a:rPr lang="en-US" sz="1500" dirty="0">
+                <a:sym typeface="Wingdings" panose="05000000000000000000" pitchFamily="2" charset="2"/>
+              </a:rPr>
+              <a:t/>
+            </a:r>
+            <a:br>
+              <a:rPr lang="en-US" sz="1500" dirty="0">
+                <a:sym typeface="Wingdings" panose="05000000000000000000" pitchFamily="2" charset="2"/>
+              </a:rPr>
+            </a:br>
+            <a:endParaRPr lang="en-US" sz="1500" dirty="0">
+              <a:sym typeface="Wingdings" panose="05000000000000000000" pitchFamily="2" charset="2"/>
+            </a:endParaRPr>
+          </a:p>
+          <a:p>
+            <a:pPr lvl="1"/>
+            <a:endParaRPr lang="en-US" sz="1100" dirty="0">
+              <a:sym typeface="Wingdings" panose="05000000000000000000" pitchFamily="2" charset="2"/>
+            </a:endParaRPr>
+          </a:p>
+          <a:p>
+            <a:endParaRPr lang="en-US" sz="1500" dirty="0"/>
+          </a:p>
+          <a:p>
+            <a:endParaRPr lang="en-US" sz="1800" dirty="0"/>
           </a:p>
         </p:txBody>
       </p:sp>
     </p:spTree>
     <p:extLst>
       <p:ext uri="{BB962C8B-B14F-4D97-AF65-F5344CB8AC3E}">
-        <p14:creationId xmlns:p14="http://schemas.microsoft.com/office/powerpoint/2010/main" val="1264629652"/>
+        <p14:creationId xmlns:p14="http://schemas.microsoft.com/office/powerpoint/2010/main" val="1680492806"/>
       </p:ext>
     </p:extLst>
   </p:cSld>

--- a/DataCamp/forecasting-using-arima-models-in-python/forecasting-using-arima-models-in-python-Copy1.pptx
+++ b/DataCamp/forecasting-using-arima-models-in-python/forecasting-using-arima-models-in-python-Copy1.pptx
@@ -13,10 +13,12 @@
     <p:sldId id="266" r:id="rId7"/>
     <p:sldId id="268" r:id="rId8"/>
     <p:sldId id="269" r:id="rId9"/>
-    <p:sldId id="264" r:id="rId10"/>
-    <p:sldId id="263" r:id="rId11"/>
-    <p:sldId id="267" r:id="rId12"/>
-    <p:sldId id="262" r:id="rId13"/>
+    <p:sldId id="272" r:id="rId10"/>
+    <p:sldId id="270" r:id="rId11"/>
+    <p:sldId id="264" r:id="rId12"/>
+    <p:sldId id="263" r:id="rId13"/>
+    <p:sldId id="267" r:id="rId14"/>
+    <p:sldId id="262" r:id="rId15"/>
   </p:sldIdLst>
   <p:sldSz cx="12192000" cy="6858000"/>
   <p:notesSz cx="6858000" cy="9144000"/>
@@ -1340,7 +1342,7 @@
           <a:p>
             <a:fld id="{52B7C267-AE6F-400E-833A-3F1AAF069A4D}" type="datetimeFigureOut">
               <a:rPr lang="en-US" smtClean="0"/>
-              <a:t>1/8/2020</a:t>
+              <a:t>1/10/2020</a:t>
             </a:fld>
             <a:endParaRPr lang="en-US"/>
           </a:p>
@@ -1508,7 +1510,7 @@
           <a:p>
             <a:fld id="{52B7C267-AE6F-400E-833A-3F1AAF069A4D}" type="datetimeFigureOut">
               <a:rPr lang="en-US" smtClean="0"/>
-              <a:t>1/8/2020</a:t>
+              <a:t>1/10/2020</a:t>
             </a:fld>
             <a:endParaRPr lang="en-US"/>
           </a:p>
@@ -1686,7 +1688,7 @@
           <a:p>
             <a:fld id="{52B7C267-AE6F-400E-833A-3F1AAF069A4D}" type="datetimeFigureOut">
               <a:rPr lang="en-US" smtClean="0"/>
-              <a:t>1/8/2020</a:t>
+              <a:t>1/10/2020</a:t>
             </a:fld>
             <a:endParaRPr lang="en-US"/>
           </a:p>
@@ -1854,7 +1856,7 @@
           <a:p>
             <a:fld id="{52B7C267-AE6F-400E-833A-3F1AAF069A4D}" type="datetimeFigureOut">
               <a:rPr lang="en-US" smtClean="0"/>
-              <a:t>1/8/2020</a:t>
+              <a:t>1/10/2020</a:t>
             </a:fld>
             <a:endParaRPr lang="en-US"/>
           </a:p>
@@ -2099,7 +2101,7 @@
           <a:p>
             <a:fld id="{52B7C267-AE6F-400E-833A-3F1AAF069A4D}" type="datetimeFigureOut">
               <a:rPr lang="en-US" smtClean="0"/>
-              <a:t>1/8/2020</a:t>
+              <a:t>1/10/2020</a:t>
             </a:fld>
             <a:endParaRPr lang="en-US"/>
           </a:p>
@@ -2328,7 +2330,7 @@
           <a:p>
             <a:fld id="{52B7C267-AE6F-400E-833A-3F1AAF069A4D}" type="datetimeFigureOut">
               <a:rPr lang="en-US" smtClean="0"/>
-              <a:t>1/8/2020</a:t>
+              <a:t>1/10/2020</a:t>
             </a:fld>
             <a:endParaRPr lang="en-US"/>
           </a:p>
@@ -2692,7 +2694,7 @@
           <a:p>
             <a:fld id="{52B7C267-AE6F-400E-833A-3F1AAF069A4D}" type="datetimeFigureOut">
               <a:rPr lang="en-US" smtClean="0"/>
-              <a:t>1/8/2020</a:t>
+              <a:t>1/10/2020</a:t>
             </a:fld>
             <a:endParaRPr lang="en-US"/>
           </a:p>
@@ -2809,7 +2811,7 @@
           <a:p>
             <a:fld id="{52B7C267-AE6F-400E-833A-3F1AAF069A4D}" type="datetimeFigureOut">
               <a:rPr lang="en-US" smtClean="0"/>
-              <a:t>1/8/2020</a:t>
+              <a:t>1/10/2020</a:t>
             </a:fld>
             <a:endParaRPr lang="en-US"/>
           </a:p>
@@ -2904,7 +2906,7 @@
           <a:p>
             <a:fld id="{52B7C267-AE6F-400E-833A-3F1AAF069A4D}" type="datetimeFigureOut">
               <a:rPr lang="en-US" smtClean="0"/>
-              <a:t>1/8/2020</a:t>
+              <a:t>1/10/2020</a:t>
             </a:fld>
             <a:endParaRPr lang="en-US"/>
           </a:p>
@@ -3179,7 +3181,7 @@
           <a:p>
             <a:fld id="{52B7C267-AE6F-400E-833A-3F1AAF069A4D}" type="datetimeFigureOut">
               <a:rPr lang="en-US" smtClean="0"/>
-              <a:t>1/8/2020</a:t>
+              <a:t>1/10/2020</a:t>
             </a:fld>
             <a:endParaRPr lang="en-US"/>
           </a:p>
@@ -3431,7 +3433,7 @@
           <a:p>
             <a:fld id="{52B7C267-AE6F-400E-833A-3F1AAF069A4D}" type="datetimeFigureOut">
               <a:rPr lang="en-US" smtClean="0"/>
-              <a:t>1/8/2020</a:t>
+              <a:t>1/10/2020</a:t>
             </a:fld>
             <a:endParaRPr lang="en-US"/>
           </a:p>
@@ -3642,7 +3644,7 @@
           <a:p>
             <a:fld id="{52B7C267-AE6F-400E-833A-3F1AAF069A4D}" type="datetimeFigureOut">
               <a:rPr lang="en-US" smtClean="0"/>
-              <a:t>1/8/2020</a:t>
+              <a:t>1/10/2020</a:t>
             </a:fld>
             <a:endParaRPr lang="en-US"/>
           </a:p>
@@ -4139,6 +4141,566 @@
           <a:chExt cx="0" cy="0"/>
         </a:xfrm>
       </p:grpSpPr>
+      <p:pic>
+        <p:nvPicPr>
+          <p:cNvPr id="2" name="Picture 1"/>
+          <p:cNvPicPr>
+            <a:picLocks noChangeAspect="1"/>
+          </p:cNvPicPr>
+          <p:nvPr/>
+        </p:nvPicPr>
+        <p:blipFill>
+          <a:blip r:embed="rId2"/>
+          <a:stretch>
+            <a:fillRect/>
+          </a:stretch>
+        </p:blipFill>
+        <p:spPr>
+          <a:xfrm>
+            <a:off x="465083" y="291531"/>
+            <a:ext cx="11122572" cy="735235"/>
+          </a:xfrm>
+          <a:prstGeom prst="rect">
+            <a:avLst/>
+          </a:prstGeom>
+        </p:spPr>
+      </p:pic>
+      <p:pic>
+        <p:nvPicPr>
+          <p:cNvPr id="3" name="Picture 2"/>
+          <p:cNvPicPr>
+            <a:picLocks noChangeAspect="1"/>
+          </p:cNvPicPr>
+          <p:nvPr/>
+        </p:nvPicPr>
+        <p:blipFill>
+          <a:blip r:embed="rId3"/>
+          <a:stretch>
+            <a:fillRect/>
+          </a:stretch>
+        </p:blipFill>
+        <p:spPr>
+          <a:xfrm>
+            <a:off x="404322" y="1213797"/>
+            <a:ext cx="4911193" cy="2434710"/>
+          </a:xfrm>
+          <a:prstGeom prst="rect">
+            <a:avLst/>
+          </a:prstGeom>
+        </p:spPr>
+      </p:pic>
+      <p:pic>
+        <p:nvPicPr>
+          <p:cNvPr id="4" name="Picture 3"/>
+          <p:cNvPicPr>
+            <a:picLocks noChangeAspect="1"/>
+          </p:cNvPicPr>
+          <p:nvPr/>
+        </p:nvPicPr>
+        <p:blipFill>
+          <a:blip r:embed="rId4"/>
+          <a:stretch>
+            <a:fillRect/>
+          </a:stretch>
+        </p:blipFill>
+        <p:spPr>
+          <a:xfrm>
+            <a:off x="6014779" y="1238656"/>
+            <a:ext cx="5446752" cy="2468153"/>
+          </a:xfrm>
+          <a:prstGeom prst="rect">
+            <a:avLst/>
+          </a:prstGeom>
+        </p:spPr>
+      </p:pic>
+      <p:pic>
+        <p:nvPicPr>
+          <p:cNvPr id="5" name="Picture 4"/>
+          <p:cNvPicPr>
+            <a:picLocks noChangeAspect="1"/>
+          </p:cNvPicPr>
+          <p:nvPr/>
+        </p:nvPicPr>
+        <p:blipFill>
+          <a:blip r:embed="rId5"/>
+          <a:stretch>
+            <a:fillRect/>
+          </a:stretch>
+        </p:blipFill>
+        <p:spPr>
+          <a:xfrm>
+            <a:off x="8544847" y="3918699"/>
+            <a:ext cx="4070760" cy="2409890"/>
+          </a:xfrm>
+          <a:prstGeom prst="rect">
+            <a:avLst/>
+          </a:prstGeom>
+        </p:spPr>
+      </p:pic>
+      <p:sp>
+        <p:nvSpPr>
+          <p:cNvPr id="6" name="Down Arrow 5"/>
+          <p:cNvSpPr/>
+          <p:nvPr/>
+        </p:nvSpPr>
+        <p:spPr>
+          <a:xfrm>
+            <a:off x="10092892" y="3176366"/>
+            <a:ext cx="167341" cy="472141"/>
+          </a:xfrm>
+          <a:prstGeom prst="downArrow">
+            <a:avLst/>
+          </a:prstGeom>
+        </p:spPr>
+        <p:style>
+          <a:lnRef idx="2">
+            <a:schemeClr val="accent1">
+              <a:shade val="50000"/>
+            </a:schemeClr>
+          </a:lnRef>
+          <a:fillRef idx="1">
+            <a:schemeClr val="accent1"/>
+          </a:fillRef>
+          <a:effectRef idx="0">
+            <a:schemeClr val="accent1"/>
+          </a:effectRef>
+          <a:fontRef idx="minor">
+            <a:schemeClr val="lt1"/>
+          </a:fontRef>
+        </p:style>
+        <p:txBody>
+          <a:bodyPr rtlCol="0" anchor="ctr"/>
+          <a:lstStyle/>
+          <a:p>
+            <a:pPr algn="ctr"/>
+            <a:endParaRPr lang="en-US"/>
+          </a:p>
+        </p:txBody>
+      </p:sp>
+      <p:pic>
+        <p:nvPicPr>
+          <p:cNvPr id="7" name="Picture 6"/>
+          <p:cNvPicPr>
+            <a:picLocks noChangeAspect="1"/>
+          </p:cNvPicPr>
+          <p:nvPr/>
+        </p:nvPicPr>
+        <p:blipFill>
+          <a:blip r:embed="rId6"/>
+          <a:stretch>
+            <a:fillRect/>
+          </a:stretch>
+        </p:blipFill>
+        <p:spPr>
+          <a:xfrm>
+            <a:off x="465083" y="3835538"/>
+            <a:ext cx="3181285" cy="1833765"/>
+          </a:xfrm>
+          <a:prstGeom prst="rect">
+            <a:avLst/>
+          </a:prstGeom>
+        </p:spPr>
+      </p:pic>
+      <p:pic>
+        <p:nvPicPr>
+          <p:cNvPr id="8" name="Picture 7"/>
+          <p:cNvPicPr>
+            <a:picLocks noChangeAspect="1"/>
+          </p:cNvPicPr>
+          <p:nvPr/>
+        </p:nvPicPr>
+        <p:blipFill>
+          <a:blip r:embed="rId7"/>
+          <a:stretch>
+            <a:fillRect/>
+          </a:stretch>
+        </p:blipFill>
+        <p:spPr>
+          <a:xfrm>
+            <a:off x="4451991" y="4257172"/>
+            <a:ext cx="3925515" cy="2161820"/>
+          </a:xfrm>
+          <a:prstGeom prst="rect">
+            <a:avLst/>
+          </a:prstGeom>
+        </p:spPr>
+      </p:pic>
+      <p:pic>
+        <p:nvPicPr>
+          <p:cNvPr id="10" name="Picture 9"/>
+          <p:cNvPicPr>
+            <a:picLocks noChangeAspect="1"/>
+          </p:cNvPicPr>
+          <p:nvPr/>
+        </p:nvPicPr>
+        <p:blipFill>
+          <a:blip r:embed="rId8"/>
+          <a:stretch>
+            <a:fillRect/>
+          </a:stretch>
+        </p:blipFill>
+        <p:spPr>
+          <a:xfrm>
+            <a:off x="1063555" y="6094827"/>
+            <a:ext cx="2302081" cy="1526346"/>
+          </a:xfrm>
+          <a:prstGeom prst="rect">
+            <a:avLst/>
+          </a:prstGeom>
+        </p:spPr>
+      </p:pic>
+    </p:spTree>
+    <p:extLst>
+      <p:ext uri="{BB962C8B-B14F-4D97-AF65-F5344CB8AC3E}">
+        <p14:creationId xmlns:p14="http://schemas.microsoft.com/office/powerpoint/2010/main" val="1743299678"/>
+      </p:ext>
+    </p:extLst>
+  </p:cSld>
+  <p:clrMapOvr>
+    <a:masterClrMapping/>
+  </p:clrMapOvr>
+</p:sld>
+</file>
+
+<file path=ppt/slides/slide11.xml><?xml version="1.0" encoding="utf-8"?>
+<p:sld xmlns:a="http://schemas.openxmlformats.org/drawingml/2006/main" xmlns:r="http://schemas.openxmlformats.org/officeDocument/2006/relationships" xmlns:p="http://schemas.openxmlformats.org/presentationml/2006/main">
+  <p:cSld>
+    <p:spTree>
+      <p:nvGrpSpPr>
+        <p:cNvPr id="1" name=""/>
+        <p:cNvGrpSpPr/>
+        <p:nvPr/>
+      </p:nvGrpSpPr>
+      <p:grpSpPr>
+        <a:xfrm>
+          <a:off x="0" y="0"/>
+          <a:ext cx="0" cy="0"/>
+          <a:chOff x="0" y="0"/>
+          <a:chExt cx="0" cy="0"/>
+        </a:xfrm>
+      </p:grpSpPr>
+      <p:sp>
+        <p:nvSpPr>
+          <p:cNvPr id="2" name="Title 1">
+            <a:extLst>
+              <a:ext uri="{FF2B5EF4-FFF2-40B4-BE49-F238E27FC236}">
+                <a16:creationId xmlns:a16="http://schemas.microsoft.com/office/drawing/2014/main" id="{D21888E8-500D-4455-AD35-F4DC714207B6}"/>
+              </a:ext>
+            </a:extLst>
+          </p:cNvPr>
+          <p:cNvSpPr>
+            <a:spLocks noGrp="1"/>
+          </p:cNvSpPr>
+          <p:nvPr>
+            <p:ph type="title"/>
+          </p:nvPr>
+        </p:nvSpPr>
+        <p:spPr>
+          <a:xfrm>
+            <a:off x="838200" y="365126"/>
+            <a:ext cx="10515600" cy="557588"/>
+          </a:xfrm>
+        </p:spPr>
+        <p:txBody>
+          <a:bodyPr>
+            <a:normAutofit/>
+          </a:bodyPr>
+          <a:lstStyle/>
+          <a:p>
+            <a:r>
+              <a:rPr lang="en-US" sz="2800" b="1" dirty="0"/>
+              <a:t>ARIMA Model Forecasting</a:t>
+            </a:r>
+          </a:p>
+        </p:txBody>
+      </p:sp>
+      <p:sp>
+        <p:nvSpPr>
+          <p:cNvPr id="3" name="Content Placeholder 2">
+            <a:extLst>
+              <a:ext uri="{FF2B5EF4-FFF2-40B4-BE49-F238E27FC236}">
+                <a16:creationId xmlns:a16="http://schemas.microsoft.com/office/drawing/2014/main" id="{CF9F60B2-44C3-45C6-9DDB-1780F73DD7C5}"/>
+              </a:ext>
+            </a:extLst>
+          </p:cNvPr>
+          <p:cNvSpPr>
+            <a:spLocks noGrp="1"/>
+          </p:cNvSpPr>
+          <p:nvPr>
+            <p:ph idx="1"/>
+          </p:nvPr>
+        </p:nvSpPr>
+        <p:spPr>
+          <a:xfrm>
+            <a:off x="838199" y="922714"/>
+            <a:ext cx="4560917" cy="5254249"/>
+          </a:xfrm>
+        </p:spPr>
+        <p:txBody>
+          <a:bodyPr>
+            <a:normAutofit/>
+          </a:bodyPr>
+          <a:lstStyle/>
+          <a:p>
+            <a:r>
+              <a:rPr lang="en-US" sz="1800" dirty="0"/>
+              <a:t>Loading single time-series</a:t>
+            </a:r>
+          </a:p>
+          <a:p>
+            <a:r>
+              <a:rPr lang="en-US" sz="1800" dirty="0"/>
+              <a:t>Loading multiple time-series</a:t>
+            </a:r>
+          </a:p>
+          <a:p>
+            <a:r>
+              <a:rPr lang="en-US" sz="1800" dirty="0"/>
+              <a:t>Plotting time-series to observe</a:t>
+            </a:r>
+          </a:p>
+          <a:p>
+            <a:pPr lvl="1"/>
+            <a:r>
+              <a:rPr lang="en-US" sz="1100" dirty="0"/>
+              <a:t>Stationarity </a:t>
+            </a:r>
+            <a:r>
+              <a:rPr lang="en-US" sz="1100" dirty="0">
+                <a:sym typeface="Wingdings" panose="05000000000000000000" pitchFamily="2" charset="2"/>
+              </a:rPr>
+              <a:t> trend, </a:t>
+            </a:r>
+            <a:r>
+              <a:rPr lang="en-US" sz="1100" dirty="0" err="1">
+                <a:sym typeface="Wingdings" panose="05000000000000000000" pitchFamily="2" charset="2"/>
+              </a:rPr>
+              <a:t>skedasticity</a:t>
+            </a:r>
+            <a:r>
+              <a:rPr lang="en-US" sz="1100" dirty="0">
+                <a:sym typeface="Wingdings" panose="05000000000000000000" pitchFamily="2" charset="2"/>
+              </a:rPr>
+              <a:t>, autocorrelation</a:t>
+            </a:r>
+          </a:p>
+          <a:p>
+            <a:pPr lvl="1"/>
+            <a:r>
+              <a:rPr lang="en-US" sz="1100" dirty="0">
+                <a:sym typeface="Wingdings" panose="05000000000000000000" pitchFamily="2" charset="2"/>
+              </a:rPr>
+              <a:t>Periodicity  seasonality, cyclicality</a:t>
+            </a:r>
+          </a:p>
+          <a:p>
+            <a:r>
+              <a:rPr lang="en-US" sz="1500" dirty="0">
+                <a:sym typeface="Wingdings" panose="05000000000000000000" pitchFamily="2" charset="2"/>
+              </a:rPr>
+              <a:t>Augmented Dicky-Fuller test for trend stationarity – </a:t>
+            </a:r>
+            <a:r>
+              <a:rPr lang="en-US" sz="1200" i="1" dirty="0">
+                <a:sym typeface="Wingdings" panose="05000000000000000000" pitchFamily="2" charset="2"/>
+              </a:rPr>
+              <a:t>what about testing for </a:t>
+            </a:r>
+            <a:r>
+              <a:rPr lang="en-US" sz="1200" i="1" dirty="0" err="1">
+                <a:sym typeface="Wingdings" panose="05000000000000000000" pitchFamily="2" charset="2"/>
+              </a:rPr>
+              <a:t>skedasticity</a:t>
+            </a:r>
+            <a:r>
+              <a:rPr lang="en-US" sz="1200" i="1" dirty="0">
+                <a:sym typeface="Wingdings" panose="05000000000000000000" pitchFamily="2" charset="2"/>
+              </a:rPr>
+              <a:t> and autocorrelation?</a:t>
+            </a:r>
+            <a:endParaRPr lang="en-US" sz="1500" i="1" dirty="0">
+              <a:sym typeface="Wingdings" panose="05000000000000000000" pitchFamily="2" charset="2"/>
+            </a:endParaRPr>
+          </a:p>
+          <a:p>
+            <a:r>
+              <a:rPr lang="en-US" sz="1500" dirty="0">
+                <a:sym typeface="Wingdings" panose="05000000000000000000" pitchFamily="2" charset="2"/>
+              </a:rPr>
+              <a:t>Converting non-stationary TS to stationary TS –</a:t>
+            </a:r>
+            <a:br>
+              <a:rPr lang="en-US" sz="1500" dirty="0">
+                <a:sym typeface="Wingdings" panose="05000000000000000000" pitchFamily="2" charset="2"/>
+              </a:rPr>
+            </a:br>
+            <a:r>
+              <a:rPr lang="en-US" sz="1200" i="1" dirty="0">
+                <a:sym typeface="Wingdings" panose="05000000000000000000" pitchFamily="2" charset="2"/>
+              </a:rPr>
+              <a:t>how does inverse transforms work?</a:t>
+            </a:r>
+          </a:p>
+          <a:p>
+            <a:pPr lvl="1"/>
+            <a:r>
+              <a:rPr lang="en-US" sz="1100" dirty="0">
+                <a:sym typeface="Wingdings" panose="05000000000000000000" pitchFamily="2" charset="2"/>
+              </a:rPr>
+              <a:t>nth order differencing</a:t>
+            </a:r>
+          </a:p>
+          <a:p>
+            <a:pPr lvl="1"/>
+            <a:r>
+              <a:rPr lang="en-US" sz="1100" dirty="0">
+                <a:sym typeface="Wingdings" panose="05000000000000000000" pitchFamily="2" charset="2"/>
+              </a:rPr>
+              <a:t>proportional change</a:t>
+            </a:r>
+          </a:p>
+          <a:p>
+            <a:pPr lvl="1"/>
+            <a:r>
+              <a:rPr lang="en-US" sz="1100" dirty="0">
+                <a:sym typeface="Wingdings" panose="05000000000000000000" pitchFamily="2" charset="2"/>
+              </a:rPr>
+              <a:t>square root</a:t>
+            </a:r>
+          </a:p>
+          <a:p>
+            <a:pPr lvl="1"/>
+            <a:r>
+              <a:rPr lang="en-US" sz="1100" dirty="0">
+                <a:sym typeface="Wingdings" panose="05000000000000000000" pitchFamily="2" charset="2"/>
+              </a:rPr>
+              <a:t>log </a:t>
+            </a:r>
+          </a:p>
+          <a:p>
+            <a:r>
+              <a:rPr lang="en-US" sz="1500" dirty="0">
+                <a:sym typeface="Wingdings" panose="05000000000000000000" pitchFamily="2" charset="2"/>
+              </a:rPr>
+              <a:t>Retesting for stationarity</a:t>
+            </a:r>
+          </a:p>
+          <a:p>
+            <a:r>
+              <a:rPr lang="en-US" sz="1500" dirty="0">
+                <a:sym typeface="Wingdings" panose="05000000000000000000" pitchFamily="2" charset="2"/>
+              </a:rPr>
+              <a:t>Fit a preliminary </a:t>
+            </a:r>
+            <a:r>
+              <a:rPr lang="en-US" sz="1500" dirty="0" err="1">
+                <a:sym typeface="Wingdings" panose="05000000000000000000" pitchFamily="2" charset="2"/>
+              </a:rPr>
+              <a:t>ARMA</a:t>
+            </a:r>
+            <a:r>
+              <a:rPr lang="en-US" sz="1500" dirty="0">
+                <a:sym typeface="Wingdings" panose="05000000000000000000" pitchFamily="2" charset="2"/>
+              </a:rPr>
+              <a:t> model –</a:t>
+            </a:r>
+            <a:br>
+              <a:rPr lang="en-US" sz="1500" dirty="0">
+                <a:sym typeface="Wingdings" panose="05000000000000000000" pitchFamily="2" charset="2"/>
+              </a:rPr>
+            </a:br>
+            <a:r>
+              <a:rPr lang="en-US" sz="1200" i="1" dirty="0">
+                <a:sym typeface="Wingdings" panose="05000000000000000000" pitchFamily="2" charset="2"/>
+              </a:rPr>
+              <a:t>why is an MA model a moving average model?</a:t>
+            </a:r>
+            <a:br>
+              <a:rPr lang="en-US" sz="1200" i="1" dirty="0">
+                <a:sym typeface="Wingdings" panose="05000000000000000000" pitchFamily="2" charset="2"/>
+              </a:rPr>
+            </a:br>
+            <a:r>
+              <a:rPr lang="en-US" sz="1200" i="1" dirty="0">
+                <a:sym typeface="Wingdings" panose="05000000000000000000" pitchFamily="2" charset="2"/>
+              </a:rPr>
+              <a:t>from where are the shock terms in the MA model derived?</a:t>
+            </a:r>
+            <a:br>
+              <a:rPr lang="en-US" sz="1200" i="1" dirty="0">
+                <a:sym typeface="Wingdings" panose="05000000000000000000" pitchFamily="2" charset="2"/>
+              </a:rPr>
+            </a:br>
+            <a:r>
+              <a:rPr lang="en-US" sz="1200" i="1" dirty="0">
+                <a:sym typeface="Wingdings" panose="05000000000000000000" pitchFamily="2" charset="2"/>
+              </a:rPr>
+              <a:t>how are the p and q model orders chosen?</a:t>
+            </a:r>
+            <a:br>
+              <a:rPr lang="en-US" sz="1200" i="1" dirty="0">
+                <a:sym typeface="Wingdings" panose="05000000000000000000" pitchFamily="2" charset="2"/>
+              </a:rPr>
+            </a:br>
+            <a:r>
+              <a:rPr lang="en-US" sz="1500" dirty="0">
+                <a:sym typeface="Wingdings" panose="05000000000000000000" pitchFamily="2" charset="2"/>
+              </a:rPr>
+              <a:t/>
+            </a:r>
+            <a:br>
+              <a:rPr lang="en-US" sz="1500" dirty="0">
+                <a:sym typeface="Wingdings" panose="05000000000000000000" pitchFamily="2" charset="2"/>
+              </a:rPr>
+            </a:br>
+            <a:endParaRPr lang="en-US" sz="1500" dirty="0">
+              <a:sym typeface="Wingdings" panose="05000000000000000000" pitchFamily="2" charset="2"/>
+            </a:endParaRPr>
+          </a:p>
+          <a:p>
+            <a:pPr lvl="1"/>
+            <a:endParaRPr lang="en-US" sz="1100" dirty="0">
+              <a:sym typeface="Wingdings" panose="05000000000000000000" pitchFamily="2" charset="2"/>
+            </a:endParaRPr>
+          </a:p>
+          <a:p>
+            <a:endParaRPr lang="en-US" sz="1500" dirty="0"/>
+          </a:p>
+          <a:p>
+            <a:endParaRPr lang="en-US" sz="1800" dirty="0"/>
+          </a:p>
+        </p:txBody>
+      </p:sp>
+    </p:spTree>
+    <p:extLst>
+      <p:ext uri="{BB962C8B-B14F-4D97-AF65-F5344CB8AC3E}">
+        <p14:creationId xmlns:p14="http://schemas.microsoft.com/office/powerpoint/2010/main" val="1680492806"/>
+      </p:ext>
+    </p:extLst>
+  </p:cSld>
+  <p:clrMapOvr>
+    <a:masterClrMapping/>
+  </p:clrMapOvr>
+</p:sld>
+</file>
+
+<file path=ppt/slides/slide12.xml><?xml version="1.0" encoding="utf-8"?>
+<p:sld xmlns:a="http://schemas.openxmlformats.org/drawingml/2006/main" xmlns:r="http://schemas.openxmlformats.org/officeDocument/2006/relationships" xmlns:p="http://schemas.openxmlformats.org/presentationml/2006/main">
+  <p:cSld>
+    <p:spTree>
+      <p:nvGrpSpPr>
+        <p:cNvPr id="1" name=""/>
+        <p:cNvGrpSpPr/>
+        <p:nvPr/>
+      </p:nvGrpSpPr>
+      <p:grpSpPr>
+        <a:xfrm>
+          <a:off x="0" y="0"/>
+          <a:ext cx="0" cy="0"/>
+          <a:chOff x="0" y="0"/>
+          <a:chExt cx="0" cy="0"/>
+        </a:xfrm>
+      </p:grpSpPr>
       <p:grpSp>
         <p:nvGrpSpPr>
           <p:cNvPr id="2" name="Group 1">
@@ -4296,6 +4858,54 @@
           </a:prstGeom>
         </p:spPr>
       </p:pic>
+      <p:pic>
+        <p:nvPicPr>
+          <p:cNvPr id="7" name="Picture 6"/>
+          <p:cNvPicPr>
+            <a:picLocks noChangeAspect="1"/>
+          </p:cNvPicPr>
+          <p:nvPr/>
+        </p:nvPicPr>
+        <p:blipFill>
+          <a:blip r:embed="rId5"/>
+          <a:stretch>
+            <a:fillRect/>
+          </a:stretch>
+        </p:blipFill>
+        <p:spPr>
+          <a:xfrm>
+            <a:off x="8363158" y="409043"/>
+            <a:ext cx="3434858" cy="1167356"/>
+          </a:xfrm>
+          <a:prstGeom prst="rect">
+            <a:avLst/>
+          </a:prstGeom>
+        </p:spPr>
+      </p:pic>
+      <p:pic>
+        <p:nvPicPr>
+          <p:cNvPr id="8" name="Picture 7"/>
+          <p:cNvPicPr>
+            <a:picLocks noChangeAspect="1"/>
+          </p:cNvPicPr>
+          <p:nvPr/>
+        </p:nvPicPr>
+        <p:blipFill>
+          <a:blip r:embed="rId6"/>
+          <a:stretch>
+            <a:fillRect/>
+          </a:stretch>
+        </p:blipFill>
+        <p:spPr>
+          <a:xfrm>
+            <a:off x="8363158" y="1740988"/>
+            <a:ext cx="3439272" cy="1245858"/>
+          </a:xfrm>
+          <a:prstGeom prst="rect">
+            <a:avLst/>
+          </a:prstGeom>
+        </p:spPr>
+      </p:pic>
     </p:spTree>
     <p:extLst>
       <p:ext uri="{BB962C8B-B14F-4D97-AF65-F5344CB8AC3E}">
@@ -4309,7 +4919,7 @@
 </p:sld>
 </file>
 
-<file path=ppt/slides/slide11.xml><?xml version="1.0" encoding="utf-8"?>
+<file path=ppt/slides/slide13.xml><?xml version="1.0" encoding="utf-8"?>
 <p:sld xmlns:a="http://schemas.openxmlformats.org/drawingml/2006/main" xmlns:r="http://schemas.openxmlformats.org/officeDocument/2006/relationships" xmlns:p="http://schemas.openxmlformats.org/presentationml/2006/main">
   <p:cSld>
     <p:spTree>
@@ -4397,7 +5007,7 @@
 </p:sld>
 </file>
 
-<file path=ppt/slides/slide12.xml><?xml version="1.0" encoding="utf-8"?>
+<file path=ppt/slides/slide14.xml><?xml version="1.0" encoding="utf-8"?>
 <p:sld xmlns:a="http://schemas.openxmlformats.org/drawingml/2006/main" xmlns:r="http://schemas.openxmlformats.org/officeDocument/2006/relationships" xmlns:p="http://schemas.openxmlformats.org/presentationml/2006/main">
   <p:cSld>
     <p:spTree>
@@ -6793,36 +7403,6 @@
           <a:chExt cx="0" cy="0"/>
         </a:xfrm>
       </p:grpSpPr>
-      <p:sp>
-        <p:nvSpPr>
-          <p:cNvPr id="4" name="TextBox 3"/>
-          <p:cNvSpPr txBox="1"/>
-          <p:nvPr/>
-        </p:nvSpPr>
-        <p:spPr>
-          <a:xfrm>
-            <a:off x="96973" y="166343"/>
-            <a:ext cx="2705100" cy="369332"/>
-          </a:xfrm>
-          <a:prstGeom prst="rect">
-            <a:avLst/>
-          </a:prstGeom>
-          <a:noFill/>
-        </p:spPr>
-        <p:txBody>
-          <a:bodyPr wrap="none" rtlCol="0">
-            <a:spAutoFit/>
-          </a:bodyPr>
-          <a:lstStyle/>
-          <a:p>
-            <a:r>
-              <a:rPr lang="en-US" b="1" smtClean="0"/>
-              <a:t>Fitting Time Series Models</a:t>
-            </a:r>
-            <a:endParaRPr lang="en-US" b="1"/>
-          </a:p>
-        </p:txBody>
-      </p:sp>
       <p:pic>
         <p:nvPicPr>
           <p:cNvPr id="5" name="Picture 4"/>
@@ -6839,7 +7419,7 @@
         </p:blipFill>
         <p:spPr>
           <a:xfrm>
-            <a:off x="167341" y="664901"/>
+            <a:off x="167340" y="194203"/>
             <a:ext cx="2671907" cy="1077112"/>
           </a:xfrm>
           <a:prstGeom prst="rect">
@@ -6855,8 +7435,8 @@
         </p:nvSpPr>
         <p:spPr>
           <a:xfrm rot="10800000">
-            <a:off x="1267012" y="1637553"/>
-            <a:ext cx="167341" cy="472141"/>
+            <a:off x="1254223" y="1128955"/>
+            <a:ext cx="45719" cy="472141"/>
           </a:xfrm>
           <a:prstGeom prst="downArrow">
             <a:avLst/>
@@ -6895,7 +7475,7 @@
         </p:nvSpPr>
         <p:spPr>
           <a:xfrm>
-            <a:off x="96973" y="2055905"/>
+            <a:off x="167340" y="1577557"/>
             <a:ext cx="2507418" cy="253916"/>
           </a:xfrm>
           <a:prstGeom prst="rect">
@@ -6933,7 +7513,7 @@
         </p:blipFill>
         <p:spPr>
           <a:xfrm>
-            <a:off x="167341" y="2467498"/>
+            <a:off x="161130" y="2013842"/>
             <a:ext cx="3031344" cy="1171201"/>
           </a:xfrm>
           <a:prstGeom prst="rect">
@@ -6949,8 +7529,8 @@
         </p:nvSpPr>
         <p:spPr>
           <a:xfrm>
-            <a:off x="738730" y="3536401"/>
-            <a:ext cx="167341" cy="472141"/>
+            <a:off x="802527" y="3074634"/>
+            <a:ext cx="76432" cy="472141"/>
           </a:xfrm>
           <a:prstGeom prst="downArrow">
             <a:avLst/>
@@ -6997,7 +7577,7 @@
         </p:blipFill>
         <p:spPr>
           <a:xfrm>
-            <a:off x="167341" y="4040518"/>
+            <a:off x="161130" y="3575137"/>
             <a:ext cx="3620933" cy="1086589"/>
           </a:xfrm>
           <a:prstGeom prst="rect">
@@ -7021,7 +7601,7 @@
         </p:blipFill>
         <p:spPr>
           <a:xfrm>
-            <a:off x="167340" y="5159083"/>
+            <a:off x="156812" y="4721090"/>
             <a:ext cx="3620933" cy="956938"/>
           </a:xfrm>
           <a:prstGeom prst="rect">
@@ -7029,81 +7609,111 @@
           </a:prstGeom>
         </p:spPr>
       </p:pic>
+      <p:grpSp>
+        <p:nvGrpSpPr>
+          <p:cNvPr id="13" name="Group 12"/>
+          <p:cNvGrpSpPr/>
+          <p:nvPr/>
+        </p:nvGrpSpPr>
+        <p:grpSpPr>
+          <a:xfrm>
+            <a:off x="4096530" y="194203"/>
+            <a:ext cx="3314262" cy="1662606"/>
+            <a:chOff x="4133910" y="221618"/>
+            <a:chExt cx="3314262" cy="1662606"/>
+          </a:xfrm>
+        </p:grpSpPr>
+        <p:pic>
+          <p:nvPicPr>
+            <p:cNvPr id="22" name="Picture 21"/>
+            <p:cNvPicPr>
+              <a:picLocks noChangeAspect="1"/>
+            </p:cNvPicPr>
+            <p:nvPr/>
+          </p:nvPicPr>
+          <p:blipFill>
+            <a:blip r:embed="rId6"/>
+            <a:stretch>
+              <a:fillRect/>
+            </a:stretch>
+          </p:blipFill>
+          <p:spPr>
+            <a:xfrm>
+              <a:off x="4133910" y="221618"/>
+              <a:ext cx="3314262" cy="981839"/>
+            </a:xfrm>
+            <a:prstGeom prst="rect">
+              <a:avLst/>
+            </a:prstGeom>
+          </p:spPr>
+        </p:pic>
+        <p:grpSp>
+          <p:nvGrpSpPr>
+            <p:cNvPr id="2" name="Group 1"/>
+            <p:cNvGrpSpPr/>
+            <p:nvPr/>
+          </p:nvGrpSpPr>
+          <p:grpSpPr>
+            <a:xfrm>
+              <a:off x="4295868" y="1299241"/>
+              <a:ext cx="2905290" cy="584983"/>
+              <a:chOff x="4339613" y="1818065"/>
+              <a:chExt cx="2905290" cy="584983"/>
+            </a:xfrm>
+          </p:grpSpPr>
+          <p:pic>
+            <p:nvPicPr>
+              <p:cNvPr id="23" name="Picture 22"/>
+              <p:cNvPicPr>
+                <a:picLocks noChangeAspect="1"/>
+              </p:cNvPicPr>
+              <p:nvPr/>
+            </p:nvPicPr>
+            <p:blipFill>
+              <a:blip r:embed="rId7"/>
+              <a:stretch>
+                <a:fillRect/>
+              </a:stretch>
+            </p:blipFill>
+            <p:spPr>
+              <a:xfrm>
+                <a:off x="4339613" y="1818065"/>
+                <a:ext cx="977460" cy="583258"/>
+              </a:xfrm>
+              <a:prstGeom prst="rect">
+                <a:avLst/>
+              </a:prstGeom>
+            </p:spPr>
+          </p:pic>
+          <p:pic>
+            <p:nvPicPr>
+              <p:cNvPr id="24" name="Picture 23"/>
+              <p:cNvPicPr>
+                <a:picLocks noChangeAspect="1"/>
+              </p:cNvPicPr>
+              <p:nvPr/>
+            </p:nvPicPr>
+            <p:blipFill>
+              <a:blip r:embed="rId8"/>
+              <a:stretch>
+                <a:fillRect/>
+              </a:stretch>
+            </p:blipFill>
+            <p:spPr>
+              <a:xfrm>
+                <a:off x="5408706" y="1818065"/>
+                <a:ext cx="1836197" cy="584983"/>
+              </a:xfrm>
+              <a:prstGeom prst="rect">
+                <a:avLst/>
+              </a:prstGeom>
+            </p:spPr>
+          </p:pic>
+        </p:grpSp>
+      </p:grpSp>
       <p:pic>
         <p:nvPicPr>
-          <p:cNvPr id="22" name="Picture 21"/>
-          <p:cNvPicPr>
-            <a:picLocks noChangeAspect="1"/>
-          </p:cNvPicPr>
-          <p:nvPr/>
-        </p:nvPicPr>
-        <p:blipFill>
-          <a:blip r:embed="rId6"/>
-          <a:stretch>
-            <a:fillRect/>
-          </a:stretch>
-        </p:blipFill>
-        <p:spPr>
-          <a:xfrm>
-            <a:off x="4183529" y="664901"/>
-            <a:ext cx="3314262" cy="981839"/>
-          </a:xfrm>
-          <a:prstGeom prst="rect">
-            <a:avLst/>
-          </a:prstGeom>
-        </p:spPr>
-      </p:pic>
-      <p:pic>
-        <p:nvPicPr>
-          <p:cNvPr id="23" name="Picture 22"/>
-          <p:cNvPicPr>
-            <a:picLocks noChangeAspect="1"/>
-          </p:cNvPicPr>
-          <p:nvPr/>
-        </p:nvPicPr>
-        <p:blipFill>
-          <a:blip r:embed="rId7"/>
-          <a:stretch>
-            <a:fillRect/>
-          </a:stretch>
-        </p:blipFill>
-        <p:spPr>
-          <a:xfrm>
-            <a:off x="4339613" y="1818065"/>
-            <a:ext cx="977460" cy="583258"/>
-          </a:xfrm>
-          <a:prstGeom prst="rect">
-            <a:avLst/>
-          </a:prstGeom>
-        </p:spPr>
-      </p:pic>
-      <p:pic>
-        <p:nvPicPr>
-          <p:cNvPr id="24" name="Picture 23"/>
-          <p:cNvPicPr>
-            <a:picLocks noChangeAspect="1"/>
-          </p:cNvPicPr>
-          <p:nvPr/>
-        </p:nvPicPr>
-        <p:blipFill>
-          <a:blip r:embed="rId8"/>
-          <a:stretch>
-            <a:fillRect/>
-          </a:stretch>
-        </p:blipFill>
-        <p:spPr>
-          <a:xfrm>
-            <a:off x="5408706" y="1818065"/>
-            <a:ext cx="1836197" cy="584983"/>
-          </a:xfrm>
-          <a:prstGeom prst="rect">
-            <a:avLst/>
-          </a:prstGeom>
-        </p:spPr>
-      </p:pic>
-      <p:pic>
-        <p:nvPicPr>
-          <p:cNvPr id="25" name="Picture 24"/>
+          <p:cNvPr id="3" name="Picture 2"/>
           <p:cNvPicPr>
             <a:picLocks noChangeAspect="1"/>
           </p:cNvPicPr>
@@ -7117,104 +7727,8 @@
         </p:blipFill>
         <p:spPr>
           <a:xfrm>
-            <a:off x="4183529" y="2627703"/>
-            <a:ext cx="3434858" cy="1167356"/>
-          </a:xfrm>
-          <a:prstGeom prst="rect">
-            <a:avLst/>
-          </a:prstGeom>
-        </p:spPr>
-      </p:pic>
-      <p:pic>
-        <p:nvPicPr>
-          <p:cNvPr id="26" name="Picture 25"/>
-          <p:cNvPicPr>
-            <a:picLocks noChangeAspect="1"/>
-          </p:cNvPicPr>
-          <p:nvPr/>
-        </p:nvPicPr>
-        <p:blipFill>
-          <a:blip r:embed="rId10"/>
-          <a:stretch>
-            <a:fillRect/>
-          </a:stretch>
-        </p:blipFill>
-        <p:spPr>
-          <a:xfrm>
-            <a:off x="4183529" y="3959648"/>
-            <a:ext cx="3439272" cy="1245858"/>
-          </a:xfrm>
-          <a:prstGeom prst="rect">
-            <a:avLst/>
-          </a:prstGeom>
-        </p:spPr>
-      </p:pic>
-      <p:pic>
-        <p:nvPicPr>
-          <p:cNvPr id="3" name="Picture 2"/>
-          <p:cNvPicPr>
-            <a:picLocks noChangeAspect="1"/>
-          </p:cNvPicPr>
-          <p:nvPr/>
-        </p:nvPicPr>
-        <p:blipFill>
-          <a:blip r:embed="rId11"/>
-          <a:stretch>
-            <a:fillRect/>
-          </a:stretch>
-        </p:blipFill>
-        <p:spPr>
-          <a:xfrm>
-            <a:off x="8000381" y="664901"/>
-            <a:ext cx="3856902" cy="1400250"/>
-          </a:xfrm>
-          <a:prstGeom prst="rect">
-            <a:avLst/>
-          </a:prstGeom>
-        </p:spPr>
-      </p:pic>
-      <p:pic>
-        <p:nvPicPr>
-          <p:cNvPr id="11" name="Picture 10"/>
-          <p:cNvPicPr>
-            <a:picLocks noChangeAspect="1"/>
-          </p:cNvPicPr>
-          <p:nvPr/>
-        </p:nvPicPr>
-        <p:blipFill>
-          <a:blip r:embed="rId12"/>
-          <a:stretch>
-            <a:fillRect/>
-          </a:stretch>
-        </p:blipFill>
-        <p:spPr>
-          <a:xfrm>
-            <a:off x="8000381" y="2203664"/>
-            <a:ext cx="3455899" cy="2378913"/>
-          </a:xfrm>
-          <a:prstGeom prst="rect">
-            <a:avLst/>
-          </a:prstGeom>
-        </p:spPr>
-      </p:pic>
-      <p:pic>
-        <p:nvPicPr>
-          <p:cNvPr id="12" name="Picture 11"/>
-          <p:cNvPicPr>
-            <a:picLocks noChangeAspect="1"/>
-          </p:cNvPicPr>
-          <p:nvPr/>
-        </p:nvPicPr>
-        <p:blipFill>
-          <a:blip r:embed="rId13"/>
-          <a:stretch>
-            <a:fillRect/>
-          </a:stretch>
-        </p:blipFill>
-        <p:spPr>
-          <a:xfrm>
-            <a:off x="8000381" y="4721090"/>
-            <a:ext cx="2961237" cy="1749822"/>
+            <a:off x="4071606" y="2056667"/>
+            <a:ext cx="3339186" cy="1212293"/>
           </a:xfrm>
           <a:prstGeom prst="rect">
             <a:avLst/>
@@ -7253,7 +7767,7 @@
       </p:grpSpPr>
       <p:pic>
         <p:nvPicPr>
-          <p:cNvPr id="2" name="Picture 1"/>
+          <p:cNvPr id="3" name="Picture 2"/>
           <p:cNvPicPr>
             <a:picLocks noChangeAspect="1"/>
           </p:cNvPicPr>
@@ -7267,8 +7781,8 @@
         </p:blipFill>
         <p:spPr>
           <a:xfrm>
-            <a:off x="262966" y="285356"/>
-            <a:ext cx="3665152" cy="2248092"/>
+            <a:off x="4036342" y="512739"/>
+            <a:ext cx="3606333" cy="1722968"/>
           </a:xfrm>
           <a:prstGeom prst="rect">
             <a:avLst/>
@@ -7277,7 +7791,7 @@
       </p:pic>
       <p:pic>
         <p:nvPicPr>
-          <p:cNvPr id="13" name="Picture 12"/>
+          <p:cNvPr id="4" name="Picture 3"/>
           <p:cNvPicPr>
             <a:picLocks noChangeAspect="1"/>
           </p:cNvPicPr>
@@ -7291,8 +7805,8 @@
         </p:blipFill>
         <p:spPr>
           <a:xfrm>
-            <a:off x="4876800" y="285356"/>
-            <a:ext cx="5075774" cy="2925792"/>
+            <a:off x="8181797" y="512739"/>
+            <a:ext cx="3794731" cy="1722968"/>
           </a:xfrm>
           <a:prstGeom prst="rect">
             <a:avLst/>
@@ -7301,7 +7815,7 @@
       </p:pic>
       <p:pic>
         <p:nvPicPr>
-          <p:cNvPr id="14" name="Picture 13"/>
+          <p:cNvPr id="5" name="Picture 4"/>
           <p:cNvPicPr>
             <a:picLocks noChangeAspect="1"/>
           </p:cNvPicPr>
@@ -7315,17 +7829,57 @@
         </p:blipFill>
         <p:spPr>
           <a:xfrm>
-            <a:off x="4876800" y="3435225"/>
-            <a:ext cx="3925515" cy="2161820"/>
+            <a:off x="8181797" y="2635685"/>
+            <a:ext cx="3557284" cy="2089816"/>
           </a:xfrm>
           <a:prstGeom prst="rect">
             <a:avLst/>
           </a:prstGeom>
         </p:spPr>
       </p:pic>
+      <p:sp>
+        <p:nvSpPr>
+          <p:cNvPr id="9" name="Down Arrow 8"/>
+          <p:cNvSpPr/>
+          <p:nvPr/>
+        </p:nvSpPr>
+        <p:spPr>
+          <a:xfrm>
+            <a:off x="9995491" y="2128670"/>
+            <a:ext cx="167341" cy="472141"/>
+          </a:xfrm>
+          <a:prstGeom prst="downArrow">
+            <a:avLst/>
+          </a:prstGeom>
+        </p:spPr>
+        <p:style>
+          <a:lnRef idx="2">
+            <a:schemeClr val="accent1">
+              <a:shade val="50000"/>
+            </a:schemeClr>
+          </a:lnRef>
+          <a:fillRef idx="1">
+            <a:schemeClr val="accent1"/>
+          </a:fillRef>
+          <a:effectRef idx="0">
+            <a:schemeClr val="accent1"/>
+          </a:effectRef>
+          <a:fontRef idx="minor">
+            <a:schemeClr val="lt1"/>
+          </a:fontRef>
+        </p:style>
+        <p:txBody>
+          <a:bodyPr rtlCol="0" anchor="ctr"/>
+          <a:lstStyle/>
+          <a:p>
+            <a:pPr algn="ctr"/>
+            <a:endParaRPr lang="en-US"/>
+          </a:p>
+        </p:txBody>
+      </p:sp>
       <p:pic>
         <p:nvPicPr>
-          <p:cNvPr id="15" name="Picture 14"/>
+          <p:cNvPr id="11" name="Picture 10"/>
           <p:cNvPicPr>
             <a:picLocks noChangeAspect="1"/>
           </p:cNvPicPr>
@@ -7339,14 +7893,102 @@
         </p:blipFill>
         <p:spPr>
           <a:xfrm>
-            <a:off x="9209741" y="3435225"/>
-            <a:ext cx="2302081" cy="1526346"/>
+            <a:off x="190317" y="184767"/>
+            <a:ext cx="3455899" cy="2378913"/>
           </a:xfrm>
           <a:prstGeom prst="rect">
             <a:avLst/>
           </a:prstGeom>
         </p:spPr>
       </p:pic>
+      <p:pic>
+        <p:nvPicPr>
+          <p:cNvPr id="12" name="Picture 11"/>
+          <p:cNvPicPr>
+            <a:picLocks noChangeAspect="1"/>
+          </p:cNvPicPr>
+          <p:nvPr/>
+        </p:nvPicPr>
+        <p:blipFill>
+          <a:blip r:embed="rId6"/>
+          <a:stretch>
+            <a:fillRect/>
+          </a:stretch>
+        </p:blipFill>
+        <p:spPr>
+          <a:xfrm>
+            <a:off x="190317" y="2664821"/>
+            <a:ext cx="2961237" cy="1749822"/>
+          </a:xfrm>
+          <a:prstGeom prst="rect">
+            <a:avLst/>
+          </a:prstGeom>
+        </p:spPr>
+      </p:pic>
+      <p:pic>
+        <p:nvPicPr>
+          <p:cNvPr id="16" name="Picture 15"/>
+          <p:cNvPicPr>
+            <a:picLocks noChangeAspect="1"/>
+          </p:cNvPicPr>
+          <p:nvPr/>
+        </p:nvPicPr>
+        <p:blipFill>
+          <a:blip r:embed="rId7"/>
+          <a:stretch>
+            <a:fillRect/>
+          </a:stretch>
+        </p:blipFill>
+        <p:spPr>
+          <a:xfrm>
+            <a:off x="190317" y="4575247"/>
+            <a:ext cx="3340050" cy="2048684"/>
+          </a:xfrm>
+          <a:prstGeom prst="rect">
+            <a:avLst/>
+          </a:prstGeom>
+        </p:spPr>
+      </p:pic>
+      <p:sp>
+        <p:nvSpPr>
+          <p:cNvPr id="17" name="Down Arrow 16"/>
+          <p:cNvSpPr/>
+          <p:nvPr/>
+        </p:nvSpPr>
+        <p:spPr>
+          <a:xfrm rot="16200000">
+            <a:off x="7691770" y="1111313"/>
+            <a:ext cx="144350" cy="525820"/>
+          </a:xfrm>
+          <a:prstGeom prst="downArrow">
+            <a:avLst/>
+          </a:prstGeom>
+        </p:spPr>
+        <p:style>
+          <a:lnRef idx="2">
+            <a:schemeClr val="accent1">
+              <a:shade val="50000"/>
+            </a:schemeClr>
+          </a:lnRef>
+          <a:fillRef idx="1">
+            <a:schemeClr val="accent1"/>
+          </a:fillRef>
+          <a:effectRef idx="0">
+            <a:schemeClr val="accent1"/>
+          </a:effectRef>
+          <a:fontRef idx="minor">
+            <a:schemeClr val="lt1"/>
+          </a:fontRef>
+        </p:style>
+        <p:txBody>
+          <a:bodyPr rtlCol="0" anchor="ctr"/>
+          <a:lstStyle/>
+          <a:p>
+            <a:pPr algn="ctr"/>
+            <a:endParaRPr lang="en-US"/>
+          </a:p>
+        </p:txBody>
+      </p:sp>
     </p:spTree>
     <p:extLst>
       <p:ext uri="{BB962C8B-B14F-4D97-AF65-F5344CB8AC3E}">
@@ -7377,302 +8019,299 @@
           <a:chExt cx="0" cy="0"/>
         </a:xfrm>
       </p:grpSpPr>
-      <p:sp>
-        <p:nvSpPr>
-          <p:cNvPr id="2" name="Title 1">
+      <p:pic>
+        <p:nvPicPr>
+          <p:cNvPr id="11" name="Picture 10"/>
+          <p:cNvPicPr>
+            <a:picLocks noChangeAspect="1"/>
+          </p:cNvPicPr>
+          <p:nvPr/>
+        </p:nvPicPr>
+        <p:blipFill>
+          <a:blip r:embed="rId2"/>
+          <a:stretch>
+            <a:fillRect/>
+          </a:stretch>
+        </p:blipFill>
+        <p:spPr>
+          <a:xfrm>
+            <a:off x="190317" y="184767"/>
+            <a:ext cx="3455899" cy="2378913"/>
+          </a:xfrm>
+          <a:prstGeom prst="rect">
+            <a:avLst/>
+          </a:prstGeom>
+        </p:spPr>
+      </p:pic>
+      <p:pic>
+        <p:nvPicPr>
+          <p:cNvPr id="12" name="Picture 11"/>
+          <p:cNvPicPr>
+            <a:picLocks noChangeAspect="1"/>
+          </p:cNvPicPr>
+          <p:nvPr/>
+        </p:nvPicPr>
+        <p:blipFill>
+          <a:blip r:embed="rId3"/>
+          <a:stretch>
+            <a:fillRect/>
+          </a:stretch>
+        </p:blipFill>
+        <p:spPr>
+          <a:xfrm>
+            <a:off x="190317" y="2664821"/>
+            <a:ext cx="2961237" cy="1749822"/>
+          </a:xfrm>
+          <a:prstGeom prst="rect">
+            <a:avLst/>
+          </a:prstGeom>
+        </p:spPr>
+      </p:pic>
+      <p:pic>
+        <p:nvPicPr>
+          <p:cNvPr id="16" name="Picture 15"/>
+          <p:cNvPicPr>
+            <a:picLocks noChangeAspect="1"/>
+          </p:cNvPicPr>
+          <p:nvPr/>
+        </p:nvPicPr>
+        <p:blipFill>
+          <a:blip r:embed="rId4"/>
+          <a:stretch>
+            <a:fillRect/>
+          </a:stretch>
+        </p:blipFill>
+        <p:spPr>
+          <a:xfrm>
+            <a:off x="190317" y="4575247"/>
+            <a:ext cx="3340050" cy="2048684"/>
+          </a:xfrm>
+          <a:prstGeom prst="rect">
+            <a:avLst/>
+          </a:prstGeom>
+        </p:spPr>
+      </p:pic>
+      <p:pic>
+        <p:nvPicPr>
+          <p:cNvPr id="18" name="Picture 17"/>
+          <p:cNvPicPr>
+            <a:picLocks noChangeAspect="1"/>
+          </p:cNvPicPr>
+          <p:nvPr/>
+        </p:nvPicPr>
+        <p:blipFill>
+          <a:blip r:embed="rId5"/>
+          <a:stretch>
+            <a:fillRect/>
+          </a:stretch>
+        </p:blipFill>
+        <p:spPr>
+          <a:xfrm>
+            <a:off x="3967762" y="184767"/>
+            <a:ext cx="3062856" cy="1793034"/>
+          </a:xfrm>
+          <a:prstGeom prst="rect">
+            <a:avLst/>
+          </a:prstGeom>
+          <a:ln>
+            <a:solidFill>
+              <a:srgbClr val="C00000"/>
+            </a:solidFill>
+          </a:ln>
+        </p:spPr>
+      </p:pic>
+      <p:pic>
+        <p:nvPicPr>
+          <p:cNvPr id="19" name="Picture 18"/>
+          <p:cNvPicPr>
+            <a:picLocks noChangeAspect="1"/>
+          </p:cNvPicPr>
+          <p:nvPr/>
+        </p:nvPicPr>
+        <p:blipFill>
+          <a:blip r:embed="rId6"/>
+          <a:stretch>
+            <a:fillRect/>
+          </a:stretch>
+        </p:blipFill>
+        <p:spPr>
+          <a:xfrm>
+            <a:off x="7467600" y="184767"/>
+            <a:ext cx="4648461" cy="3073005"/>
+          </a:xfrm>
+          <a:prstGeom prst="rect">
+            <a:avLst/>
+          </a:prstGeom>
+        </p:spPr>
+      </p:pic>
+      <p:pic>
+        <p:nvPicPr>
+          <p:cNvPr id="21" name="Picture 20"/>
+          <p:cNvPicPr>
+            <a:picLocks noChangeAspect="1"/>
+          </p:cNvPicPr>
+          <p:nvPr/>
+        </p:nvPicPr>
+        <p:blipFill>
+          <a:blip r:embed="rId7"/>
+          <a:stretch>
+            <a:fillRect/>
+          </a:stretch>
+        </p:blipFill>
+        <p:spPr>
+          <a:xfrm>
+            <a:off x="3846995" y="3267791"/>
+            <a:ext cx="4569706" cy="1554322"/>
+          </a:xfrm>
+          <a:prstGeom prst="rect">
+            <a:avLst/>
+          </a:prstGeom>
+        </p:spPr>
+      </p:pic>
+      <p:sp>
+        <p:nvSpPr>
+          <p:cNvPr id="22" name="Right Arrow 8">
             <a:extLst>
               <a:ext uri="{FF2B5EF4-FFF2-40B4-BE49-F238E27FC236}">
-                <a16:creationId xmlns:a16="http://schemas.microsoft.com/office/drawing/2014/main" id="{D21888E8-500D-4455-AD35-F4DC714207B6}"/>
+                <a16:creationId xmlns:a16="http://schemas.microsoft.com/office/drawing/2014/main" id="{2DD54CF3-9584-4F1B-8038-8EFD48BC9917}"/>
               </a:ext>
             </a:extLst>
           </p:cNvPr>
-          <p:cNvSpPr>
-            <a:spLocks noGrp="1"/>
-          </p:cNvSpPr>
-          <p:nvPr>
-            <p:ph type="title"/>
-          </p:nvPr>
-        </p:nvSpPr>
-        <p:spPr>
-          <a:xfrm>
-            <a:off x="838200" y="365126"/>
-            <a:ext cx="10515600" cy="557588"/>
-          </a:xfrm>
-        </p:spPr>
-        <p:txBody>
-          <a:bodyPr>
-            <a:normAutofit/>
-          </a:bodyPr>
+          <p:cNvSpPr/>
+          <p:nvPr/>
+        </p:nvSpPr>
+        <p:spPr>
+          <a:xfrm>
+            <a:off x="6938251" y="1179987"/>
+            <a:ext cx="310857" cy="388471"/>
+          </a:xfrm>
+          <a:prstGeom prst="rightArrow">
+            <a:avLst/>
+          </a:prstGeom>
+        </p:spPr>
+        <p:style>
+          <a:lnRef idx="2">
+            <a:schemeClr val="accent1">
+              <a:shade val="50000"/>
+            </a:schemeClr>
+          </a:lnRef>
+          <a:fillRef idx="1">
+            <a:schemeClr val="accent1"/>
+          </a:fillRef>
+          <a:effectRef idx="0">
+            <a:schemeClr val="accent1"/>
+          </a:effectRef>
+          <a:fontRef idx="minor">
+            <a:schemeClr val="lt1"/>
+          </a:fontRef>
+        </p:style>
+        <p:txBody>
+          <a:bodyPr rtlCol="0" anchor="ctr"/>
           <a:lstStyle/>
           <a:p>
-            <a:r>
-              <a:rPr lang="en-US" sz="2800" b="1" dirty="0"/>
-              <a:t>ARIMA Model Forecasting</a:t>
-            </a:r>
-          </a:p>
-        </p:txBody>
-      </p:sp>
-      <p:sp>
-        <p:nvSpPr>
-          <p:cNvPr id="3" name="Content Placeholder 2">
+            <a:pPr algn="ctr"/>
+            <a:endParaRPr lang="en-US" dirty="0"/>
+          </a:p>
+        </p:txBody>
+      </p:sp>
+      <p:pic>
+        <p:nvPicPr>
+          <p:cNvPr id="15" name="Picture 14"/>
+          <p:cNvPicPr>
+            <a:picLocks noChangeAspect="1"/>
+          </p:cNvPicPr>
+          <p:nvPr/>
+        </p:nvPicPr>
+        <p:blipFill>
+          <a:blip r:embed="rId8"/>
+          <a:stretch>
+            <a:fillRect/>
+          </a:stretch>
+        </p:blipFill>
+        <p:spPr>
+          <a:xfrm>
+            <a:off x="3846995" y="5211473"/>
+            <a:ext cx="4225698" cy="1423777"/>
+          </a:xfrm>
+          <a:prstGeom prst="rect">
+            <a:avLst/>
+          </a:prstGeom>
+        </p:spPr>
+      </p:pic>
+      <p:pic>
+        <p:nvPicPr>
+          <p:cNvPr id="23" name="Picture 22"/>
+          <p:cNvPicPr>
+            <a:picLocks noChangeAspect="1"/>
+          </p:cNvPicPr>
+          <p:nvPr/>
+        </p:nvPicPr>
+        <p:blipFill>
+          <a:blip r:embed="rId9"/>
+          <a:stretch>
+            <a:fillRect/>
+          </a:stretch>
+        </p:blipFill>
+        <p:spPr>
+          <a:xfrm>
+            <a:off x="8818330" y="5128762"/>
+            <a:ext cx="1304092" cy="1589197"/>
+          </a:xfrm>
+          <a:prstGeom prst="rect">
+            <a:avLst/>
+          </a:prstGeom>
+        </p:spPr>
+      </p:pic>
+      <p:sp>
+        <p:nvSpPr>
+          <p:cNvPr id="25" name="Right Arrow 8">
             <a:extLst>
               <a:ext uri="{FF2B5EF4-FFF2-40B4-BE49-F238E27FC236}">
-                <a16:creationId xmlns:a16="http://schemas.microsoft.com/office/drawing/2014/main" id="{CF9F60B2-44C3-45C6-9DDB-1780F73DD7C5}"/>
+                <a16:creationId xmlns:a16="http://schemas.microsoft.com/office/drawing/2014/main" id="{2DD54CF3-9584-4F1B-8038-8EFD48BC9917}"/>
               </a:ext>
             </a:extLst>
           </p:cNvPr>
-          <p:cNvSpPr>
-            <a:spLocks noGrp="1"/>
-          </p:cNvSpPr>
-          <p:nvPr>
-            <p:ph idx="1"/>
-          </p:nvPr>
-        </p:nvSpPr>
-        <p:spPr>
-          <a:xfrm>
-            <a:off x="838199" y="922714"/>
-            <a:ext cx="4560917" cy="5254249"/>
-          </a:xfrm>
-        </p:spPr>
-        <p:txBody>
-          <a:bodyPr>
-            <a:normAutofit/>
-          </a:bodyPr>
+          <p:cNvSpPr/>
+          <p:nvPr/>
+        </p:nvSpPr>
+        <p:spPr>
+          <a:xfrm>
+            <a:off x="8346948" y="5735954"/>
+            <a:ext cx="310857" cy="388471"/>
+          </a:xfrm>
+          <a:prstGeom prst="rightArrow">
+            <a:avLst/>
+          </a:prstGeom>
+        </p:spPr>
+        <p:style>
+          <a:lnRef idx="2">
+            <a:schemeClr val="accent1">
+              <a:shade val="50000"/>
+            </a:schemeClr>
+          </a:lnRef>
+          <a:fillRef idx="1">
+            <a:schemeClr val="accent1"/>
+          </a:fillRef>
+          <a:effectRef idx="0">
+            <a:schemeClr val="accent1"/>
+          </a:effectRef>
+          <a:fontRef idx="minor">
+            <a:schemeClr val="lt1"/>
+          </a:fontRef>
+        </p:style>
+        <p:txBody>
+          <a:bodyPr rtlCol="0" anchor="ctr"/>
           <a:lstStyle/>
           <a:p>
-            <a:r>
-              <a:rPr lang="en-US" sz="1800" dirty="0"/>
-              <a:t>Loading single time-series</a:t>
-            </a:r>
-          </a:p>
-          <a:p>
-            <a:r>
-              <a:rPr lang="en-US" sz="1800" dirty="0"/>
-              <a:t>Loading multiple time-series</a:t>
-            </a:r>
-          </a:p>
-          <a:p>
-            <a:r>
-              <a:rPr lang="en-US" sz="1800" dirty="0"/>
-              <a:t>Plotting time-series to observe</a:t>
-            </a:r>
-          </a:p>
-          <a:p>
-            <a:pPr lvl="1"/>
-            <a:r>
-              <a:rPr lang="en-US" sz="1100" dirty="0"/>
-              <a:t>Stationarity </a:t>
-            </a:r>
-            <a:r>
-              <a:rPr lang="en-US" sz="1100" dirty="0">
-                <a:sym typeface="Wingdings" panose="05000000000000000000" pitchFamily="2" charset="2"/>
-              </a:rPr>
-              <a:t> trend, </a:t>
-            </a:r>
-            <a:r>
-              <a:rPr lang="en-US" sz="1100" dirty="0" err="1">
-                <a:sym typeface="Wingdings" panose="05000000000000000000" pitchFamily="2" charset="2"/>
-              </a:rPr>
-              <a:t>skedasticity</a:t>
-            </a:r>
-            <a:r>
-              <a:rPr lang="en-US" sz="1100" dirty="0">
-                <a:sym typeface="Wingdings" panose="05000000000000000000" pitchFamily="2" charset="2"/>
-              </a:rPr>
-              <a:t>, autocorrelation</a:t>
-            </a:r>
-          </a:p>
-          <a:p>
-            <a:pPr lvl="1"/>
-            <a:r>
-              <a:rPr lang="en-US" sz="1100" dirty="0">
-                <a:sym typeface="Wingdings" panose="05000000000000000000" pitchFamily="2" charset="2"/>
-              </a:rPr>
-              <a:t>Periodicity  seasonality, cyclicality</a:t>
-            </a:r>
-          </a:p>
-          <a:p>
-            <a:r>
-              <a:rPr lang="en-US" sz="1500" dirty="0">
-                <a:sym typeface="Wingdings" panose="05000000000000000000" pitchFamily="2" charset="2"/>
-              </a:rPr>
-              <a:t>Augmented Dicky-Fuller test for trend stationarity – </a:t>
-            </a:r>
-            <a:r>
-              <a:rPr lang="en-US" sz="1200" i="1" dirty="0">
-                <a:sym typeface="Wingdings" panose="05000000000000000000" pitchFamily="2" charset="2"/>
-              </a:rPr>
-              <a:t>what about testing for </a:t>
-            </a:r>
-            <a:r>
-              <a:rPr lang="en-US" sz="1200" i="1" dirty="0" err="1">
-                <a:sym typeface="Wingdings" panose="05000000000000000000" pitchFamily="2" charset="2"/>
-              </a:rPr>
-              <a:t>skedasticity</a:t>
-            </a:r>
-            <a:r>
-              <a:rPr lang="en-US" sz="1200" i="1" dirty="0">
-                <a:sym typeface="Wingdings" panose="05000000000000000000" pitchFamily="2" charset="2"/>
-              </a:rPr>
-              <a:t> and autocorrelation?</a:t>
-            </a:r>
-            <a:endParaRPr lang="en-US" sz="1500" i="1" dirty="0">
-              <a:sym typeface="Wingdings" panose="05000000000000000000" pitchFamily="2" charset="2"/>
-            </a:endParaRPr>
-          </a:p>
-          <a:p>
-            <a:r>
-              <a:rPr lang="en-US" sz="1500" dirty="0">
-                <a:sym typeface="Wingdings" panose="05000000000000000000" pitchFamily="2" charset="2"/>
-              </a:rPr>
-              <a:t>Converting non-stationary TS to stationary TS –</a:t>
-            </a:r>
-            <a:br>
-              <a:rPr lang="en-US" sz="1500" dirty="0">
-                <a:sym typeface="Wingdings" panose="05000000000000000000" pitchFamily="2" charset="2"/>
-              </a:rPr>
-            </a:br>
-            <a:r>
-              <a:rPr lang="en-US" sz="1200" i="1" dirty="0">
-                <a:sym typeface="Wingdings" panose="05000000000000000000" pitchFamily="2" charset="2"/>
-              </a:rPr>
-              <a:t>how does inverse transforms work?</a:t>
-            </a:r>
-          </a:p>
-          <a:p>
-            <a:pPr lvl="1"/>
-            <a:r>
-              <a:rPr lang="en-US" sz="1100" dirty="0">
-                <a:sym typeface="Wingdings" panose="05000000000000000000" pitchFamily="2" charset="2"/>
-              </a:rPr>
-              <a:t>nth order differencing</a:t>
-            </a:r>
-          </a:p>
-          <a:p>
-            <a:pPr lvl="1"/>
-            <a:r>
-              <a:rPr lang="en-US" sz="1100" dirty="0">
-                <a:sym typeface="Wingdings" panose="05000000000000000000" pitchFamily="2" charset="2"/>
-              </a:rPr>
-              <a:t>proportional change</a:t>
-            </a:r>
-          </a:p>
-          <a:p>
-            <a:pPr lvl="1"/>
-            <a:r>
-              <a:rPr lang="en-US" sz="1100" dirty="0">
-                <a:sym typeface="Wingdings" panose="05000000000000000000" pitchFamily="2" charset="2"/>
-              </a:rPr>
-              <a:t>square root</a:t>
-            </a:r>
-          </a:p>
-          <a:p>
-            <a:pPr lvl="1"/>
-            <a:r>
-              <a:rPr lang="en-US" sz="1100" dirty="0">
-                <a:sym typeface="Wingdings" panose="05000000000000000000" pitchFamily="2" charset="2"/>
-              </a:rPr>
-              <a:t>log </a:t>
-            </a:r>
-          </a:p>
-          <a:p>
-            <a:r>
-              <a:rPr lang="en-US" sz="1500" dirty="0">
-                <a:sym typeface="Wingdings" panose="05000000000000000000" pitchFamily="2" charset="2"/>
-              </a:rPr>
-              <a:t>Retesting for stationarity</a:t>
-            </a:r>
-          </a:p>
-          <a:p>
-            <a:r>
-              <a:rPr lang="en-US" sz="1500" dirty="0">
-                <a:sym typeface="Wingdings" panose="05000000000000000000" pitchFamily="2" charset="2"/>
-              </a:rPr>
-              <a:t>Fit a preliminary </a:t>
-            </a:r>
-            <a:r>
-              <a:rPr lang="en-US" sz="1500" dirty="0" err="1">
-                <a:sym typeface="Wingdings" panose="05000000000000000000" pitchFamily="2" charset="2"/>
-              </a:rPr>
-              <a:t>ARMA</a:t>
-            </a:r>
-            <a:r>
-              <a:rPr lang="en-US" sz="1500" dirty="0">
-                <a:sym typeface="Wingdings" panose="05000000000000000000" pitchFamily="2" charset="2"/>
-              </a:rPr>
-              <a:t> model –</a:t>
-            </a:r>
-            <a:br>
-              <a:rPr lang="en-US" sz="1500" dirty="0">
-                <a:sym typeface="Wingdings" panose="05000000000000000000" pitchFamily="2" charset="2"/>
-              </a:rPr>
-            </a:br>
-            <a:r>
-              <a:rPr lang="en-US" sz="1200" i="1" dirty="0">
-                <a:sym typeface="Wingdings" panose="05000000000000000000" pitchFamily="2" charset="2"/>
-              </a:rPr>
-              <a:t>why is an MA model a moving average model?</a:t>
-            </a:r>
-            <a:br>
-              <a:rPr lang="en-US" sz="1200" i="1" dirty="0">
-                <a:sym typeface="Wingdings" panose="05000000000000000000" pitchFamily="2" charset="2"/>
-              </a:rPr>
-            </a:br>
-            <a:r>
-              <a:rPr lang="en-US" sz="1200" i="1" dirty="0">
-                <a:sym typeface="Wingdings" panose="05000000000000000000" pitchFamily="2" charset="2"/>
-              </a:rPr>
-              <a:t>from where are the shock terms in the MA model derived?</a:t>
-            </a:r>
-            <a:br>
-              <a:rPr lang="en-US" sz="1200" i="1" dirty="0">
-                <a:sym typeface="Wingdings" panose="05000000000000000000" pitchFamily="2" charset="2"/>
-              </a:rPr>
-            </a:br>
-            <a:r>
-              <a:rPr lang="en-US" sz="1200" i="1" dirty="0">
-                <a:sym typeface="Wingdings" panose="05000000000000000000" pitchFamily="2" charset="2"/>
-              </a:rPr>
-              <a:t>how are the p and q model orders chosen?</a:t>
-            </a:r>
-            <a:br>
-              <a:rPr lang="en-US" sz="1200" i="1" dirty="0">
-                <a:sym typeface="Wingdings" panose="05000000000000000000" pitchFamily="2" charset="2"/>
-              </a:rPr>
-            </a:br>
-            <a:r>
-              <a:rPr lang="en-US" sz="1500" dirty="0">
-                <a:sym typeface="Wingdings" panose="05000000000000000000" pitchFamily="2" charset="2"/>
-              </a:rPr>
-              <a:t/>
-            </a:r>
-            <a:br>
-              <a:rPr lang="en-US" sz="1500" dirty="0">
-                <a:sym typeface="Wingdings" panose="05000000000000000000" pitchFamily="2" charset="2"/>
-              </a:rPr>
-            </a:br>
-            <a:endParaRPr lang="en-US" sz="1500" dirty="0">
-              <a:sym typeface="Wingdings" panose="05000000000000000000" pitchFamily="2" charset="2"/>
-            </a:endParaRPr>
-          </a:p>
-          <a:p>
-            <a:pPr lvl="1"/>
-            <a:endParaRPr lang="en-US" sz="1100" dirty="0">
-              <a:sym typeface="Wingdings" panose="05000000000000000000" pitchFamily="2" charset="2"/>
-            </a:endParaRPr>
-          </a:p>
-          <a:p>
-            <a:endParaRPr lang="en-US" sz="1500" dirty="0"/>
-          </a:p>
-          <a:p>
-            <a:endParaRPr lang="en-US" sz="1800" dirty="0"/>
+            <a:pPr algn="ctr"/>
+            <a:endParaRPr lang="en-US" dirty="0"/>
           </a:p>
         </p:txBody>
       </p:sp>
     </p:spTree>
     <p:extLst>
       <p:ext uri="{BB962C8B-B14F-4D97-AF65-F5344CB8AC3E}">
-        <p14:creationId xmlns:p14="http://schemas.microsoft.com/office/powerpoint/2010/main" val="1680492806"/>
+        <p14:creationId xmlns:p14="http://schemas.microsoft.com/office/powerpoint/2010/main" val="3059682645"/>
       </p:ext>
     </p:extLst>
   </p:cSld>

--- a/DataCamp/forecasting-using-arima-models-in-python/forecasting-using-arima-models-in-python-Copy1.pptx
+++ b/DataCamp/forecasting-using-arima-models-in-python/forecasting-using-arima-models-in-python-Copy1.pptx
@@ -14,11 +14,12 @@
     <p:sldId id="268" r:id="rId8"/>
     <p:sldId id="269" r:id="rId9"/>
     <p:sldId id="272" r:id="rId10"/>
-    <p:sldId id="270" r:id="rId11"/>
-    <p:sldId id="264" r:id="rId12"/>
-    <p:sldId id="263" r:id="rId13"/>
-    <p:sldId id="267" r:id="rId14"/>
-    <p:sldId id="262" r:id="rId15"/>
+    <p:sldId id="273" r:id="rId11"/>
+    <p:sldId id="270" r:id="rId12"/>
+    <p:sldId id="264" r:id="rId13"/>
+    <p:sldId id="263" r:id="rId14"/>
+    <p:sldId id="267" r:id="rId15"/>
+    <p:sldId id="262" r:id="rId16"/>
   </p:sldIdLst>
   <p:sldSz cx="12192000" cy="6858000"/>
   <p:notesSz cx="6858000" cy="9144000"/>
@@ -128,7 +129,7 @@
 <file path=ppt/revisionInfo.xml><?xml version="1.0" encoding="utf-8"?>
 <p1510:revInfo xmlns:a="http://schemas.openxmlformats.org/drawingml/2006/main" xmlns:r="http://schemas.openxmlformats.org/officeDocument/2006/relationships" xmlns:p1510="http://schemas.microsoft.com/office/powerpoint/2015/10/main">
   <p1510:revLst>
-    <p1510:client id="{18DAF76C-634E-44A4-AAC6-D5617FEEDEC0}" v="107" dt="2020-01-06T23:22:45.702"/>
+    <p1510:client id="{F546B479-00D9-4C70-B6BC-760312342B40}" v="21" dt="2020-01-11T14:30:33.866"/>
   </p1510:revLst>
 </p1510:revInfo>
 </file>
@@ -1207,6 +1208,371 @@
             <ac:spMk id="3" creationId="{C730F032-0C60-43A0-80D0-215C7FF04611}"/>
           </ac:spMkLst>
         </pc:spChg>
+      </pc:sldChg>
+    </pc:docChg>
+  </pc:docChgLst>
+  <pc:docChgLst>
+    <pc:chgData name="Nikhil Jathar" userId="7874bdcc0642262c" providerId="LiveId" clId="{F546B479-00D9-4C70-B6BC-760312342B40}"/>
+    <pc:docChg chg="undo custSel addSld modSld">
+      <pc:chgData name="Nikhil Jathar" userId="7874bdcc0642262c" providerId="LiveId" clId="{F546B479-00D9-4C70-B6BC-760312342B40}" dt="2020-01-11T14:30:39.465" v="78" actId="1076"/>
+      <pc:docMkLst>
+        <pc:docMk/>
+      </pc:docMkLst>
+      <pc:sldChg chg="addSp delSp modSp">
+        <pc:chgData name="Nikhil Jathar" userId="7874bdcc0642262c" providerId="LiveId" clId="{F546B479-00D9-4C70-B6BC-760312342B40}" dt="2020-01-11T14:14:59.896" v="26" actId="1076"/>
+        <pc:sldMkLst>
+          <pc:docMk/>
+          <pc:sldMk cId="3224970045" sldId="269"/>
+        </pc:sldMkLst>
+        <pc:spChg chg="del mod">
+          <ac:chgData name="Nikhil Jathar" userId="7874bdcc0642262c" providerId="LiveId" clId="{F546B479-00D9-4C70-B6BC-760312342B40}" dt="2020-01-11T14:13:34.219" v="16" actId="478"/>
+          <ac:spMkLst>
+            <pc:docMk/>
+            <pc:sldMk cId="3224970045" sldId="269"/>
+            <ac:spMk id="9" creationId="{00000000-0000-0000-0000-000000000000}"/>
+          </ac:spMkLst>
+        </pc:spChg>
+        <pc:spChg chg="add mod">
+          <ac:chgData name="Nikhil Jathar" userId="7874bdcc0642262c" providerId="LiveId" clId="{F546B479-00D9-4C70-B6BC-760312342B40}" dt="2020-01-11T14:14:59.896" v="26" actId="1076"/>
+          <ac:spMkLst>
+            <pc:docMk/>
+            <pc:sldMk cId="3224970045" sldId="269"/>
+            <ac:spMk id="15" creationId="{BC3A1C2B-BEAF-41E4-9E58-6AF675AB225C}"/>
+          </ac:spMkLst>
+        </pc:spChg>
+        <pc:spChg chg="mod">
+          <ac:chgData name="Nikhil Jathar" userId="7874bdcc0642262c" providerId="LiveId" clId="{F546B479-00D9-4C70-B6BC-760312342B40}" dt="2020-01-11T14:14:59.896" v="26" actId="1076"/>
+          <ac:spMkLst>
+            <pc:docMk/>
+            <pc:sldMk cId="3224970045" sldId="269"/>
+            <ac:spMk id="17" creationId="{00000000-0000-0000-0000-000000000000}"/>
+          </ac:spMkLst>
+        </pc:spChg>
+        <pc:picChg chg="mod">
+          <ac:chgData name="Nikhil Jathar" userId="7874bdcc0642262c" providerId="LiveId" clId="{F546B479-00D9-4C70-B6BC-760312342B40}" dt="2020-01-11T14:14:59.896" v="26" actId="1076"/>
+          <ac:picMkLst>
+            <pc:docMk/>
+            <pc:sldMk cId="3224970045" sldId="269"/>
+            <ac:picMk id="3" creationId="{00000000-0000-0000-0000-000000000000}"/>
+          </ac:picMkLst>
+        </pc:picChg>
+        <pc:picChg chg="mod">
+          <ac:chgData name="Nikhil Jathar" userId="7874bdcc0642262c" providerId="LiveId" clId="{F546B479-00D9-4C70-B6BC-760312342B40}" dt="2020-01-11T14:14:59.896" v="26" actId="1076"/>
+          <ac:picMkLst>
+            <pc:docMk/>
+            <pc:sldMk cId="3224970045" sldId="269"/>
+            <ac:picMk id="4" creationId="{00000000-0000-0000-0000-000000000000}"/>
+          </ac:picMkLst>
+        </pc:picChg>
+        <pc:picChg chg="mod">
+          <ac:chgData name="Nikhil Jathar" userId="7874bdcc0642262c" providerId="LiveId" clId="{F546B479-00D9-4C70-B6BC-760312342B40}" dt="2020-01-11T14:14:59.896" v="26" actId="1076"/>
+          <ac:picMkLst>
+            <pc:docMk/>
+            <pc:sldMk cId="3224970045" sldId="269"/>
+            <ac:picMk id="5" creationId="{00000000-0000-0000-0000-000000000000}"/>
+          </ac:picMkLst>
+        </pc:picChg>
+        <pc:picChg chg="add del mod">
+          <ac:chgData name="Nikhil Jathar" userId="7874bdcc0642262c" providerId="LiveId" clId="{F546B479-00D9-4C70-B6BC-760312342B40}" dt="2020-01-11T14:14:40.475" v="23" actId="478"/>
+          <ac:picMkLst>
+            <pc:docMk/>
+            <pc:sldMk cId="3224970045" sldId="269"/>
+            <ac:picMk id="10" creationId="{621B1E8E-A317-4277-AE53-95ED96C2FE99}"/>
+          </ac:picMkLst>
+        </pc:picChg>
+        <pc:picChg chg="add del mod">
+          <ac:chgData name="Nikhil Jathar" userId="7874bdcc0642262c" providerId="LiveId" clId="{F546B479-00D9-4C70-B6BC-760312342B40}" dt="2020-01-11T14:14:42.548" v="24" actId="478"/>
+          <ac:picMkLst>
+            <pc:docMk/>
+            <pc:sldMk cId="3224970045" sldId="269"/>
+            <ac:picMk id="13" creationId="{C73EFC36-07E6-4051-A0FD-112189B1E5B3}"/>
+          </ac:picMkLst>
+        </pc:picChg>
+        <pc:picChg chg="add del mod">
+          <ac:chgData name="Nikhil Jathar" userId="7874bdcc0642262c" providerId="LiveId" clId="{F546B479-00D9-4C70-B6BC-760312342B40}" dt="2020-01-11T14:14:48.146" v="25" actId="478"/>
+          <ac:picMkLst>
+            <pc:docMk/>
+            <pc:sldMk cId="3224970045" sldId="269"/>
+            <ac:picMk id="14" creationId="{61C4D5AD-CB35-45DF-A72B-0EA15DB1EC8A}"/>
+          </ac:picMkLst>
+        </pc:picChg>
+      </pc:sldChg>
+      <pc:sldChg chg="addSp delSp modSp">
+        <pc:chgData name="Nikhil Jathar" userId="7874bdcc0642262c" providerId="LiveId" clId="{F546B479-00D9-4C70-B6BC-760312342B40}" dt="2020-01-11T14:30:05.095" v="70"/>
+        <pc:sldMkLst>
+          <pc:docMk/>
+          <pc:sldMk cId="1743299678" sldId="270"/>
+        </pc:sldMkLst>
+        <pc:spChg chg="del mod">
+          <ac:chgData name="Nikhil Jathar" userId="7874bdcc0642262c" providerId="LiveId" clId="{F546B479-00D9-4C70-B6BC-760312342B40}" dt="2020-01-11T14:28:02.494" v="52"/>
+          <ac:spMkLst>
+            <pc:docMk/>
+            <pc:sldMk cId="1743299678" sldId="270"/>
+            <ac:spMk id="6" creationId="{00000000-0000-0000-0000-000000000000}"/>
+          </ac:spMkLst>
+        </pc:spChg>
+        <pc:picChg chg="del">
+          <ac:chgData name="Nikhil Jathar" userId="7874bdcc0642262c" providerId="LiveId" clId="{F546B479-00D9-4C70-B6BC-760312342B40}" dt="2020-01-11T14:19:51.465" v="43"/>
+          <ac:picMkLst>
+            <pc:docMk/>
+            <pc:sldMk cId="1743299678" sldId="270"/>
+            <ac:picMk id="2" creationId="{00000000-0000-0000-0000-000000000000}"/>
+          </ac:picMkLst>
+        </pc:picChg>
+        <pc:picChg chg="del">
+          <ac:chgData name="Nikhil Jathar" userId="7874bdcc0642262c" providerId="LiveId" clId="{F546B479-00D9-4C70-B6BC-760312342B40}" dt="2020-01-11T14:18:12.381" v="34"/>
+          <ac:picMkLst>
+            <pc:docMk/>
+            <pc:sldMk cId="1743299678" sldId="270"/>
+            <ac:picMk id="3" creationId="{00000000-0000-0000-0000-000000000000}"/>
+          </ac:picMkLst>
+        </pc:picChg>
+        <pc:picChg chg="del">
+          <ac:chgData name="Nikhil Jathar" userId="7874bdcc0642262c" providerId="LiveId" clId="{F546B479-00D9-4C70-B6BC-760312342B40}" dt="2020-01-11T14:28:02.494" v="52"/>
+          <ac:picMkLst>
+            <pc:docMk/>
+            <pc:sldMk cId="1743299678" sldId="270"/>
+            <ac:picMk id="4" creationId="{00000000-0000-0000-0000-000000000000}"/>
+          </ac:picMkLst>
+        </pc:picChg>
+        <pc:picChg chg="del mod">
+          <ac:chgData name="Nikhil Jathar" userId="7874bdcc0642262c" providerId="LiveId" clId="{F546B479-00D9-4C70-B6BC-760312342B40}" dt="2020-01-11T14:30:05.095" v="70"/>
+          <ac:picMkLst>
+            <pc:docMk/>
+            <pc:sldMk cId="1743299678" sldId="270"/>
+            <ac:picMk id="5" creationId="{00000000-0000-0000-0000-000000000000}"/>
+          </ac:picMkLst>
+        </pc:picChg>
+        <pc:picChg chg="del">
+          <ac:chgData name="Nikhil Jathar" userId="7874bdcc0642262c" providerId="LiveId" clId="{F546B479-00D9-4C70-B6BC-760312342B40}" dt="2020-01-11T14:28:02.494" v="52"/>
+          <ac:picMkLst>
+            <pc:docMk/>
+            <pc:sldMk cId="1743299678" sldId="270"/>
+            <ac:picMk id="7" creationId="{00000000-0000-0000-0000-000000000000}"/>
+          </ac:picMkLst>
+        </pc:picChg>
+        <pc:picChg chg="del">
+          <ac:chgData name="Nikhil Jathar" userId="7874bdcc0642262c" providerId="LiveId" clId="{F546B479-00D9-4C70-B6BC-760312342B40}" dt="2020-01-11T14:17:01.877" v="27"/>
+          <ac:picMkLst>
+            <pc:docMk/>
+            <pc:sldMk cId="1743299678" sldId="270"/>
+            <ac:picMk id="8" creationId="{00000000-0000-0000-0000-000000000000}"/>
+          </ac:picMkLst>
+        </pc:picChg>
+        <pc:picChg chg="mod">
+          <ac:chgData name="Nikhil Jathar" userId="7874bdcc0642262c" providerId="LiveId" clId="{F546B479-00D9-4C70-B6BC-760312342B40}" dt="2020-01-11T14:17:49.431" v="33" actId="1076"/>
+          <ac:picMkLst>
+            <pc:docMk/>
+            <pc:sldMk cId="1743299678" sldId="270"/>
+            <ac:picMk id="10" creationId="{00000000-0000-0000-0000-000000000000}"/>
+          </ac:picMkLst>
+        </pc:picChg>
+        <pc:picChg chg="add del">
+          <ac:chgData name="Nikhil Jathar" userId="7874bdcc0642262c" providerId="LiveId" clId="{F546B479-00D9-4C70-B6BC-760312342B40}" dt="2020-01-11T14:29:14.366" v="62"/>
+          <ac:picMkLst>
+            <pc:docMk/>
+            <pc:sldMk cId="1743299678" sldId="270"/>
+            <ac:picMk id="11" creationId="{74CB3676-8DEC-4469-8588-E2076ABF523A}"/>
+          </ac:picMkLst>
+        </pc:picChg>
+        <pc:picChg chg="add mod">
+          <ac:chgData name="Nikhil Jathar" userId="7874bdcc0642262c" providerId="LiveId" clId="{F546B479-00D9-4C70-B6BC-760312342B40}" dt="2020-01-11T14:29:58.606" v="69" actId="1076"/>
+          <ac:picMkLst>
+            <pc:docMk/>
+            <pc:sldMk cId="1743299678" sldId="270"/>
+            <ac:picMk id="13" creationId="{926923BF-01BA-4DA1-9838-86E3ADFBD018}"/>
+          </ac:picMkLst>
+        </pc:picChg>
+        <pc:inkChg chg="add del">
+          <ac:chgData name="Nikhil Jathar" userId="7874bdcc0642262c" providerId="LiveId" clId="{F546B479-00D9-4C70-B6BC-760312342B40}" dt="2020-01-11T14:29:15.141" v="63" actId="9405"/>
+          <ac:inkMkLst>
+            <pc:docMk/>
+            <pc:sldMk cId="1743299678" sldId="270"/>
+            <ac:inkMk id="9" creationId="{B4F38F74-4600-4601-95D9-153DE4C7B25F}"/>
+          </ac:inkMkLst>
+        </pc:inkChg>
+        <pc:inkChg chg="add del">
+          <ac:chgData name="Nikhil Jathar" userId="7874bdcc0642262c" providerId="LiveId" clId="{F546B479-00D9-4C70-B6BC-760312342B40}" dt="2020-01-11T14:29:12.946" v="61" actId="9405"/>
+          <ac:inkMkLst>
+            <pc:docMk/>
+            <pc:sldMk cId="1743299678" sldId="270"/>
+            <ac:inkMk id="12" creationId="{FBE2BB2D-9946-47ED-8893-26934A5C28FF}"/>
+          </ac:inkMkLst>
+        </pc:inkChg>
+      </pc:sldChg>
+      <pc:sldChg chg="addSp delSp modSp">
+        <pc:chgData name="Nikhil Jathar" userId="7874bdcc0642262c" providerId="LiveId" clId="{F546B479-00D9-4C70-B6BC-760312342B40}" dt="2020-01-11T14:30:39.465" v="78" actId="1076"/>
+        <pc:sldMkLst>
+          <pc:docMk/>
+          <pc:sldMk cId="3059682645" sldId="272"/>
+        </pc:sldMkLst>
+        <pc:spChg chg="del">
+          <ac:chgData name="Nikhil Jathar" userId="7874bdcc0642262c" providerId="LiveId" clId="{F546B479-00D9-4C70-B6BC-760312342B40}" dt="2020-01-11T14:18:38.457" v="38" actId="478"/>
+          <ac:spMkLst>
+            <pc:docMk/>
+            <pc:sldMk cId="3059682645" sldId="272"/>
+            <ac:spMk id="22" creationId="{2DD54CF3-9584-4F1B-8038-8EFD48BC9917}"/>
+          </ac:spMkLst>
+        </pc:spChg>
+        <pc:spChg chg="add mod">
+          <ac:chgData name="Nikhil Jathar" userId="7874bdcc0642262c" providerId="LiveId" clId="{F546B479-00D9-4C70-B6BC-760312342B40}" dt="2020-01-11T14:30:31.748" v="75" actId="1076"/>
+          <ac:spMkLst>
+            <pc:docMk/>
+            <pc:sldMk cId="3059682645" sldId="272"/>
+            <ac:spMk id="24" creationId="{F3A9B745-430A-4546-A4D1-049A4D767AB0}"/>
+          </ac:spMkLst>
+        </pc:spChg>
+        <pc:spChg chg="del">
+          <ac:chgData name="Nikhil Jathar" userId="7874bdcc0642262c" providerId="LiveId" clId="{F546B479-00D9-4C70-B6BC-760312342B40}" dt="2020-01-11T14:18:38.457" v="38" actId="478"/>
+          <ac:spMkLst>
+            <pc:docMk/>
+            <pc:sldMk cId="3059682645" sldId="272"/>
+            <ac:spMk id="25" creationId="{2DD54CF3-9584-4F1B-8038-8EFD48BC9917}"/>
+          </ac:spMkLst>
+        </pc:spChg>
+        <pc:spChg chg="add mod">
+          <ac:chgData name="Nikhil Jathar" userId="7874bdcc0642262c" providerId="LiveId" clId="{F546B479-00D9-4C70-B6BC-760312342B40}" dt="2020-01-11T14:30:39.465" v="78" actId="1076"/>
+          <ac:spMkLst>
+            <pc:docMk/>
+            <pc:sldMk cId="3059682645" sldId="272"/>
+            <ac:spMk id="28" creationId="{951E6C82-23E7-413F-A62C-86B913ABA760}"/>
+          </ac:spMkLst>
+        </pc:spChg>
+        <pc:picChg chg="del">
+          <ac:chgData name="Nikhil Jathar" userId="7874bdcc0642262c" providerId="LiveId" clId="{F546B479-00D9-4C70-B6BC-760312342B40}" dt="2020-01-11T14:12:14.359" v="0"/>
+          <ac:picMkLst>
+            <pc:docMk/>
+            <pc:sldMk cId="3059682645" sldId="272"/>
+            <ac:picMk id="11" creationId="{00000000-0000-0000-0000-000000000000}"/>
+          </ac:picMkLst>
+        </pc:picChg>
+        <pc:picChg chg="del">
+          <ac:chgData name="Nikhil Jathar" userId="7874bdcc0642262c" providerId="LiveId" clId="{F546B479-00D9-4C70-B6BC-760312342B40}" dt="2020-01-11T14:12:14.359" v="0"/>
+          <ac:picMkLst>
+            <pc:docMk/>
+            <pc:sldMk cId="3059682645" sldId="272"/>
+            <ac:picMk id="12" creationId="{00000000-0000-0000-0000-000000000000}"/>
+          </ac:picMkLst>
+        </pc:picChg>
+        <pc:picChg chg="add mod">
+          <ac:chgData name="Nikhil Jathar" userId="7874bdcc0642262c" providerId="LiveId" clId="{F546B479-00D9-4C70-B6BC-760312342B40}" dt="2020-01-11T14:17:21.722" v="32" actId="1076"/>
+          <ac:picMkLst>
+            <pc:docMk/>
+            <pc:sldMk cId="3059682645" sldId="272"/>
+            <ac:picMk id="13" creationId="{67E04D95-C7F0-4CBA-AD75-7EF86EFBFF47}"/>
+          </ac:picMkLst>
+        </pc:picChg>
+        <pc:picChg chg="add mod">
+          <ac:chgData name="Nikhil Jathar" userId="7874bdcc0642262c" providerId="LiveId" clId="{F546B479-00D9-4C70-B6BC-760312342B40}" dt="2020-01-11T14:18:44.834" v="39" actId="1076"/>
+          <ac:picMkLst>
+            <pc:docMk/>
+            <pc:sldMk cId="3059682645" sldId="272"/>
+            <ac:picMk id="14" creationId="{FCA9583D-E366-4A10-B2E5-FEA0AD701902}"/>
+          </ac:picMkLst>
+        </pc:picChg>
+        <pc:picChg chg="del">
+          <ac:chgData name="Nikhil Jathar" userId="7874bdcc0642262c" providerId="LiveId" clId="{F546B479-00D9-4C70-B6BC-760312342B40}" dt="2020-01-11T14:18:38.457" v="38" actId="478"/>
+          <ac:picMkLst>
+            <pc:docMk/>
+            <pc:sldMk cId="3059682645" sldId="272"/>
+            <ac:picMk id="15" creationId="{00000000-0000-0000-0000-000000000000}"/>
+          </ac:picMkLst>
+        </pc:picChg>
+        <pc:picChg chg="del">
+          <ac:chgData name="Nikhil Jathar" userId="7874bdcc0642262c" providerId="LiveId" clId="{F546B479-00D9-4C70-B6BC-760312342B40}" dt="2020-01-11T14:12:14.359" v="0"/>
+          <ac:picMkLst>
+            <pc:docMk/>
+            <pc:sldMk cId="3059682645" sldId="272"/>
+            <ac:picMk id="16" creationId="{00000000-0000-0000-0000-000000000000}"/>
+          </ac:picMkLst>
+        </pc:picChg>
+        <pc:picChg chg="add mod">
+          <ac:chgData name="Nikhil Jathar" userId="7874bdcc0642262c" providerId="LiveId" clId="{F546B479-00D9-4C70-B6BC-760312342B40}" dt="2020-01-11T14:20:16.785" v="49" actId="1076"/>
+          <ac:picMkLst>
+            <pc:docMk/>
+            <pc:sldMk cId="3059682645" sldId="272"/>
+            <ac:picMk id="17" creationId="{B4955943-852E-46BD-A989-E6F9F7B2ED34}"/>
+          </ac:picMkLst>
+        </pc:picChg>
+        <pc:picChg chg="del">
+          <ac:chgData name="Nikhil Jathar" userId="7874bdcc0642262c" providerId="LiveId" clId="{F546B479-00D9-4C70-B6BC-760312342B40}" dt="2020-01-11T14:18:38.457" v="38" actId="478"/>
+          <ac:picMkLst>
+            <pc:docMk/>
+            <pc:sldMk cId="3059682645" sldId="272"/>
+            <ac:picMk id="18" creationId="{00000000-0000-0000-0000-000000000000}"/>
+          </ac:picMkLst>
+        </pc:picChg>
+        <pc:picChg chg="del">
+          <ac:chgData name="Nikhil Jathar" userId="7874bdcc0642262c" providerId="LiveId" clId="{F546B479-00D9-4C70-B6BC-760312342B40}" dt="2020-01-11T14:18:38.457" v="38" actId="478"/>
+          <ac:picMkLst>
+            <pc:docMk/>
+            <pc:sldMk cId="3059682645" sldId="272"/>
+            <ac:picMk id="19" creationId="{00000000-0000-0000-0000-000000000000}"/>
+          </ac:picMkLst>
+        </pc:picChg>
+        <pc:picChg chg="add mod">
+          <ac:chgData name="Nikhil Jathar" userId="7874bdcc0642262c" providerId="LiveId" clId="{F546B479-00D9-4C70-B6BC-760312342B40}" dt="2020-01-11T14:28:27.800" v="55" actId="1076"/>
+          <ac:picMkLst>
+            <pc:docMk/>
+            <pc:sldMk cId="3059682645" sldId="272"/>
+            <ac:picMk id="20" creationId="{7B199A99-FDB8-462D-B451-9B6F59882EF3}"/>
+          </ac:picMkLst>
+        </pc:picChg>
+        <pc:picChg chg="del">
+          <ac:chgData name="Nikhil Jathar" userId="7874bdcc0642262c" providerId="LiveId" clId="{F546B479-00D9-4C70-B6BC-760312342B40}" dt="2020-01-11T14:18:38.457" v="38" actId="478"/>
+          <ac:picMkLst>
+            <pc:docMk/>
+            <pc:sldMk cId="3059682645" sldId="272"/>
+            <ac:picMk id="21" creationId="{00000000-0000-0000-0000-000000000000}"/>
+          </ac:picMkLst>
+        </pc:picChg>
+        <pc:picChg chg="del">
+          <ac:chgData name="Nikhil Jathar" userId="7874bdcc0642262c" providerId="LiveId" clId="{F546B479-00D9-4C70-B6BC-760312342B40}" dt="2020-01-11T14:18:38.457" v="38" actId="478"/>
+          <ac:picMkLst>
+            <pc:docMk/>
+            <pc:sldMk cId="3059682645" sldId="272"/>
+            <ac:picMk id="23" creationId="{00000000-0000-0000-0000-000000000000}"/>
+          </ac:picMkLst>
+        </pc:picChg>
+        <pc:picChg chg="add del mod">
+          <ac:chgData name="Nikhil Jathar" userId="7874bdcc0642262c" providerId="LiveId" clId="{F546B479-00D9-4C70-B6BC-760312342B40}" dt="2020-01-11T14:29:47.691" v="67"/>
+          <ac:picMkLst>
+            <pc:docMk/>
+            <pc:sldMk cId="3059682645" sldId="272"/>
+            <ac:picMk id="26" creationId="{FEE1DFCE-CC99-467F-8025-6F77D35EE536}"/>
+          </ac:picMkLst>
+        </pc:picChg>
+        <pc:picChg chg="add mod">
+          <ac:chgData name="Nikhil Jathar" userId="7874bdcc0642262c" providerId="LiveId" clId="{F546B479-00D9-4C70-B6BC-760312342B40}" dt="2020-01-11T14:30:20.014" v="73" actId="1076"/>
+          <ac:picMkLst>
+            <pc:docMk/>
+            <pc:sldMk cId="3059682645" sldId="272"/>
+            <ac:picMk id="27" creationId="{232224B2-368D-4719-9005-3311F20D728E}"/>
+          </ac:picMkLst>
+        </pc:picChg>
+      </pc:sldChg>
+      <pc:sldChg chg="delSp modSp add">
+        <pc:chgData name="Nikhil Jathar" userId="7874bdcc0642262c" providerId="LiveId" clId="{F546B479-00D9-4C70-B6BC-760312342B40}" dt="2020-01-11T14:19:15.759" v="42" actId="478"/>
+        <pc:sldMkLst>
+          <pc:docMk/>
+          <pc:sldMk cId="3782376683" sldId="273"/>
+        </pc:sldMkLst>
+        <pc:picChg chg="del">
+          <ac:chgData name="Nikhil Jathar" userId="7874bdcc0642262c" providerId="LiveId" clId="{F546B479-00D9-4C70-B6BC-760312342B40}" dt="2020-01-11T14:19:15.759" v="42" actId="478"/>
+          <ac:picMkLst>
+            <pc:docMk/>
+            <pc:sldMk cId="3782376683" sldId="273"/>
+            <ac:picMk id="13" creationId="{67E04D95-C7F0-4CBA-AD75-7EF86EFBFF47}"/>
+          </ac:picMkLst>
+        </pc:picChg>
+        <pc:picChg chg="del mod">
+          <ac:chgData name="Nikhil Jathar" userId="7874bdcc0642262c" providerId="LiveId" clId="{F546B479-00D9-4C70-B6BC-760312342B40}" dt="2020-01-11T14:19:13.631" v="41" actId="478"/>
+          <ac:picMkLst>
+            <pc:docMk/>
+            <pc:sldMk cId="3782376683" sldId="273"/>
+            <ac:picMk id="14" creationId="{FCA9583D-E366-4A10-B2E5-FEA0AD701902}"/>
+          </ac:picMkLst>
+        </pc:picChg>
       </pc:sldChg>
     </pc:docChg>
   </pc:docChgLst>
@@ -1342,7 +1708,7 @@
           <a:p>
             <a:fld id="{52B7C267-AE6F-400E-833A-3F1AAF069A4D}" type="datetimeFigureOut">
               <a:rPr lang="en-US" smtClean="0"/>
-              <a:t>1/10/2020</a:t>
+              <a:t>1/11/2020</a:t>
             </a:fld>
             <a:endParaRPr lang="en-US"/>
           </a:p>
@@ -1510,7 +1876,7 @@
           <a:p>
             <a:fld id="{52B7C267-AE6F-400E-833A-3F1AAF069A4D}" type="datetimeFigureOut">
               <a:rPr lang="en-US" smtClean="0"/>
-              <a:t>1/10/2020</a:t>
+              <a:t>1/11/2020</a:t>
             </a:fld>
             <a:endParaRPr lang="en-US"/>
           </a:p>
@@ -1688,7 +2054,7 @@
           <a:p>
             <a:fld id="{52B7C267-AE6F-400E-833A-3F1AAF069A4D}" type="datetimeFigureOut">
               <a:rPr lang="en-US" smtClean="0"/>
-              <a:t>1/10/2020</a:t>
+              <a:t>1/11/2020</a:t>
             </a:fld>
             <a:endParaRPr lang="en-US"/>
           </a:p>
@@ -1856,7 +2222,7 @@
           <a:p>
             <a:fld id="{52B7C267-AE6F-400E-833A-3F1AAF069A4D}" type="datetimeFigureOut">
               <a:rPr lang="en-US" smtClean="0"/>
-              <a:t>1/10/2020</a:t>
+              <a:t>1/11/2020</a:t>
             </a:fld>
             <a:endParaRPr lang="en-US"/>
           </a:p>
@@ -2101,7 +2467,7 @@
           <a:p>
             <a:fld id="{52B7C267-AE6F-400E-833A-3F1AAF069A4D}" type="datetimeFigureOut">
               <a:rPr lang="en-US" smtClean="0"/>
-              <a:t>1/10/2020</a:t>
+              <a:t>1/11/2020</a:t>
             </a:fld>
             <a:endParaRPr lang="en-US"/>
           </a:p>
@@ -2330,7 +2696,7 @@
           <a:p>
             <a:fld id="{52B7C267-AE6F-400E-833A-3F1AAF069A4D}" type="datetimeFigureOut">
               <a:rPr lang="en-US" smtClean="0"/>
-              <a:t>1/10/2020</a:t>
+              <a:t>1/11/2020</a:t>
             </a:fld>
             <a:endParaRPr lang="en-US"/>
           </a:p>
@@ -2694,7 +3060,7 @@
           <a:p>
             <a:fld id="{52B7C267-AE6F-400E-833A-3F1AAF069A4D}" type="datetimeFigureOut">
               <a:rPr lang="en-US" smtClean="0"/>
-              <a:t>1/10/2020</a:t>
+              <a:t>1/11/2020</a:t>
             </a:fld>
             <a:endParaRPr lang="en-US"/>
           </a:p>
@@ -2811,7 +3177,7 @@
           <a:p>
             <a:fld id="{52B7C267-AE6F-400E-833A-3F1AAF069A4D}" type="datetimeFigureOut">
               <a:rPr lang="en-US" smtClean="0"/>
-              <a:t>1/10/2020</a:t>
+              <a:t>1/11/2020</a:t>
             </a:fld>
             <a:endParaRPr lang="en-US"/>
           </a:p>
@@ -2906,7 +3272,7 @@
           <a:p>
             <a:fld id="{52B7C267-AE6F-400E-833A-3F1AAF069A4D}" type="datetimeFigureOut">
               <a:rPr lang="en-US" smtClean="0"/>
-              <a:t>1/10/2020</a:t>
+              <a:t>1/11/2020</a:t>
             </a:fld>
             <a:endParaRPr lang="en-US"/>
           </a:p>
@@ -3181,7 +3547,7 @@
           <a:p>
             <a:fld id="{52B7C267-AE6F-400E-833A-3F1AAF069A4D}" type="datetimeFigureOut">
               <a:rPr lang="en-US" smtClean="0"/>
-              <a:t>1/10/2020</a:t>
+              <a:t>1/11/2020</a:t>
             </a:fld>
             <a:endParaRPr lang="en-US"/>
           </a:p>
@@ -3433,7 +3799,7 @@
           <a:p>
             <a:fld id="{52B7C267-AE6F-400E-833A-3F1AAF069A4D}" type="datetimeFigureOut">
               <a:rPr lang="en-US" smtClean="0"/>
-              <a:t>1/10/2020</a:t>
+              <a:t>1/11/2020</a:t>
             </a:fld>
             <a:endParaRPr lang="en-US"/>
           </a:p>
@@ -3644,7 +4010,7 @@
           <a:p>
             <a:fld id="{52B7C267-AE6F-400E-833A-3F1AAF069A4D}" type="datetimeFigureOut">
               <a:rPr lang="en-US" smtClean="0"/>
-              <a:t>1/10/2020</a:t>
+              <a:t>1/11/2020</a:t>
             </a:fld>
             <a:endParaRPr lang="en-US"/>
           </a:p>
@@ -4143,7 +4509,7 @@
       </p:grpSpPr>
       <p:pic>
         <p:nvPicPr>
-          <p:cNvPr id="2" name="Picture 1"/>
+          <p:cNvPr id="18" name="Picture 17"/>
           <p:cNvPicPr>
             <a:picLocks noChangeAspect="1"/>
           </p:cNvPicPr>
@@ -4157,17 +4523,22 @@
         </p:blipFill>
         <p:spPr>
           <a:xfrm>
-            <a:off x="465083" y="291531"/>
-            <a:ext cx="11122572" cy="735235"/>
+            <a:off x="3967762" y="184767"/>
+            <a:ext cx="3062856" cy="1793034"/>
           </a:xfrm>
           <a:prstGeom prst="rect">
             <a:avLst/>
           </a:prstGeom>
+          <a:ln>
+            <a:solidFill>
+              <a:srgbClr val="C00000"/>
+            </a:solidFill>
+          </a:ln>
         </p:spPr>
       </p:pic>
       <p:pic>
         <p:nvPicPr>
-          <p:cNvPr id="3" name="Picture 2"/>
+          <p:cNvPr id="19" name="Picture 18"/>
           <p:cNvPicPr>
             <a:picLocks noChangeAspect="1"/>
           </p:cNvPicPr>
@@ -4181,8 +4552,8 @@
         </p:blipFill>
         <p:spPr>
           <a:xfrm>
-            <a:off x="404322" y="1213797"/>
-            <a:ext cx="4911193" cy="2434710"/>
+            <a:off x="7467600" y="184767"/>
+            <a:ext cx="4648461" cy="3073005"/>
           </a:xfrm>
           <a:prstGeom prst="rect">
             <a:avLst/>
@@ -4191,7 +4562,7 @@
       </p:pic>
       <p:pic>
         <p:nvPicPr>
-          <p:cNvPr id="4" name="Picture 3"/>
+          <p:cNvPr id="21" name="Picture 20"/>
           <p:cNvPicPr>
             <a:picLocks noChangeAspect="1"/>
           </p:cNvPicPr>
@@ -4205,50 +4576,32 @@
         </p:blipFill>
         <p:spPr>
           <a:xfrm>
-            <a:off x="6014779" y="1238656"/>
-            <a:ext cx="5446752" cy="2468153"/>
+            <a:off x="3846995" y="3267791"/>
+            <a:ext cx="4569706" cy="1554322"/>
           </a:xfrm>
           <a:prstGeom prst="rect">
             <a:avLst/>
           </a:prstGeom>
         </p:spPr>
       </p:pic>
-      <p:pic>
-        <p:nvPicPr>
-          <p:cNvPr id="5" name="Picture 4"/>
-          <p:cNvPicPr>
-            <a:picLocks noChangeAspect="1"/>
-          </p:cNvPicPr>
-          <p:nvPr/>
-        </p:nvPicPr>
-        <p:blipFill>
-          <a:blip r:embed="rId5"/>
-          <a:stretch>
-            <a:fillRect/>
-          </a:stretch>
-        </p:blipFill>
-        <p:spPr>
-          <a:xfrm>
-            <a:off x="8544847" y="3918699"/>
-            <a:ext cx="4070760" cy="2409890"/>
-          </a:xfrm>
-          <a:prstGeom prst="rect">
-            <a:avLst/>
-          </a:prstGeom>
-        </p:spPr>
-      </p:pic>
       <p:sp>
         <p:nvSpPr>
-          <p:cNvPr id="6" name="Down Arrow 5"/>
+          <p:cNvPr id="22" name="Right Arrow 8">
+            <a:extLst>
+              <a:ext uri="{FF2B5EF4-FFF2-40B4-BE49-F238E27FC236}">
+                <a16:creationId xmlns:a16="http://schemas.microsoft.com/office/drawing/2014/main" id="{2DD54CF3-9584-4F1B-8038-8EFD48BC9917}"/>
+              </a:ext>
+            </a:extLst>
+          </p:cNvPr>
           <p:cNvSpPr/>
           <p:nvPr/>
         </p:nvSpPr>
         <p:spPr>
           <a:xfrm>
-            <a:off x="10092892" y="3176366"/>
-            <a:ext cx="167341" cy="472141"/>
-          </a:xfrm>
-          <a:prstGeom prst="downArrow">
+            <a:off x="6938251" y="1179987"/>
+            <a:ext cx="310857" cy="388471"/>
+          </a:xfrm>
+          <a:prstGeom prst="rightArrow">
             <a:avLst/>
           </a:prstGeom>
         </p:spPr>
@@ -4273,13 +4626,37 @@
           <a:lstStyle/>
           <a:p>
             <a:pPr algn="ctr"/>
-            <a:endParaRPr lang="en-US"/>
+            <a:endParaRPr lang="en-US" dirty="0"/>
           </a:p>
         </p:txBody>
       </p:sp>
       <p:pic>
         <p:nvPicPr>
-          <p:cNvPr id="7" name="Picture 6"/>
+          <p:cNvPr id="15" name="Picture 14"/>
+          <p:cNvPicPr>
+            <a:picLocks noChangeAspect="1"/>
+          </p:cNvPicPr>
+          <p:nvPr/>
+        </p:nvPicPr>
+        <p:blipFill>
+          <a:blip r:embed="rId5"/>
+          <a:stretch>
+            <a:fillRect/>
+          </a:stretch>
+        </p:blipFill>
+        <p:spPr>
+          <a:xfrm>
+            <a:off x="3846995" y="5211473"/>
+            <a:ext cx="4225698" cy="1423777"/>
+          </a:xfrm>
+          <a:prstGeom prst="rect">
+            <a:avLst/>
+          </a:prstGeom>
+        </p:spPr>
+      </p:pic>
+      <p:pic>
+        <p:nvPicPr>
+          <p:cNvPr id="23" name="Picture 22"/>
           <p:cNvPicPr>
             <a:picLocks noChangeAspect="1"/>
           </p:cNvPicPr>
@@ -4293,38 +4670,90 @@
         </p:blipFill>
         <p:spPr>
           <a:xfrm>
-            <a:off x="465083" y="3835538"/>
-            <a:ext cx="3181285" cy="1833765"/>
+            <a:off x="8818330" y="5128762"/>
+            <a:ext cx="1304092" cy="1589197"/>
           </a:xfrm>
           <a:prstGeom prst="rect">
             <a:avLst/>
           </a:prstGeom>
         </p:spPr>
       </p:pic>
-      <p:pic>
-        <p:nvPicPr>
-          <p:cNvPr id="8" name="Picture 7"/>
-          <p:cNvPicPr>
-            <a:picLocks noChangeAspect="1"/>
-          </p:cNvPicPr>
+      <p:sp>
+        <p:nvSpPr>
+          <p:cNvPr id="25" name="Right Arrow 8">
+            <a:extLst>
+              <a:ext uri="{FF2B5EF4-FFF2-40B4-BE49-F238E27FC236}">
+                <a16:creationId xmlns:a16="http://schemas.microsoft.com/office/drawing/2014/main" id="{2DD54CF3-9584-4F1B-8038-8EFD48BC9917}"/>
+              </a:ext>
+            </a:extLst>
+          </p:cNvPr>
+          <p:cNvSpPr/>
           <p:nvPr/>
-        </p:nvPicPr>
-        <p:blipFill>
-          <a:blip r:embed="rId7"/>
-          <a:stretch>
-            <a:fillRect/>
-          </a:stretch>
-        </p:blipFill>
-        <p:spPr>
-          <a:xfrm>
-            <a:off x="4451991" y="4257172"/>
-            <a:ext cx="3925515" cy="2161820"/>
-          </a:xfrm>
-          <a:prstGeom prst="rect">
+        </p:nvSpPr>
+        <p:spPr>
+          <a:xfrm>
+            <a:off x="8346948" y="5735954"/>
+            <a:ext cx="310857" cy="388471"/>
+          </a:xfrm>
+          <a:prstGeom prst="rightArrow">
             <a:avLst/>
           </a:prstGeom>
         </p:spPr>
-      </p:pic>
+        <p:style>
+          <a:lnRef idx="2">
+            <a:schemeClr val="accent1">
+              <a:shade val="50000"/>
+            </a:schemeClr>
+          </a:lnRef>
+          <a:fillRef idx="1">
+            <a:schemeClr val="accent1"/>
+          </a:fillRef>
+          <a:effectRef idx="0">
+            <a:schemeClr val="accent1"/>
+          </a:effectRef>
+          <a:fontRef idx="minor">
+            <a:schemeClr val="lt1"/>
+          </a:fontRef>
+        </p:style>
+        <p:txBody>
+          <a:bodyPr rtlCol="0" anchor="ctr"/>
+          <a:lstStyle/>
+          <a:p>
+            <a:pPr algn="ctr"/>
+            <a:endParaRPr lang="en-US" dirty="0"/>
+          </a:p>
+        </p:txBody>
+      </p:sp>
+    </p:spTree>
+    <p:extLst>
+      <p:ext uri="{BB962C8B-B14F-4D97-AF65-F5344CB8AC3E}">
+        <p14:creationId xmlns:p14="http://schemas.microsoft.com/office/powerpoint/2010/main" val="3782376683"/>
+      </p:ext>
+    </p:extLst>
+  </p:cSld>
+  <p:clrMapOvr>
+    <a:masterClrMapping/>
+  </p:clrMapOvr>
+</p:sld>
+</file>
+
+<file path=ppt/slides/slide11.xml><?xml version="1.0" encoding="utf-8"?>
+<p:sld xmlns:a="http://schemas.openxmlformats.org/drawingml/2006/main" xmlns:r="http://schemas.openxmlformats.org/officeDocument/2006/relationships" xmlns:p="http://schemas.openxmlformats.org/presentationml/2006/main">
+  <p:cSld>
+    <p:spTree>
+      <p:nvGrpSpPr>
+        <p:cNvPr id="1" name=""/>
+        <p:cNvGrpSpPr/>
+        <p:nvPr/>
+      </p:nvGrpSpPr>
+      <p:grpSpPr>
+        <a:xfrm>
+          <a:off x="0" y="0"/>
+          <a:ext cx="0" cy="0"/>
+          <a:chOff x="0" y="0"/>
+          <a:chExt cx="0" cy="0"/>
+        </a:xfrm>
+      </p:grpSpPr>
       <p:pic>
         <p:nvPicPr>
           <p:cNvPr id="10" name="Picture 9"/>
@@ -4334,15 +4763,45 @@
           <p:nvPr/>
         </p:nvPicPr>
         <p:blipFill>
-          <a:blip r:embed="rId8"/>
+          <a:blip r:embed="rId2"/>
           <a:stretch>
             <a:fillRect/>
           </a:stretch>
         </p:blipFill>
         <p:spPr>
           <a:xfrm>
-            <a:off x="1063555" y="6094827"/>
+            <a:off x="4579839" y="4906130"/>
             <a:ext cx="2302081" cy="1526346"/>
+          </a:xfrm>
+          <a:prstGeom prst="rect">
+            <a:avLst/>
+          </a:prstGeom>
+        </p:spPr>
+      </p:pic>
+      <p:pic>
+        <p:nvPicPr>
+          <p:cNvPr id="13" name="Picture 12">
+            <a:extLst>
+              <a:ext uri="{FF2B5EF4-FFF2-40B4-BE49-F238E27FC236}">
+                <a16:creationId xmlns:a16="http://schemas.microsoft.com/office/drawing/2014/main" id="{926923BF-01BA-4DA1-9838-86E3ADFBD018}"/>
+              </a:ext>
+            </a:extLst>
+          </p:cNvPr>
+          <p:cNvPicPr>
+            <a:picLocks noChangeAspect="1"/>
+          </p:cNvPicPr>
+          <p:nvPr/>
+        </p:nvPicPr>
+        <p:blipFill>
+          <a:blip r:embed="rId3"/>
+          <a:stretch>
+            <a:fillRect/>
+          </a:stretch>
+        </p:blipFill>
+        <p:spPr>
+          <a:xfrm>
+            <a:off x="5527963" y="2063804"/>
+            <a:ext cx="3735403" cy="2153171"/>
           </a:xfrm>
           <a:prstGeom prst="rect">
             <a:avLst/>
@@ -4362,7 +4821,7 @@
 </p:sld>
 </file>
 
-<file path=ppt/slides/slide11.xml><?xml version="1.0" encoding="utf-8"?>
+<file path=ppt/slides/slide12.xml><?xml version="1.0" encoding="utf-8"?>
 <p:sld xmlns:a="http://schemas.openxmlformats.org/drawingml/2006/main" xmlns:r="http://schemas.openxmlformats.org/officeDocument/2006/relationships" xmlns:p="http://schemas.openxmlformats.org/presentationml/2006/main">
   <p:cSld>
     <p:spTree>
@@ -4642,12 +5101,6 @@
                 <a:sym typeface="Wingdings" panose="05000000000000000000" pitchFamily="2" charset="2"/>
               </a:rPr>
             </a:br>
-            <a:r>
-              <a:rPr lang="en-US" sz="1500" dirty="0">
-                <a:sym typeface="Wingdings" panose="05000000000000000000" pitchFamily="2" charset="2"/>
-              </a:rPr>
-              <a:t/>
-            </a:r>
             <a:br>
               <a:rPr lang="en-US" sz="1500" dirty="0">
                 <a:sym typeface="Wingdings" panose="05000000000000000000" pitchFamily="2" charset="2"/>
@@ -4684,7 +5137,7 @@
 </p:sld>
 </file>
 
-<file path=ppt/slides/slide12.xml><?xml version="1.0" encoding="utf-8"?>
+<file path=ppt/slides/slide13.xml><?xml version="1.0" encoding="utf-8"?>
 <p:sld xmlns:a="http://schemas.openxmlformats.org/drawingml/2006/main" xmlns:r="http://schemas.openxmlformats.org/officeDocument/2006/relationships" xmlns:p="http://schemas.openxmlformats.org/presentationml/2006/main">
   <p:cSld>
     <p:spTree>
@@ -4919,7 +5372,7 @@
 </p:sld>
 </file>
 
-<file path=ppt/slides/slide13.xml><?xml version="1.0" encoding="utf-8"?>
+<file path=ppt/slides/slide14.xml><?xml version="1.0" encoding="utf-8"?>
 <p:sld xmlns:a="http://schemas.openxmlformats.org/drawingml/2006/main" xmlns:r="http://schemas.openxmlformats.org/officeDocument/2006/relationships" xmlns:p="http://schemas.openxmlformats.org/presentationml/2006/main">
   <p:cSld>
     <p:spTree>
@@ -5007,7 +5460,7 @@
 </p:sld>
 </file>
 
-<file path=ppt/slides/slide14.xml><?xml version="1.0" encoding="utf-8"?>
+<file path=ppt/slides/slide15.xml><?xml version="1.0" encoding="utf-8"?>
 <p:sld xmlns:a="http://schemas.openxmlformats.org/drawingml/2006/main" xmlns:r="http://schemas.openxmlformats.org/officeDocument/2006/relationships" xmlns:p="http://schemas.openxmlformats.org/presentationml/2006/main">
   <p:cSld>
     <p:spTree>
@@ -7490,10 +7943,9 @@
           <a:lstStyle/>
           <a:p>
             <a:r>
-              <a:rPr lang="en-US" sz="1050" smtClean="0"/>
+              <a:rPr lang="en-US" sz="1050"/>
               <a:t>pandas DataFrame, Series, or numpy array</a:t>
             </a:r>
-            <a:endParaRPr lang="en-US" sz="1050"/>
           </a:p>
         </p:txBody>
       </p:sp>
@@ -7781,7 +8233,7 @@
         </p:blipFill>
         <p:spPr>
           <a:xfrm>
-            <a:off x="4036342" y="512739"/>
+            <a:off x="4142435" y="293619"/>
             <a:ext cx="3606333" cy="1722968"/>
           </a:xfrm>
           <a:prstGeom prst="rect">
@@ -7805,7 +8257,7 @@
         </p:blipFill>
         <p:spPr>
           <a:xfrm>
-            <a:off x="8181797" y="512739"/>
+            <a:off x="4142435" y="2508340"/>
             <a:ext cx="3794731" cy="1722968"/>
           </a:xfrm>
           <a:prstGeom prst="rect">
@@ -7829,24 +8281,96 @@
         </p:blipFill>
         <p:spPr>
           <a:xfrm>
-            <a:off x="8181797" y="2635685"/>
-            <a:ext cx="3557284" cy="2089816"/>
+            <a:off x="4169725" y="4541583"/>
+            <a:ext cx="3544574" cy="2082348"/>
           </a:xfrm>
           <a:prstGeom prst="rect">
             <a:avLst/>
           </a:prstGeom>
         </p:spPr>
       </p:pic>
+      <p:pic>
+        <p:nvPicPr>
+          <p:cNvPr id="11" name="Picture 10"/>
+          <p:cNvPicPr>
+            <a:picLocks noChangeAspect="1"/>
+          </p:cNvPicPr>
+          <p:nvPr/>
+        </p:nvPicPr>
+        <p:blipFill>
+          <a:blip r:embed="rId5"/>
+          <a:stretch>
+            <a:fillRect/>
+          </a:stretch>
+        </p:blipFill>
+        <p:spPr>
+          <a:xfrm>
+            <a:off x="190317" y="184767"/>
+            <a:ext cx="3455899" cy="2378913"/>
+          </a:xfrm>
+          <a:prstGeom prst="rect">
+            <a:avLst/>
+          </a:prstGeom>
+        </p:spPr>
+      </p:pic>
+      <p:pic>
+        <p:nvPicPr>
+          <p:cNvPr id="12" name="Picture 11"/>
+          <p:cNvPicPr>
+            <a:picLocks noChangeAspect="1"/>
+          </p:cNvPicPr>
+          <p:nvPr/>
+        </p:nvPicPr>
+        <p:blipFill>
+          <a:blip r:embed="rId6"/>
+          <a:stretch>
+            <a:fillRect/>
+          </a:stretch>
+        </p:blipFill>
+        <p:spPr>
+          <a:xfrm>
+            <a:off x="190317" y="2664821"/>
+            <a:ext cx="2961237" cy="1749822"/>
+          </a:xfrm>
+          <a:prstGeom prst="rect">
+            <a:avLst/>
+          </a:prstGeom>
+        </p:spPr>
+      </p:pic>
+      <p:pic>
+        <p:nvPicPr>
+          <p:cNvPr id="16" name="Picture 15"/>
+          <p:cNvPicPr>
+            <a:picLocks noChangeAspect="1"/>
+          </p:cNvPicPr>
+          <p:nvPr/>
+        </p:nvPicPr>
+        <p:blipFill>
+          <a:blip r:embed="rId7"/>
+          <a:stretch>
+            <a:fillRect/>
+          </a:stretch>
+        </p:blipFill>
+        <p:spPr>
+          <a:xfrm>
+            <a:off x="190317" y="4575247"/>
+            <a:ext cx="3340050" cy="2048684"/>
+          </a:xfrm>
+          <a:prstGeom prst="rect">
+            <a:avLst/>
+          </a:prstGeom>
+        </p:spPr>
+      </p:pic>
       <p:sp>
         <p:nvSpPr>
-          <p:cNvPr id="9" name="Down Arrow 8"/>
+          <p:cNvPr id="17" name="Down Arrow 16"/>
           <p:cNvSpPr/>
           <p:nvPr/>
         </p:nvSpPr>
         <p:spPr>
           <a:xfrm>
-            <a:off x="9995491" y="2128670"/>
-            <a:ext cx="167341" cy="472141"/>
+            <a:off x="5943373" y="2100945"/>
+            <a:ext cx="195575" cy="374607"/>
           </a:xfrm>
           <a:prstGeom prst="downArrow">
             <a:avLst/>
@@ -7877,88 +8401,22 @@
           </a:p>
         </p:txBody>
       </p:sp>
-      <p:pic>
-        <p:nvPicPr>
-          <p:cNvPr id="11" name="Picture 10"/>
-          <p:cNvPicPr>
-            <a:picLocks noChangeAspect="1"/>
-          </p:cNvPicPr>
-          <p:nvPr/>
-        </p:nvPicPr>
-        <p:blipFill>
-          <a:blip r:embed="rId5"/>
-          <a:stretch>
-            <a:fillRect/>
-          </a:stretch>
-        </p:blipFill>
-        <p:spPr>
-          <a:xfrm>
-            <a:off x="190317" y="184767"/>
-            <a:ext cx="3455899" cy="2378913"/>
-          </a:xfrm>
-          <a:prstGeom prst="rect">
-            <a:avLst/>
-          </a:prstGeom>
-        </p:spPr>
-      </p:pic>
-      <p:pic>
-        <p:nvPicPr>
-          <p:cNvPr id="12" name="Picture 11"/>
-          <p:cNvPicPr>
-            <a:picLocks noChangeAspect="1"/>
-          </p:cNvPicPr>
-          <p:nvPr/>
-        </p:nvPicPr>
-        <p:blipFill>
-          <a:blip r:embed="rId6"/>
-          <a:stretch>
-            <a:fillRect/>
-          </a:stretch>
-        </p:blipFill>
-        <p:spPr>
-          <a:xfrm>
-            <a:off x="190317" y="2664821"/>
-            <a:ext cx="2961237" cy="1749822"/>
-          </a:xfrm>
-          <a:prstGeom prst="rect">
-            <a:avLst/>
-          </a:prstGeom>
-        </p:spPr>
-      </p:pic>
-      <p:pic>
-        <p:nvPicPr>
-          <p:cNvPr id="16" name="Picture 15"/>
-          <p:cNvPicPr>
-            <a:picLocks noChangeAspect="1"/>
-          </p:cNvPicPr>
-          <p:nvPr/>
-        </p:nvPicPr>
-        <p:blipFill>
-          <a:blip r:embed="rId7"/>
-          <a:stretch>
-            <a:fillRect/>
-          </a:stretch>
-        </p:blipFill>
-        <p:spPr>
-          <a:xfrm>
-            <a:off x="190317" y="4575247"/>
-            <a:ext cx="3340050" cy="2048684"/>
-          </a:xfrm>
-          <a:prstGeom prst="rect">
-            <a:avLst/>
-          </a:prstGeom>
-        </p:spPr>
-      </p:pic>
       <p:sp>
         <p:nvSpPr>
-          <p:cNvPr id="17" name="Down Arrow 16"/>
+          <p:cNvPr id="15" name="Down Arrow 16">
+            <a:extLst>
+              <a:ext uri="{FF2B5EF4-FFF2-40B4-BE49-F238E27FC236}">
+                <a16:creationId xmlns:a16="http://schemas.microsoft.com/office/drawing/2014/main" id="{BC3A1C2B-BEAF-41E4-9E58-6AF675AB225C}"/>
+              </a:ext>
+            </a:extLst>
+          </p:cNvPr>
           <p:cNvSpPr/>
           <p:nvPr/>
         </p:nvSpPr>
         <p:spPr>
-          <a:xfrm rot="16200000">
-            <a:off x="7691770" y="1111313"/>
-            <a:ext cx="144350" cy="525820"/>
+          <a:xfrm>
+            <a:off x="5942012" y="4140276"/>
+            <a:ext cx="195575" cy="374607"/>
           </a:xfrm>
           <a:prstGeom prst="downArrow">
             <a:avLst/>
@@ -8021,7 +8479,13 @@
       </p:grpSpPr>
       <p:pic>
         <p:nvPicPr>
-          <p:cNvPr id="11" name="Picture 10"/>
+          <p:cNvPr id="13" name="Picture 12">
+            <a:extLst>
+              <a:ext uri="{FF2B5EF4-FFF2-40B4-BE49-F238E27FC236}">
+                <a16:creationId xmlns:a16="http://schemas.microsoft.com/office/drawing/2014/main" id="{67E04D95-C7F0-4CBA-AD75-7EF86EFBFF47}"/>
+              </a:ext>
+            </a:extLst>
+          </p:cNvPr>
           <p:cNvPicPr>
             <a:picLocks noChangeAspect="1"/>
           </p:cNvPicPr>
@@ -8035,8 +8499,8 @@
         </p:blipFill>
         <p:spPr>
           <a:xfrm>
-            <a:off x="190317" y="184767"/>
-            <a:ext cx="3455899" cy="2378913"/>
+            <a:off x="165623" y="221172"/>
+            <a:ext cx="3681372" cy="2027368"/>
           </a:xfrm>
           <a:prstGeom prst="rect">
             <a:avLst/>
@@ -8045,7 +8509,13 @@
       </p:pic>
       <p:pic>
         <p:nvPicPr>
-          <p:cNvPr id="12" name="Picture 11"/>
+          <p:cNvPr id="14" name="Picture 13">
+            <a:extLst>
+              <a:ext uri="{FF2B5EF4-FFF2-40B4-BE49-F238E27FC236}">
+                <a16:creationId xmlns:a16="http://schemas.microsoft.com/office/drawing/2014/main" id="{FCA9583D-E366-4A10-B2E5-FEA0AD701902}"/>
+              </a:ext>
+            </a:extLst>
+          </p:cNvPr>
           <p:cNvPicPr>
             <a:picLocks noChangeAspect="1"/>
           </p:cNvPicPr>
@@ -8059,8 +8529,8 @@
         </p:blipFill>
         <p:spPr>
           <a:xfrm>
-            <a:off x="190317" y="2664821"/>
-            <a:ext cx="2961237" cy="1749822"/>
+            <a:off x="165623" y="2434812"/>
+            <a:ext cx="4911193" cy="2434710"/>
           </a:xfrm>
           <a:prstGeom prst="rect">
             <a:avLst/>
@@ -8069,7 +8539,13 @@
       </p:pic>
       <p:pic>
         <p:nvPicPr>
-          <p:cNvPr id="16" name="Picture 15"/>
+          <p:cNvPr id="17" name="Picture 16">
+            <a:extLst>
+              <a:ext uri="{FF2B5EF4-FFF2-40B4-BE49-F238E27FC236}">
+                <a16:creationId xmlns:a16="http://schemas.microsoft.com/office/drawing/2014/main" id="{B4955943-852E-46BD-A989-E6F9F7B2ED34}"/>
+              </a:ext>
+            </a:extLst>
+          </p:cNvPr>
           <p:cNvPicPr>
             <a:picLocks noChangeAspect="1"/>
           </p:cNvPicPr>
@@ -8083,8 +8559,8 @@
         </p:blipFill>
         <p:spPr>
           <a:xfrm>
-            <a:off x="190317" y="4575247"/>
-            <a:ext cx="3340050" cy="2048684"/>
+            <a:off x="4198782" y="279361"/>
+            <a:ext cx="7720501" cy="510348"/>
           </a:xfrm>
           <a:prstGeom prst="rect">
             <a:avLst/>
@@ -8093,7 +8569,13 @@
       </p:pic>
       <p:pic>
         <p:nvPicPr>
-          <p:cNvPr id="18" name="Picture 17"/>
+          <p:cNvPr id="20" name="Picture 19">
+            <a:extLst>
+              <a:ext uri="{FF2B5EF4-FFF2-40B4-BE49-F238E27FC236}">
+                <a16:creationId xmlns:a16="http://schemas.microsoft.com/office/drawing/2014/main" id="{7B199A99-FDB8-462D-B451-9B6F59882EF3}"/>
+              </a:ext>
+            </a:extLst>
+          </p:cNvPr>
           <p:cNvPicPr>
             <a:picLocks noChangeAspect="1"/>
           </p:cNvPicPr>
@@ -8107,73 +8589,20 @@
         </p:blipFill>
         <p:spPr>
           <a:xfrm>
-            <a:off x="3967762" y="184767"/>
-            <a:ext cx="3062856" cy="1793034"/>
+            <a:off x="6096000" y="1002585"/>
+            <a:ext cx="5446752" cy="2468153"/>
           </a:xfrm>
           <a:prstGeom prst="rect">
             <a:avLst/>
           </a:prstGeom>
-          <a:ln>
-            <a:solidFill>
-              <a:srgbClr val="C00000"/>
-            </a:solidFill>
-          </a:ln>
-        </p:spPr>
-      </p:pic>
-      <p:pic>
-        <p:nvPicPr>
-          <p:cNvPr id="19" name="Picture 18"/>
-          <p:cNvPicPr>
-            <a:picLocks noChangeAspect="1"/>
-          </p:cNvPicPr>
-          <p:nvPr/>
-        </p:nvPicPr>
-        <p:blipFill>
-          <a:blip r:embed="rId6"/>
-          <a:stretch>
-            <a:fillRect/>
-          </a:stretch>
-        </p:blipFill>
-        <p:spPr>
-          <a:xfrm>
-            <a:off x="7467600" y="184767"/>
-            <a:ext cx="4648461" cy="3073005"/>
-          </a:xfrm>
-          <a:prstGeom prst="rect">
-            <a:avLst/>
-          </a:prstGeom>
-        </p:spPr>
-      </p:pic>
-      <p:pic>
-        <p:nvPicPr>
-          <p:cNvPr id="21" name="Picture 20"/>
-          <p:cNvPicPr>
-            <a:picLocks noChangeAspect="1"/>
-          </p:cNvPicPr>
-          <p:nvPr/>
-        </p:nvPicPr>
-        <p:blipFill>
-          <a:blip r:embed="rId7"/>
-          <a:stretch>
-            <a:fillRect/>
-          </a:stretch>
-        </p:blipFill>
-        <p:spPr>
-          <a:xfrm>
-            <a:off x="3846995" y="3267791"/>
-            <a:ext cx="4569706" cy="1554322"/>
-          </a:xfrm>
-          <a:prstGeom prst="rect">
-            <a:avLst/>
-          </a:prstGeom>
         </p:spPr>
       </p:pic>
       <p:sp>
         <p:nvSpPr>
-          <p:cNvPr id="22" name="Right Arrow 8">
+          <p:cNvPr id="24" name="Down Arrow 5">
             <a:extLst>
               <a:ext uri="{FF2B5EF4-FFF2-40B4-BE49-F238E27FC236}">
-                <a16:creationId xmlns:a16="http://schemas.microsoft.com/office/drawing/2014/main" id="{2DD54CF3-9584-4F1B-8038-8EFD48BC9917}"/>
+                <a16:creationId xmlns:a16="http://schemas.microsoft.com/office/drawing/2014/main" id="{F3A9B745-430A-4546-A4D1-049A4D767AB0}"/>
               </a:ext>
             </a:extLst>
           </p:cNvPr>
@@ -8182,10 +8611,10 @@
         </p:nvSpPr>
         <p:spPr>
           <a:xfrm>
-            <a:off x="6938251" y="1179987"/>
-            <a:ext cx="310857" cy="388471"/>
-          </a:xfrm>
-          <a:prstGeom prst="rightArrow">
+            <a:off x="8385125" y="3375142"/>
+            <a:ext cx="167341" cy="472141"/>
+          </a:xfrm>
+          <a:prstGeom prst="downArrow">
             <a:avLst/>
           </a:prstGeom>
         </p:spPr>
@@ -8210,64 +8639,46 @@
           <a:lstStyle/>
           <a:p>
             <a:pPr algn="ctr"/>
-            <a:endParaRPr lang="en-US" dirty="0"/>
+            <a:endParaRPr lang="en-US"/>
           </a:p>
         </p:txBody>
       </p:sp>
       <p:pic>
         <p:nvPicPr>
-          <p:cNvPr id="15" name="Picture 14"/>
+          <p:cNvPr id="27" name="Picture 26">
+            <a:extLst>
+              <a:ext uri="{FF2B5EF4-FFF2-40B4-BE49-F238E27FC236}">
+                <a16:creationId xmlns:a16="http://schemas.microsoft.com/office/drawing/2014/main" id="{232224B2-368D-4719-9005-3311F20D728E}"/>
+              </a:ext>
+            </a:extLst>
+          </p:cNvPr>
           <p:cNvPicPr>
             <a:picLocks noChangeAspect="1"/>
           </p:cNvPicPr>
           <p:nvPr/>
         </p:nvPicPr>
         <p:blipFill>
-          <a:blip r:embed="rId8"/>
+          <a:blip r:embed="rId6"/>
           <a:stretch>
             <a:fillRect/>
           </a:stretch>
         </p:blipFill>
         <p:spPr>
           <a:xfrm>
-            <a:off x="3846995" y="5211473"/>
-            <a:ext cx="4225698" cy="1423777"/>
+            <a:off x="6433416" y="4101579"/>
+            <a:ext cx="4070760" cy="2409890"/>
           </a:xfrm>
           <a:prstGeom prst="rect">
             <a:avLst/>
           </a:prstGeom>
         </p:spPr>
       </p:pic>
-      <p:pic>
-        <p:nvPicPr>
-          <p:cNvPr id="23" name="Picture 22"/>
-          <p:cNvPicPr>
-            <a:picLocks noChangeAspect="1"/>
-          </p:cNvPicPr>
-          <p:nvPr/>
-        </p:nvPicPr>
-        <p:blipFill>
-          <a:blip r:embed="rId9"/>
-          <a:stretch>
-            <a:fillRect/>
-          </a:stretch>
-        </p:blipFill>
-        <p:spPr>
-          <a:xfrm>
-            <a:off x="8818330" y="5128762"/>
-            <a:ext cx="1304092" cy="1589197"/>
-          </a:xfrm>
-          <a:prstGeom prst="rect">
-            <a:avLst/>
-          </a:prstGeom>
-        </p:spPr>
-      </p:pic>
       <p:sp>
         <p:nvSpPr>
-          <p:cNvPr id="25" name="Right Arrow 8">
+          <p:cNvPr id="28" name="Down Arrow 5">
             <a:extLst>
               <a:ext uri="{FF2B5EF4-FFF2-40B4-BE49-F238E27FC236}">
-                <a16:creationId xmlns:a16="http://schemas.microsoft.com/office/drawing/2014/main" id="{2DD54CF3-9584-4F1B-8038-8EFD48BC9917}"/>
+                <a16:creationId xmlns:a16="http://schemas.microsoft.com/office/drawing/2014/main" id="{951E6C82-23E7-413F-A62C-86B913ABA760}"/>
               </a:ext>
             </a:extLst>
           </p:cNvPr>
@@ -8275,11 +8686,11 @@
           <p:nvPr/>
         </p:nvSpPr>
         <p:spPr>
-          <a:xfrm>
-            <a:off x="8346948" y="5735954"/>
-            <a:ext cx="310857" cy="388471"/>
-          </a:xfrm>
-          <a:prstGeom prst="rightArrow">
+          <a:xfrm rot="14319235">
+            <a:off x="5238285" y="2828973"/>
+            <a:ext cx="167341" cy="472141"/>
+          </a:xfrm>
+          <a:prstGeom prst="downArrow">
             <a:avLst/>
           </a:prstGeom>
         </p:spPr>
@@ -8304,7 +8715,7 @@
           <a:lstStyle/>
           <a:p>
             <a:pPr algn="ctr"/>
-            <a:endParaRPr lang="en-US" dirty="0"/>
+            <a:endParaRPr lang="en-US"/>
           </a:p>
         </p:txBody>
       </p:sp>

--- a/DataCamp/forecasting-using-arima-models-in-python/forecasting-using-arima-models-in-python-Copy1.pptx
+++ b/DataCamp/forecasting-using-arima-models-in-python/forecasting-using-arima-models-in-python-Copy1.pptx
@@ -15,11 +15,10 @@
     <p:sldId id="269" r:id="rId9"/>
     <p:sldId id="272" r:id="rId10"/>
     <p:sldId id="273" r:id="rId11"/>
-    <p:sldId id="270" r:id="rId12"/>
-    <p:sldId id="264" r:id="rId13"/>
-    <p:sldId id="263" r:id="rId14"/>
-    <p:sldId id="267" r:id="rId15"/>
-    <p:sldId id="262" r:id="rId16"/>
+    <p:sldId id="267" r:id="rId12"/>
+    <p:sldId id="262" r:id="rId13"/>
+    <p:sldId id="274" r:id="rId14"/>
+    <p:sldId id="264" r:id="rId15"/>
   </p:sldIdLst>
   <p:sldSz cx="12192000" cy="6858000"/>
   <p:notesSz cx="6858000" cy="9144000"/>
@@ -1708,7 +1707,7 @@
           <a:p>
             <a:fld id="{52B7C267-AE6F-400E-833A-3F1AAF069A4D}" type="datetimeFigureOut">
               <a:rPr lang="en-US" smtClean="0"/>
-              <a:t>1/11/2020</a:t>
+              <a:t>1/14/2020</a:t>
             </a:fld>
             <a:endParaRPr lang="en-US"/>
           </a:p>
@@ -1876,7 +1875,7 @@
           <a:p>
             <a:fld id="{52B7C267-AE6F-400E-833A-3F1AAF069A4D}" type="datetimeFigureOut">
               <a:rPr lang="en-US" smtClean="0"/>
-              <a:t>1/11/2020</a:t>
+              <a:t>1/14/2020</a:t>
             </a:fld>
             <a:endParaRPr lang="en-US"/>
           </a:p>
@@ -2054,7 +2053,7 @@
           <a:p>
             <a:fld id="{52B7C267-AE6F-400E-833A-3F1AAF069A4D}" type="datetimeFigureOut">
               <a:rPr lang="en-US" smtClean="0"/>
-              <a:t>1/11/2020</a:t>
+              <a:t>1/14/2020</a:t>
             </a:fld>
             <a:endParaRPr lang="en-US"/>
           </a:p>
@@ -2222,7 +2221,7 @@
           <a:p>
             <a:fld id="{52B7C267-AE6F-400E-833A-3F1AAF069A4D}" type="datetimeFigureOut">
               <a:rPr lang="en-US" smtClean="0"/>
-              <a:t>1/11/2020</a:t>
+              <a:t>1/14/2020</a:t>
             </a:fld>
             <a:endParaRPr lang="en-US"/>
           </a:p>
@@ -2467,7 +2466,7 @@
           <a:p>
             <a:fld id="{52B7C267-AE6F-400E-833A-3F1AAF069A4D}" type="datetimeFigureOut">
               <a:rPr lang="en-US" smtClean="0"/>
-              <a:t>1/11/2020</a:t>
+              <a:t>1/14/2020</a:t>
             </a:fld>
             <a:endParaRPr lang="en-US"/>
           </a:p>
@@ -2696,7 +2695,7 @@
           <a:p>
             <a:fld id="{52B7C267-AE6F-400E-833A-3F1AAF069A4D}" type="datetimeFigureOut">
               <a:rPr lang="en-US" smtClean="0"/>
-              <a:t>1/11/2020</a:t>
+              <a:t>1/14/2020</a:t>
             </a:fld>
             <a:endParaRPr lang="en-US"/>
           </a:p>
@@ -3060,7 +3059,7 @@
           <a:p>
             <a:fld id="{52B7C267-AE6F-400E-833A-3F1AAF069A4D}" type="datetimeFigureOut">
               <a:rPr lang="en-US" smtClean="0"/>
-              <a:t>1/11/2020</a:t>
+              <a:t>1/14/2020</a:t>
             </a:fld>
             <a:endParaRPr lang="en-US"/>
           </a:p>
@@ -3177,7 +3176,7 @@
           <a:p>
             <a:fld id="{52B7C267-AE6F-400E-833A-3F1AAF069A4D}" type="datetimeFigureOut">
               <a:rPr lang="en-US" smtClean="0"/>
-              <a:t>1/11/2020</a:t>
+              <a:t>1/14/2020</a:t>
             </a:fld>
             <a:endParaRPr lang="en-US"/>
           </a:p>
@@ -3272,7 +3271,7 @@
           <a:p>
             <a:fld id="{52B7C267-AE6F-400E-833A-3F1AAF069A4D}" type="datetimeFigureOut">
               <a:rPr lang="en-US" smtClean="0"/>
-              <a:t>1/11/2020</a:t>
+              <a:t>1/14/2020</a:t>
             </a:fld>
             <a:endParaRPr lang="en-US"/>
           </a:p>
@@ -3547,7 +3546,7 @@
           <a:p>
             <a:fld id="{52B7C267-AE6F-400E-833A-3F1AAF069A4D}" type="datetimeFigureOut">
               <a:rPr lang="en-US" smtClean="0"/>
-              <a:t>1/11/2020</a:t>
+              <a:t>1/14/2020</a:t>
             </a:fld>
             <a:endParaRPr lang="en-US"/>
           </a:p>
@@ -3799,7 +3798,7 @@
           <a:p>
             <a:fld id="{52B7C267-AE6F-400E-833A-3F1AAF069A4D}" type="datetimeFigureOut">
               <a:rPr lang="en-US" smtClean="0"/>
-              <a:t>1/11/2020</a:t>
+              <a:t>1/14/2020</a:t>
             </a:fld>
             <a:endParaRPr lang="en-US"/>
           </a:p>
@@ -4010,7 +4009,7 @@
           <a:p>
             <a:fld id="{52B7C267-AE6F-400E-833A-3F1AAF069A4D}" type="datetimeFigureOut">
               <a:rPr lang="en-US" smtClean="0"/>
-              <a:t>1/11/2020</a:t>
+              <a:t>1/14/2020</a:t>
             </a:fld>
             <a:endParaRPr lang="en-US"/>
           </a:p>
@@ -4509,7 +4508,7 @@
       </p:grpSpPr>
       <p:pic>
         <p:nvPicPr>
-          <p:cNvPr id="18" name="Picture 17"/>
+          <p:cNvPr id="15" name="Picture 14"/>
           <p:cNvPicPr>
             <a:picLocks noChangeAspect="1"/>
           </p:cNvPicPr>
@@ -4523,22 +4522,17 @@
         </p:blipFill>
         <p:spPr>
           <a:xfrm>
-            <a:off x="3967762" y="184767"/>
-            <a:ext cx="3062856" cy="1793034"/>
+            <a:off x="295720" y="2550503"/>
+            <a:ext cx="4225698" cy="1423777"/>
           </a:xfrm>
           <a:prstGeom prst="rect">
             <a:avLst/>
           </a:prstGeom>
-          <a:ln>
-            <a:solidFill>
-              <a:srgbClr val="C00000"/>
-            </a:solidFill>
-          </a:ln>
         </p:spPr>
       </p:pic>
       <p:pic>
         <p:nvPicPr>
-          <p:cNvPr id="19" name="Picture 18"/>
+          <p:cNvPr id="23" name="Picture 22"/>
           <p:cNvPicPr>
             <a:picLocks noChangeAspect="1"/>
           </p:cNvPicPr>
@@ -4552,41 +4546,17 @@
         </p:blipFill>
         <p:spPr>
           <a:xfrm>
-            <a:off x="7467600" y="184767"/>
-            <a:ext cx="4648461" cy="3073005"/>
+            <a:off x="5336808" y="2385083"/>
+            <a:ext cx="1304092" cy="1589197"/>
           </a:xfrm>
           <a:prstGeom prst="rect">
             <a:avLst/>
           </a:prstGeom>
         </p:spPr>
       </p:pic>
-      <p:pic>
-        <p:nvPicPr>
-          <p:cNvPr id="21" name="Picture 20"/>
-          <p:cNvPicPr>
-            <a:picLocks noChangeAspect="1"/>
-          </p:cNvPicPr>
-          <p:nvPr/>
-        </p:nvPicPr>
-        <p:blipFill>
-          <a:blip r:embed="rId4"/>
-          <a:stretch>
-            <a:fillRect/>
-          </a:stretch>
-        </p:blipFill>
-        <p:spPr>
-          <a:xfrm>
-            <a:off x="3846995" y="3267791"/>
-            <a:ext cx="4569706" cy="1554322"/>
-          </a:xfrm>
-          <a:prstGeom prst="rect">
-            <a:avLst/>
-          </a:prstGeom>
-        </p:spPr>
-      </p:pic>
-      <p:sp>
-        <p:nvSpPr>
-          <p:cNvPr id="22" name="Right Arrow 8">
+      <p:sp>
+        <p:nvSpPr>
+          <p:cNvPr id="25" name="Right Arrow 8">
             <a:extLst>
               <a:ext uri="{FF2B5EF4-FFF2-40B4-BE49-F238E27FC236}">
                 <a16:creationId xmlns:a16="http://schemas.microsoft.com/office/drawing/2014/main" id="{2DD54CF3-9584-4F1B-8038-8EFD48BC9917}"/>
@@ -4598,7 +4568,7 @@
         </p:nvSpPr>
         <p:spPr>
           <a:xfrm>
-            <a:off x="6938251" y="1179987"/>
+            <a:off x="4865426" y="2992275"/>
             <a:ext cx="310857" cy="388471"/>
           </a:xfrm>
           <a:prstGeom prst="rightArrow">
@@ -4632,7 +4602,31 @@
       </p:sp>
       <p:pic>
         <p:nvPicPr>
-          <p:cNvPr id="15" name="Picture 14"/>
+          <p:cNvPr id="9" name="Picture 8"/>
+          <p:cNvPicPr>
+            <a:picLocks noChangeAspect="1"/>
+          </p:cNvPicPr>
+          <p:nvPr/>
+        </p:nvPicPr>
+        <p:blipFill>
+          <a:blip r:embed="rId4"/>
+          <a:stretch>
+            <a:fillRect/>
+          </a:stretch>
+        </p:blipFill>
+        <p:spPr>
+          <a:xfrm>
+            <a:off x="295720" y="326117"/>
+            <a:ext cx="4569706" cy="1554322"/>
+          </a:xfrm>
+          <a:prstGeom prst="rect">
+            <a:avLst/>
+          </a:prstGeom>
+        </p:spPr>
+      </p:pic>
+      <p:pic>
+        <p:nvPicPr>
+          <p:cNvPr id="10" name="Picture 9"/>
           <p:cNvPicPr>
             <a:picLocks noChangeAspect="1"/>
           </p:cNvPicPr>
@@ -4646,84 +4640,84 @@
         </p:blipFill>
         <p:spPr>
           <a:xfrm>
-            <a:off x="3846995" y="5211473"/>
-            <a:ext cx="4225698" cy="1423777"/>
+            <a:off x="295720" y="4755671"/>
+            <a:ext cx="2302081" cy="1526346"/>
           </a:xfrm>
           <a:prstGeom prst="rect">
             <a:avLst/>
           </a:prstGeom>
         </p:spPr>
       </p:pic>
-      <p:pic>
-        <p:nvPicPr>
-          <p:cNvPr id="23" name="Picture 22"/>
-          <p:cNvPicPr>
-            <a:picLocks noChangeAspect="1"/>
-          </p:cNvPicPr>
+      <p:cxnSp>
+        <p:nvCxnSpPr>
+          <p:cNvPr id="3" name="Straight Connector 2"/>
+          <p:cNvCxnSpPr/>
           <p:nvPr/>
-        </p:nvPicPr>
-        <p:blipFill>
-          <a:blip r:embed="rId6"/>
-          <a:stretch>
-            <a:fillRect/>
-          </a:stretch>
-        </p:blipFill>
-        <p:spPr>
-          <a:xfrm>
-            <a:off x="8818330" y="5128762"/>
-            <a:ext cx="1304092" cy="1589197"/>
-          </a:xfrm>
-          <a:prstGeom prst="rect">
+        </p:nvCxnSpPr>
+        <p:spPr>
+          <a:xfrm>
+            <a:off x="354419" y="2126512"/>
+            <a:ext cx="11093302" cy="0"/>
+          </a:xfrm>
+          <a:prstGeom prst="line">
             <a:avLst/>
           </a:prstGeom>
-        </p:spPr>
-      </p:pic>
-      <p:sp>
-        <p:nvSpPr>
-          <p:cNvPr id="25" name="Right Arrow 8">
-            <a:extLst>
-              <a:ext uri="{FF2B5EF4-FFF2-40B4-BE49-F238E27FC236}">
-                <a16:creationId xmlns:a16="http://schemas.microsoft.com/office/drawing/2014/main" id="{2DD54CF3-9584-4F1B-8038-8EFD48BC9917}"/>
-              </a:ext>
-            </a:extLst>
-          </p:cNvPr>
-          <p:cNvSpPr/>
+          <a:ln>
+            <a:prstDash val="sysDash"/>
+            <a:headEnd type="none" w="med" len="med"/>
+            <a:tailEnd type="none" w="med" len="med"/>
+          </a:ln>
+        </p:spPr>
+        <p:style>
+          <a:lnRef idx="3">
+            <a:schemeClr val="accent5"/>
+          </a:lnRef>
+          <a:fillRef idx="0">
+            <a:schemeClr val="accent5"/>
+          </a:fillRef>
+          <a:effectRef idx="2">
+            <a:schemeClr val="accent5"/>
+          </a:effectRef>
+          <a:fontRef idx="minor">
+            <a:schemeClr val="tx1"/>
+          </a:fontRef>
+        </p:style>
+      </p:cxnSp>
+      <p:cxnSp>
+        <p:nvCxnSpPr>
+          <p:cNvPr id="13" name="Straight Connector 12"/>
+          <p:cNvCxnSpPr/>
           <p:nvPr/>
-        </p:nvSpPr>
-        <p:spPr>
-          <a:xfrm>
-            <a:off x="8346948" y="5735954"/>
-            <a:ext cx="310857" cy="388471"/>
-          </a:xfrm>
-          <a:prstGeom prst="rightArrow">
+        </p:nvCxnSpPr>
+        <p:spPr>
+          <a:xfrm>
+            <a:off x="354419" y="4320149"/>
+            <a:ext cx="11093302" cy="0"/>
+          </a:xfrm>
+          <a:prstGeom prst="line">
             <a:avLst/>
           </a:prstGeom>
+          <a:ln>
+            <a:prstDash val="sysDash"/>
+            <a:headEnd type="none" w="med" len="med"/>
+            <a:tailEnd type="none" w="med" len="med"/>
+          </a:ln>
         </p:spPr>
         <p:style>
-          <a:lnRef idx="2">
-            <a:schemeClr val="accent1">
-              <a:shade val="50000"/>
-            </a:schemeClr>
+          <a:lnRef idx="3">
+            <a:schemeClr val="accent5"/>
           </a:lnRef>
-          <a:fillRef idx="1">
-            <a:schemeClr val="accent1"/>
+          <a:fillRef idx="0">
+            <a:schemeClr val="accent5"/>
           </a:fillRef>
-          <a:effectRef idx="0">
-            <a:schemeClr val="accent1"/>
+          <a:effectRef idx="2">
+            <a:schemeClr val="accent5"/>
           </a:effectRef>
           <a:fontRef idx="minor">
-            <a:schemeClr val="lt1"/>
+            <a:schemeClr val="tx1"/>
           </a:fontRef>
         </p:style>
-        <p:txBody>
-          <a:bodyPr rtlCol="0" anchor="ctr"/>
-          <a:lstStyle/>
-          <a:p>
-            <a:pPr algn="ctr"/>
-            <a:endParaRPr lang="en-US" dirty="0"/>
-          </a:p>
-        </p:txBody>
-      </p:sp>
+      </p:cxnSp>
     </p:spTree>
     <p:extLst>
       <p:ext uri="{BB962C8B-B14F-4D97-AF65-F5344CB8AC3E}">
@@ -4754,641 +4748,6 @@
           <a:chExt cx="0" cy="0"/>
         </a:xfrm>
       </p:grpSpPr>
-      <p:pic>
-        <p:nvPicPr>
-          <p:cNvPr id="10" name="Picture 9"/>
-          <p:cNvPicPr>
-            <a:picLocks noChangeAspect="1"/>
-          </p:cNvPicPr>
-          <p:nvPr/>
-        </p:nvPicPr>
-        <p:blipFill>
-          <a:blip r:embed="rId2"/>
-          <a:stretch>
-            <a:fillRect/>
-          </a:stretch>
-        </p:blipFill>
-        <p:spPr>
-          <a:xfrm>
-            <a:off x="4579839" y="4906130"/>
-            <a:ext cx="2302081" cy="1526346"/>
-          </a:xfrm>
-          <a:prstGeom prst="rect">
-            <a:avLst/>
-          </a:prstGeom>
-        </p:spPr>
-      </p:pic>
-      <p:pic>
-        <p:nvPicPr>
-          <p:cNvPr id="13" name="Picture 12">
-            <a:extLst>
-              <a:ext uri="{FF2B5EF4-FFF2-40B4-BE49-F238E27FC236}">
-                <a16:creationId xmlns:a16="http://schemas.microsoft.com/office/drawing/2014/main" id="{926923BF-01BA-4DA1-9838-86E3ADFBD018}"/>
-              </a:ext>
-            </a:extLst>
-          </p:cNvPr>
-          <p:cNvPicPr>
-            <a:picLocks noChangeAspect="1"/>
-          </p:cNvPicPr>
-          <p:nvPr/>
-        </p:nvPicPr>
-        <p:blipFill>
-          <a:blip r:embed="rId3"/>
-          <a:stretch>
-            <a:fillRect/>
-          </a:stretch>
-        </p:blipFill>
-        <p:spPr>
-          <a:xfrm>
-            <a:off x="5527963" y="2063804"/>
-            <a:ext cx="3735403" cy="2153171"/>
-          </a:xfrm>
-          <a:prstGeom prst="rect">
-            <a:avLst/>
-          </a:prstGeom>
-        </p:spPr>
-      </p:pic>
-    </p:spTree>
-    <p:extLst>
-      <p:ext uri="{BB962C8B-B14F-4D97-AF65-F5344CB8AC3E}">
-        <p14:creationId xmlns:p14="http://schemas.microsoft.com/office/powerpoint/2010/main" val="1743299678"/>
-      </p:ext>
-    </p:extLst>
-  </p:cSld>
-  <p:clrMapOvr>
-    <a:masterClrMapping/>
-  </p:clrMapOvr>
-</p:sld>
-</file>
-
-<file path=ppt/slides/slide12.xml><?xml version="1.0" encoding="utf-8"?>
-<p:sld xmlns:a="http://schemas.openxmlformats.org/drawingml/2006/main" xmlns:r="http://schemas.openxmlformats.org/officeDocument/2006/relationships" xmlns:p="http://schemas.openxmlformats.org/presentationml/2006/main">
-  <p:cSld>
-    <p:spTree>
-      <p:nvGrpSpPr>
-        <p:cNvPr id="1" name=""/>
-        <p:cNvGrpSpPr/>
-        <p:nvPr/>
-      </p:nvGrpSpPr>
-      <p:grpSpPr>
-        <a:xfrm>
-          <a:off x="0" y="0"/>
-          <a:ext cx="0" cy="0"/>
-          <a:chOff x="0" y="0"/>
-          <a:chExt cx="0" cy="0"/>
-        </a:xfrm>
-      </p:grpSpPr>
-      <p:sp>
-        <p:nvSpPr>
-          <p:cNvPr id="2" name="Title 1">
-            <a:extLst>
-              <a:ext uri="{FF2B5EF4-FFF2-40B4-BE49-F238E27FC236}">
-                <a16:creationId xmlns:a16="http://schemas.microsoft.com/office/drawing/2014/main" id="{D21888E8-500D-4455-AD35-F4DC714207B6}"/>
-              </a:ext>
-            </a:extLst>
-          </p:cNvPr>
-          <p:cNvSpPr>
-            <a:spLocks noGrp="1"/>
-          </p:cNvSpPr>
-          <p:nvPr>
-            <p:ph type="title"/>
-          </p:nvPr>
-        </p:nvSpPr>
-        <p:spPr>
-          <a:xfrm>
-            <a:off x="838200" y="365126"/>
-            <a:ext cx="10515600" cy="557588"/>
-          </a:xfrm>
-        </p:spPr>
-        <p:txBody>
-          <a:bodyPr>
-            <a:normAutofit/>
-          </a:bodyPr>
-          <a:lstStyle/>
-          <a:p>
-            <a:r>
-              <a:rPr lang="en-US" sz="2800" b="1" dirty="0"/>
-              <a:t>ARIMA Model Forecasting</a:t>
-            </a:r>
-          </a:p>
-        </p:txBody>
-      </p:sp>
-      <p:sp>
-        <p:nvSpPr>
-          <p:cNvPr id="3" name="Content Placeholder 2">
-            <a:extLst>
-              <a:ext uri="{FF2B5EF4-FFF2-40B4-BE49-F238E27FC236}">
-                <a16:creationId xmlns:a16="http://schemas.microsoft.com/office/drawing/2014/main" id="{CF9F60B2-44C3-45C6-9DDB-1780F73DD7C5}"/>
-              </a:ext>
-            </a:extLst>
-          </p:cNvPr>
-          <p:cNvSpPr>
-            <a:spLocks noGrp="1"/>
-          </p:cNvSpPr>
-          <p:nvPr>
-            <p:ph idx="1"/>
-          </p:nvPr>
-        </p:nvSpPr>
-        <p:spPr>
-          <a:xfrm>
-            <a:off x="838199" y="922714"/>
-            <a:ext cx="4560917" cy="5254249"/>
-          </a:xfrm>
-        </p:spPr>
-        <p:txBody>
-          <a:bodyPr>
-            <a:normAutofit/>
-          </a:bodyPr>
-          <a:lstStyle/>
-          <a:p>
-            <a:r>
-              <a:rPr lang="en-US" sz="1800" dirty="0"/>
-              <a:t>Loading single time-series</a:t>
-            </a:r>
-          </a:p>
-          <a:p>
-            <a:r>
-              <a:rPr lang="en-US" sz="1800" dirty="0"/>
-              <a:t>Loading multiple time-series</a:t>
-            </a:r>
-          </a:p>
-          <a:p>
-            <a:r>
-              <a:rPr lang="en-US" sz="1800" dirty="0"/>
-              <a:t>Plotting time-series to observe</a:t>
-            </a:r>
-          </a:p>
-          <a:p>
-            <a:pPr lvl="1"/>
-            <a:r>
-              <a:rPr lang="en-US" sz="1100" dirty="0"/>
-              <a:t>Stationarity </a:t>
-            </a:r>
-            <a:r>
-              <a:rPr lang="en-US" sz="1100" dirty="0">
-                <a:sym typeface="Wingdings" panose="05000000000000000000" pitchFamily="2" charset="2"/>
-              </a:rPr>
-              <a:t> trend, </a:t>
-            </a:r>
-            <a:r>
-              <a:rPr lang="en-US" sz="1100" dirty="0" err="1">
-                <a:sym typeface="Wingdings" panose="05000000000000000000" pitchFamily="2" charset="2"/>
-              </a:rPr>
-              <a:t>skedasticity</a:t>
-            </a:r>
-            <a:r>
-              <a:rPr lang="en-US" sz="1100" dirty="0">
-                <a:sym typeface="Wingdings" panose="05000000000000000000" pitchFamily="2" charset="2"/>
-              </a:rPr>
-              <a:t>, autocorrelation</a:t>
-            </a:r>
-          </a:p>
-          <a:p>
-            <a:pPr lvl="1"/>
-            <a:r>
-              <a:rPr lang="en-US" sz="1100" dirty="0">
-                <a:sym typeface="Wingdings" panose="05000000000000000000" pitchFamily="2" charset="2"/>
-              </a:rPr>
-              <a:t>Periodicity  seasonality, cyclicality</a:t>
-            </a:r>
-          </a:p>
-          <a:p>
-            <a:r>
-              <a:rPr lang="en-US" sz="1500" dirty="0">
-                <a:sym typeface="Wingdings" panose="05000000000000000000" pitchFamily="2" charset="2"/>
-              </a:rPr>
-              <a:t>Augmented Dicky-Fuller test for trend stationarity – </a:t>
-            </a:r>
-            <a:r>
-              <a:rPr lang="en-US" sz="1200" i="1" dirty="0">
-                <a:sym typeface="Wingdings" panose="05000000000000000000" pitchFamily="2" charset="2"/>
-              </a:rPr>
-              <a:t>what about testing for </a:t>
-            </a:r>
-            <a:r>
-              <a:rPr lang="en-US" sz="1200" i="1" dirty="0" err="1">
-                <a:sym typeface="Wingdings" panose="05000000000000000000" pitchFamily="2" charset="2"/>
-              </a:rPr>
-              <a:t>skedasticity</a:t>
-            </a:r>
-            <a:r>
-              <a:rPr lang="en-US" sz="1200" i="1" dirty="0">
-                <a:sym typeface="Wingdings" panose="05000000000000000000" pitchFamily="2" charset="2"/>
-              </a:rPr>
-              <a:t> and autocorrelation?</a:t>
-            </a:r>
-            <a:endParaRPr lang="en-US" sz="1500" i="1" dirty="0">
-              <a:sym typeface="Wingdings" panose="05000000000000000000" pitchFamily="2" charset="2"/>
-            </a:endParaRPr>
-          </a:p>
-          <a:p>
-            <a:r>
-              <a:rPr lang="en-US" sz="1500" dirty="0">
-                <a:sym typeface="Wingdings" panose="05000000000000000000" pitchFamily="2" charset="2"/>
-              </a:rPr>
-              <a:t>Converting non-stationary TS to stationary TS –</a:t>
-            </a:r>
-            <a:br>
-              <a:rPr lang="en-US" sz="1500" dirty="0">
-                <a:sym typeface="Wingdings" panose="05000000000000000000" pitchFamily="2" charset="2"/>
-              </a:rPr>
-            </a:br>
-            <a:r>
-              <a:rPr lang="en-US" sz="1200" i="1" dirty="0">
-                <a:sym typeface="Wingdings" panose="05000000000000000000" pitchFamily="2" charset="2"/>
-              </a:rPr>
-              <a:t>how does inverse transforms work?</a:t>
-            </a:r>
-          </a:p>
-          <a:p>
-            <a:pPr lvl="1"/>
-            <a:r>
-              <a:rPr lang="en-US" sz="1100" dirty="0">
-                <a:sym typeface="Wingdings" panose="05000000000000000000" pitchFamily="2" charset="2"/>
-              </a:rPr>
-              <a:t>nth order differencing</a:t>
-            </a:r>
-          </a:p>
-          <a:p>
-            <a:pPr lvl="1"/>
-            <a:r>
-              <a:rPr lang="en-US" sz="1100" dirty="0">
-                <a:sym typeface="Wingdings" panose="05000000000000000000" pitchFamily="2" charset="2"/>
-              </a:rPr>
-              <a:t>proportional change</a:t>
-            </a:r>
-          </a:p>
-          <a:p>
-            <a:pPr lvl="1"/>
-            <a:r>
-              <a:rPr lang="en-US" sz="1100" dirty="0">
-                <a:sym typeface="Wingdings" panose="05000000000000000000" pitchFamily="2" charset="2"/>
-              </a:rPr>
-              <a:t>square root</a:t>
-            </a:r>
-          </a:p>
-          <a:p>
-            <a:pPr lvl="1"/>
-            <a:r>
-              <a:rPr lang="en-US" sz="1100" dirty="0">
-                <a:sym typeface="Wingdings" panose="05000000000000000000" pitchFamily="2" charset="2"/>
-              </a:rPr>
-              <a:t>log </a:t>
-            </a:r>
-          </a:p>
-          <a:p>
-            <a:r>
-              <a:rPr lang="en-US" sz="1500" dirty="0">
-                <a:sym typeface="Wingdings" panose="05000000000000000000" pitchFamily="2" charset="2"/>
-              </a:rPr>
-              <a:t>Retesting for stationarity</a:t>
-            </a:r>
-          </a:p>
-          <a:p>
-            <a:r>
-              <a:rPr lang="en-US" sz="1500" dirty="0">
-                <a:sym typeface="Wingdings" panose="05000000000000000000" pitchFamily="2" charset="2"/>
-              </a:rPr>
-              <a:t>Fit a preliminary </a:t>
-            </a:r>
-            <a:r>
-              <a:rPr lang="en-US" sz="1500" dirty="0" err="1">
-                <a:sym typeface="Wingdings" panose="05000000000000000000" pitchFamily="2" charset="2"/>
-              </a:rPr>
-              <a:t>ARMA</a:t>
-            </a:r>
-            <a:r>
-              <a:rPr lang="en-US" sz="1500" dirty="0">
-                <a:sym typeface="Wingdings" panose="05000000000000000000" pitchFamily="2" charset="2"/>
-              </a:rPr>
-              <a:t> model –</a:t>
-            </a:r>
-            <a:br>
-              <a:rPr lang="en-US" sz="1500" dirty="0">
-                <a:sym typeface="Wingdings" panose="05000000000000000000" pitchFamily="2" charset="2"/>
-              </a:rPr>
-            </a:br>
-            <a:r>
-              <a:rPr lang="en-US" sz="1200" i="1" dirty="0">
-                <a:sym typeface="Wingdings" panose="05000000000000000000" pitchFamily="2" charset="2"/>
-              </a:rPr>
-              <a:t>why is an MA model a moving average model?</a:t>
-            </a:r>
-            <a:br>
-              <a:rPr lang="en-US" sz="1200" i="1" dirty="0">
-                <a:sym typeface="Wingdings" panose="05000000000000000000" pitchFamily="2" charset="2"/>
-              </a:rPr>
-            </a:br>
-            <a:r>
-              <a:rPr lang="en-US" sz="1200" i="1" dirty="0">
-                <a:sym typeface="Wingdings" panose="05000000000000000000" pitchFamily="2" charset="2"/>
-              </a:rPr>
-              <a:t>from where are the shock terms in the MA model derived?</a:t>
-            </a:r>
-            <a:br>
-              <a:rPr lang="en-US" sz="1200" i="1" dirty="0">
-                <a:sym typeface="Wingdings" panose="05000000000000000000" pitchFamily="2" charset="2"/>
-              </a:rPr>
-            </a:br>
-            <a:r>
-              <a:rPr lang="en-US" sz="1200" i="1" dirty="0">
-                <a:sym typeface="Wingdings" panose="05000000000000000000" pitchFamily="2" charset="2"/>
-              </a:rPr>
-              <a:t>how are the p and q model orders chosen?</a:t>
-            </a:r>
-            <a:br>
-              <a:rPr lang="en-US" sz="1200" i="1" dirty="0">
-                <a:sym typeface="Wingdings" panose="05000000000000000000" pitchFamily="2" charset="2"/>
-              </a:rPr>
-            </a:br>
-            <a:br>
-              <a:rPr lang="en-US" sz="1500" dirty="0">
-                <a:sym typeface="Wingdings" panose="05000000000000000000" pitchFamily="2" charset="2"/>
-              </a:rPr>
-            </a:br>
-            <a:endParaRPr lang="en-US" sz="1500" dirty="0">
-              <a:sym typeface="Wingdings" panose="05000000000000000000" pitchFamily="2" charset="2"/>
-            </a:endParaRPr>
-          </a:p>
-          <a:p>
-            <a:pPr lvl="1"/>
-            <a:endParaRPr lang="en-US" sz="1100" dirty="0">
-              <a:sym typeface="Wingdings" panose="05000000000000000000" pitchFamily="2" charset="2"/>
-            </a:endParaRPr>
-          </a:p>
-          <a:p>
-            <a:endParaRPr lang="en-US" sz="1500" dirty="0"/>
-          </a:p>
-          <a:p>
-            <a:endParaRPr lang="en-US" sz="1800" dirty="0"/>
-          </a:p>
-        </p:txBody>
-      </p:sp>
-    </p:spTree>
-    <p:extLst>
-      <p:ext uri="{BB962C8B-B14F-4D97-AF65-F5344CB8AC3E}">
-        <p14:creationId xmlns:p14="http://schemas.microsoft.com/office/powerpoint/2010/main" val="1680492806"/>
-      </p:ext>
-    </p:extLst>
-  </p:cSld>
-  <p:clrMapOvr>
-    <a:masterClrMapping/>
-  </p:clrMapOvr>
-</p:sld>
-</file>
-
-<file path=ppt/slides/slide13.xml><?xml version="1.0" encoding="utf-8"?>
-<p:sld xmlns:a="http://schemas.openxmlformats.org/drawingml/2006/main" xmlns:r="http://schemas.openxmlformats.org/officeDocument/2006/relationships" xmlns:p="http://schemas.openxmlformats.org/presentationml/2006/main">
-  <p:cSld>
-    <p:spTree>
-      <p:nvGrpSpPr>
-        <p:cNvPr id="1" name=""/>
-        <p:cNvGrpSpPr/>
-        <p:nvPr/>
-      </p:nvGrpSpPr>
-      <p:grpSpPr>
-        <a:xfrm>
-          <a:off x="0" y="0"/>
-          <a:ext cx="0" cy="0"/>
-          <a:chOff x="0" y="0"/>
-          <a:chExt cx="0" cy="0"/>
-        </a:xfrm>
-      </p:grpSpPr>
-      <p:grpSp>
-        <p:nvGrpSpPr>
-          <p:cNvPr id="2" name="Group 1">
-            <a:extLst>
-              <a:ext uri="{FF2B5EF4-FFF2-40B4-BE49-F238E27FC236}">
-                <a16:creationId xmlns:a16="http://schemas.microsoft.com/office/drawing/2014/main" id="{F31607D5-88DF-4F9D-8C6B-274CD1649B05}"/>
-              </a:ext>
-            </a:extLst>
-          </p:cNvPr>
-          <p:cNvGrpSpPr/>
-          <p:nvPr/>
-        </p:nvGrpSpPr>
-        <p:grpSpPr>
-          <a:xfrm>
-            <a:off x="1398788" y="2910579"/>
-            <a:ext cx="5757080" cy="3088633"/>
-            <a:chOff x="251011" y="3569670"/>
-            <a:chExt cx="5757080" cy="3088633"/>
-          </a:xfrm>
-        </p:grpSpPr>
-        <p:pic>
-          <p:nvPicPr>
-            <p:cNvPr id="3" name="Picture 2">
-              <a:extLst>
-                <a:ext uri="{FF2B5EF4-FFF2-40B4-BE49-F238E27FC236}">
-                  <a16:creationId xmlns:a16="http://schemas.microsoft.com/office/drawing/2014/main" id="{17AC65FD-FF09-4BCE-B98D-C28C86D5FB80}"/>
-                </a:ext>
-              </a:extLst>
-            </p:cNvPr>
-            <p:cNvPicPr>
-              <a:picLocks noChangeAspect="1"/>
-            </p:cNvPicPr>
-            <p:nvPr/>
-          </p:nvPicPr>
-          <p:blipFill>
-            <a:blip r:embed="rId2"/>
-            <a:stretch>
-              <a:fillRect/>
-            </a:stretch>
-          </p:blipFill>
-          <p:spPr>
-            <a:xfrm>
-              <a:off x="251011" y="4210402"/>
-              <a:ext cx="2014028" cy="1700842"/>
-            </a:xfrm>
-            <a:prstGeom prst="rect">
-              <a:avLst/>
-            </a:prstGeom>
-          </p:spPr>
-        </p:pic>
-        <p:pic>
-          <p:nvPicPr>
-            <p:cNvPr id="4" name="Picture 3">
-              <a:extLst>
-                <a:ext uri="{FF2B5EF4-FFF2-40B4-BE49-F238E27FC236}">
-                  <a16:creationId xmlns:a16="http://schemas.microsoft.com/office/drawing/2014/main" id="{E37D7253-A3EC-4CA8-95A6-7B798C33AF5C}"/>
-                </a:ext>
-              </a:extLst>
-            </p:cNvPr>
-            <p:cNvPicPr>
-              <a:picLocks noChangeAspect="1"/>
-            </p:cNvPicPr>
-            <p:nvPr/>
-          </p:nvPicPr>
-          <p:blipFill>
-            <a:blip r:embed="rId3"/>
-            <a:stretch>
-              <a:fillRect/>
-            </a:stretch>
-          </p:blipFill>
-          <p:spPr>
-            <a:xfrm>
-              <a:off x="3472329" y="3569670"/>
-              <a:ext cx="2535762" cy="3088633"/>
-            </a:xfrm>
-            <a:prstGeom prst="rect">
-              <a:avLst/>
-            </a:prstGeom>
-          </p:spPr>
-        </p:pic>
-        <p:sp>
-          <p:nvSpPr>
-            <p:cNvPr id="5" name="Right Arrow 13">
-              <a:extLst>
-                <a:ext uri="{FF2B5EF4-FFF2-40B4-BE49-F238E27FC236}">
-                  <a16:creationId xmlns:a16="http://schemas.microsoft.com/office/drawing/2014/main" id="{60238703-8AF8-4035-9EA7-CFFE37B40F7B}"/>
-                </a:ext>
-              </a:extLst>
-            </p:cNvPr>
-            <p:cNvSpPr/>
-            <p:nvPr/>
-          </p:nvSpPr>
-          <p:spPr>
-            <a:xfrm>
-              <a:off x="1996141" y="5522773"/>
-              <a:ext cx="1476188" cy="388471"/>
-            </a:xfrm>
-            <a:prstGeom prst="rightArrow">
-              <a:avLst/>
-            </a:prstGeom>
-          </p:spPr>
-          <p:style>
-            <a:lnRef idx="2">
-              <a:schemeClr val="accent1">
-                <a:shade val="50000"/>
-              </a:schemeClr>
-            </a:lnRef>
-            <a:fillRef idx="1">
-              <a:schemeClr val="accent1"/>
-            </a:fillRef>
-            <a:effectRef idx="0">
-              <a:schemeClr val="accent1"/>
-            </a:effectRef>
-            <a:fontRef idx="minor">
-              <a:schemeClr val="lt1"/>
-            </a:fontRef>
-          </p:style>
-          <p:txBody>
-            <a:bodyPr rtlCol="0" anchor="ctr"/>
-            <a:lstStyle/>
-            <a:p>
-              <a:pPr algn="ctr"/>
-              <a:endParaRPr lang="en-US"/>
-            </a:p>
-          </p:txBody>
-        </p:sp>
-      </p:grpSp>
-      <p:pic>
-        <p:nvPicPr>
-          <p:cNvPr id="6" name="Picture 5">
-            <a:extLst>
-              <a:ext uri="{FF2B5EF4-FFF2-40B4-BE49-F238E27FC236}">
-                <a16:creationId xmlns:a16="http://schemas.microsoft.com/office/drawing/2014/main" id="{89B2B560-D032-4515-A5D0-6B7B9B4E0E46}"/>
-              </a:ext>
-            </a:extLst>
-          </p:cNvPr>
-          <p:cNvPicPr>
-            <a:picLocks noChangeAspect="1"/>
-          </p:cNvPicPr>
-          <p:nvPr/>
-        </p:nvPicPr>
-        <p:blipFill>
-          <a:blip r:embed="rId4"/>
-          <a:stretch>
-            <a:fillRect/>
-          </a:stretch>
-        </p:blipFill>
-        <p:spPr>
-          <a:xfrm>
-            <a:off x="1829048" y="496510"/>
-            <a:ext cx="3607607" cy="1599077"/>
-          </a:xfrm>
-          <a:prstGeom prst="rect">
-            <a:avLst/>
-          </a:prstGeom>
-        </p:spPr>
-      </p:pic>
-      <p:pic>
-        <p:nvPicPr>
-          <p:cNvPr id="7" name="Picture 6"/>
-          <p:cNvPicPr>
-            <a:picLocks noChangeAspect="1"/>
-          </p:cNvPicPr>
-          <p:nvPr/>
-        </p:nvPicPr>
-        <p:blipFill>
-          <a:blip r:embed="rId5"/>
-          <a:stretch>
-            <a:fillRect/>
-          </a:stretch>
-        </p:blipFill>
-        <p:spPr>
-          <a:xfrm>
-            <a:off x="8363158" y="409043"/>
-            <a:ext cx="3434858" cy="1167356"/>
-          </a:xfrm>
-          <a:prstGeom prst="rect">
-            <a:avLst/>
-          </a:prstGeom>
-        </p:spPr>
-      </p:pic>
-      <p:pic>
-        <p:nvPicPr>
-          <p:cNvPr id="8" name="Picture 7"/>
-          <p:cNvPicPr>
-            <a:picLocks noChangeAspect="1"/>
-          </p:cNvPicPr>
-          <p:nvPr/>
-        </p:nvPicPr>
-        <p:blipFill>
-          <a:blip r:embed="rId6"/>
-          <a:stretch>
-            <a:fillRect/>
-          </a:stretch>
-        </p:blipFill>
-        <p:spPr>
-          <a:xfrm>
-            <a:off x="8363158" y="1740988"/>
-            <a:ext cx="3439272" cy="1245858"/>
-          </a:xfrm>
-          <a:prstGeom prst="rect">
-            <a:avLst/>
-          </a:prstGeom>
-        </p:spPr>
-      </p:pic>
-    </p:spTree>
-    <p:extLst>
-      <p:ext uri="{BB962C8B-B14F-4D97-AF65-F5344CB8AC3E}">
-        <p14:creationId xmlns:p14="http://schemas.microsoft.com/office/powerpoint/2010/main" val="2880202069"/>
-      </p:ext>
-    </p:extLst>
-  </p:cSld>
-  <p:clrMapOvr>
-    <a:masterClrMapping/>
-  </p:clrMapOvr>
-</p:sld>
-</file>
-
-<file path=ppt/slides/slide14.xml><?xml version="1.0" encoding="utf-8"?>
-<p:sld xmlns:a="http://schemas.openxmlformats.org/drawingml/2006/main" xmlns:r="http://schemas.openxmlformats.org/officeDocument/2006/relationships" xmlns:p="http://schemas.openxmlformats.org/presentationml/2006/main">
-  <p:cSld>
-    <p:spTree>
-      <p:nvGrpSpPr>
-        <p:cNvPr id="1" name=""/>
-        <p:cNvGrpSpPr/>
-        <p:nvPr/>
-      </p:nvGrpSpPr>
-      <p:grpSpPr>
-        <a:xfrm>
-          <a:off x="0" y="0"/>
-          <a:ext cx="0" cy="0"/>
-          <a:chOff x="0" y="0"/>
-          <a:chExt cx="0" cy="0"/>
-        </a:xfrm>
-      </p:grpSpPr>
       <p:sp>
         <p:nvSpPr>
           <p:cNvPr id="2" name="Title 1">
@@ -5460,7 +4819,7 @@
 </p:sld>
 </file>
 
-<file path=ppt/slides/slide15.xml><?xml version="1.0" encoding="utf-8"?>
+<file path=ppt/slides/slide12.xml><?xml version="1.0" encoding="utf-8"?>
 <p:sld xmlns:a="http://schemas.openxmlformats.org/drawingml/2006/main" xmlns:r="http://schemas.openxmlformats.org/officeDocument/2006/relationships" xmlns:p="http://schemas.openxmlformats.org/presentationml/2006/main">
   <p:cSld>
     <p:spTree>
@@ -5901,6 +5260,417 @@
 </p:sld>
 </file>
 
+<file path=ppt/slides/slide13.xml><?xml version="1.0" encoding="utf-8"?>
+<p:sld xmlns:a="http://schemas.openxmlformats.org/drawingml/2006/main" xmlns:r="http://schemas.openxmlformats.org/officeDocument/2006/relationships" xmlns:p="http://schemas.openxmlformats.org/presentationml/2006/main">
+  <p:cSld>
+    <p:spTree>
+      <p:nvGrpSpPr>
+        <p:cNvPr id="1" name=""/>
+        <p:cNvGrpSpPr/>
+        <p:nvPr/>
+      </p:nvGrpSpPr>
+      <p:grpSpPr>
+        <a:xfrm>
+          <a:off x="0" y="0"/>
+          <a:ext cx="0" cy="0"/>
+          <a:chOff x="0" y="0"/>
+          <a:chExt cx="0" cy="0"/>
+        </a:xfrm>
+      </p:grpSpPr>
+      <p:sp>
+        <p:nvSpPr>
+          <p:cNvPr id="2" name="Title 1">
+            <a:extLst>
+              <a:ext uri="{FF2B5EF4-FFF2-40B4-BE49-F238E27FC236}">
+                <a16:creationId xmlns:a16="http://schemas.microsoft.com/office/drawing/2014/main" id="{B4A4D2FB-994A-4081-AAB3-1BF22E8841B0}"/>
+              </a:ext>
+            </a:extLst>
+          </p:cNvPr>
+          <p:cNvSpPr>
+            <a:spLocks noGrp="1"/>
+          </p:cNvSpPr>
+          <p:nvPr>
+            <p:ph type="title"/>
+          </p:nvPr>
+        </p:nvSpPr>
+        <p:spPr/>
+        <p:txBody>
+          <a:bodyPr>
+            <a:normAutofit/>
+          </a:bodyPr>
+          <a:lstStyle/>
+          <a:p>
+            <a:r>
+              <a:rPr lang="en-US" sz="4400" dirty="0"/>
+              <a:t>Forecasting Using ARIMA Models in Python</a:t>
+            </a:r>
+          </a:p>
+        </p:txBody>
+      </p:sp>
+      <p:sp>
+        <p:nvSpPr>
+          <p:cNvPr id="3" name="Text Placeholder 2">
+            <a:extLst>
+              <a:ext uri="{FF2B5EF4-FFF2-40B4-BE49-F238E27FC236}">
+                <a16:creationId xmlns:a16="http://schemas.microsoft.com/office/drawing/2014/main" id="{C730F032-0C60-43A0-80D0-215C7FF04611}"/>
+              </a:ext>
+            </a:extLst>
+          </p:cNvPr>
+          <p:cNvSpPr>
+            <a:spLocks noGrp="1"/>
+          </p:cNvSpPr>
+          <p:nvPr>
+            <p:ph type="body" idx="1"/>
+          </p:nvPr>
+        </p:nvSpPr>
+        <p:spPr/>
+        <p:txBody>
+          <a:bodyPr/>
+          <a:lstStyle/>
+          <a:p>
+            <a:r>
+              <a:rPr lang="en-US" smtClean="0"/>
+              <a:t>Practical Considerations</a:t>
+            </a:r>
+            <a:endParaRPr lang="en-US" dirty="0"/>
+          </a:p>
+        </p:txBody>
+      </p:sp>
+    </p:spTree>
+    <p:extLst>
+      <p:ext uri="{BB962C8B-B14F-4D97-AF65-F5344CB8AC3E}">
+        <p14:creationId xmlns:p14="http://schemas.microsoft.com/office/powerpoint/2010/main" val="3398048257"/>
+      </p:ext>
+    </p:extLst>
+  </p:cSld>
+  <p:clrMapOvr>
+    <a:masterClrMapping/>
+  </p:clrMapOvr>
+</p:sld>
+</file>
+
+<file path=ppt/slides/slide14.xml><?xml version="1.0" encoding="utf-8"?>
+<p:sld xmlns:a="http://schemas.openxmlformats.org/drawingml/2006/main" xmlns:r="http://schemas.openxmlformats.org/officeDocument/2006/relationships" xmlns:p="http://schemas.openxmlformats.org/presentationml/2006/main">
+  <p:cSld>
+    <p:spTree>
+      <p:nvGrpSpPr>
+        <p:cNvPr id="1" name=""/>
+        <p:cNvGrpSpPr/>
+        <p:nvPr/>
+      </p:nvGrpSpPr>
+      <p:grpSpPr>
+        <a:xfrm>
+          <a:off x="0" y="0"/>
+          <a:ext cx="0" cy="0"/>
+          <a:chOff x="0" y="0"/>
+          <a:chExt cx="0" cy="0"/>
+        </a:xfrm>
+      </p:grpSpPr>
+      <p:sp>
+        <p:nvSpPr>
+          <p:cNvPr id="2" name="Title 1">
+            <a:extLst>
+              <a:ext uri="{FF2B5EF4-FFF2-40B4-BE49-F238E27FC236}">
+                <a16:creationId xmlns:a16="http://schemas.microsoft.com/office/drawing/2014/main" id="{D21888E8-500D-4455-AD35-F4DC714207B6}"/>
+              </a:ext>
+            </a:extLst>
+          </p:cNvPr>
+          <p:cNvSpPr>
+            <a:spLocks noGrp="1"/>
+          </p:cNvSpPr>
+          <p:nvPr>
+            <p:ph type="title"/>
+          </p:nvPr>
+        </p:nvSpPr>
+        <p:spPr>
+          <a:xfrm>
+            <a:off x="838200" y="365126"/>
+            <a:ext cx="10515600" cy="557588"/>
+          </a:xfrm>
+        </p:spPr>
+        <p:txBody>
+          <a:bodyPr>
+            <a:normAutofit/>
+          </a:bodyPr>
+          <a:lstStyle/>
+          <a:p>
+            <a:r>
+              <a:rPr lang="en-US" sz="2800" b="1" dirty="0"/>
+              <a:t>ARIMA Model Forecasting</a:t>
+            </a:r>
+          </a:p>
+        </p:txBody>
+      </p:sp>
+      <p:sp>
+        <p:nvSpPr>
+          <p:cNvPr id="3" name="Content Placeholder 2">
+            <a:extLst>
+              <a:ext uri="{FF2B5EF4-FFF2-40B4-BE49-F238E27FC236}">
+                <a16:creationId xmlns:a16="http://schemas.microsoft.com/office/drawing/2014/main" id="{CF9F60B2-44C3-45C6-9DDB-1780F73DD7C5}"/>
+              </a:ext>
+            </a:extLst>
+          </p:cNvPr>
+          <p:cNvSpPr>
+            <a:spLocks noGrp="1"/>
+          </p:cNvSpPr>
+          <p:nvPr>
+            <p:ph idx="1"/>
+          </p:nvPr>
+        </p:nvSpPr>
+        <p:spPr>
+          <a:xfrm>
+            <a:off x="838199" y="922714"/>
+            <a:ext cx="4560917" cy="5254249"/>
+          </a:xfrm>
+        </p:spPr>
+        <p:txBody>
+          <a:bodyPr>
+            <a:normAutofit/>
+          </a:bodyPr>
+          <a:lstStyle/>
+          <a:p>
+            <a:r>
+              <a:rPr lang="en-US" sz="1800" dirty="0"/>
+              <a:t>Loading single time-series</a:t>
+            </a:r>
+          </a:p>
+          <a:p>
+            <a:r>
+              <a:rPr lang="en-US" sz="1800" dirty="0"/>
+              <a:t>Loading multiple time-series</a:t>
+            </a:r>
+          </a:p>
+          <a:p>
+            <a:r>
+              <a:rPr lang="en-US" sz="1800" dirty="0"/>
+              <a:t>Plotting time-series to observe</a:t>
+            </a:r>
+          </a:p>
+          <a:p>
+            <a:pPr lvl="1"/>
+            <a:r>
+              <a:rPr lang="en-US" sz="1100" dirty="0"/>
+              <a:t>Stationarity </a:t>
+            </a:r>
+            <a:r>
+              <a:rPr lang="en-US" sz="1100" dirty="0">
+                <a:sym typeface="Wingdings" panose="05000000000000000000" pitchFamily="2" charset="2"/>
+              </a:rPr>
+              <a:t> trend, </a:t>
+            </a:r>
+            <a:r>
+              <a:rPr lang="en-US" sz="1100" dirty="0" err="1">
+                <a:sym typeface="Wingdings" panose="05000000000000000000" pitchFamily="2" charset="2"/>
+              </a:rPr>
+              <a:t>skedasticity</a:t>
+            </a:r>
+            <a:r>
+              <a:rPr lang="en-US" sz="1100" dirty="0">
+                <a:sym typeface="Wingdings" panose="05000000000000000000" pitchFamily="2" charset="2"/>
+              </a:rPr>
+              <a:t>, autocorrelation</a:t>
+            </a:r>
+          </a:p>
+          <a:p>
+            <a:pPr lvl="1"/>
+            <a:r>
+              <a:rPr lang="en-US" sz="1100" dirty="0">
+                <a:sym typeface="Wingdings" panose="05000000000000000000" pitchFamily="2" charset="2"/>
+              </a:rPr>
+              <a:t>Periodicity  seasonality, cyclicality</a:t>
+            </a:r>
+          </a:p>
+          <a:p>
+            <a:r>
+              <a:rPr lang="en-US" sz="1500" dirty="0">
+                <a:sym typeface="Wingdings" panose="05000000000000000000" pitchFamily="2" charset="2"/>
+              </a:rPr>
+              <a:t>Augmented Dicky-Fuller test for trend stationarity – </a:t>
+            </a:r>
+            <a:r>
+              <a:rPr lang="en-US" sz="1200" i="1" dirty="0">
+                <a:sym typeface="Wingdings" panose="05000000000000000000" pitchFamily="2" charset="2"/>
+              </a:rPr>
+              <a:t>what about testing for </a:t>
+            </a:r>
+            <a:r>
+              <a:rPr lang="en-US" sz="1200" i="1" dirty="0" err="1">
+                <a:sym typeface="Wingdings" panose="05000000000000000000" pitchFamily="2" charset="2"/>
+              </a:rPr>
+              <a:t>skedasticity</a:t>
+            </a:r>
+            <a:r>
+              <a:rPr lang="en-US" sz="1200" i="1" dirty="0">
+                <a:sym typeface="Wingdings" panose="05000000000000000000" pitchFamily="2" charset="2"/>
+              </a:rPr>
+              <a:t> and autocorrelation?</a:t>
+            </a:r>
+            <a:endParaRPr lang="en-US" sz="1500" i="1" dirty="0">
+              <a:sym typeface="Wingdings" panose="05000000000000000000" pitchFamily="2" charset="2"/>
+            </a:endParaRPr>
+          </a:p>
+          <a:p>
+            <a:r>
+              <a:rPr lang="en-US" sz="1500" dirty="0">
+                <a:sym typeface="Wingdings" panose="05000000000000000000" pitchFamily="2" charset="2"/>
+              </a:rPr>
+              <a:t>Converting non-stationary TS to stationary TS –</a:t>
+            </a:r>
+            <a:br>
+              <a:rPr lang="en-US" sz="1500" dirty="0">
+                <a:sym typeface="Wingdings" panose="05000000000000000000" pitchFamily="2" charset="2"/>
+              </a:rPr>
+            </a:br>
+            <a:r>
+              <a:rPr lang="en-US" sz="1200" i="1" dirty="0">
+                <a:sym typeface="Wingdings" panose="05000000000000000000" pitchFamily="2" charset="2"/>
+              </a:rPr>
+              <a:t>how does inverse transforms work?</a:t>
+            </a:r>
+          </a:p>
+          <a:p>
+            <a:pPr lvl="1"/>
+            <a:r>
+              <a:rPr lang="en-US" sz="1100" dirty="0">
+                <a:sym typeface="Wingdings" panose="05000000000000000000" pitchFamily="2" charset="2"/>
+              </a:rPr>
+              <a:t>nth order differencing</a:t>
+            </a:r>
+          </a:p>
+          <a:p>
+            <a:pPr lvl="1"/>
+            <a:r>
+              <a:rPr lang="en-US" sz="1100" dirty="0">
+                <a:sym typeface="Wingdings" panose="05000000000000000000" pitchFamily="2" charset="2"/>
+              </a:rPr>
+              <a:t>proportional change</a:t>
+            </a:r>
+          </a:p>
+          <a:p>
+            <a:pPr lvl="1"/>
+            <a:r>
+              <a:rPr lang="en-US" sz="1100" dirty="0">
+                <a:sym typeface="Wingdings" panose="05000000000000000000" pitchFamily="2" charset="2"/>
+              </a:rPr>
+              <a:t>square root</a:t>
+            </a:r>
+          </a:p>
+          <a:p>
+            <a:pPr lvl="1"/>
+            <a:r>
+              <a:rPr lang="en-US" sz="1100" dirty="0">
+                <a:sym typeface="Wingdings" panose="05000000000000000000" pitchFamily="2" charset="2"/>
+              </a:rPr>
+              <a:t>log </a:t>
+            </a:r>
+          </a:p>
+          <a:p>
+            <a:r>
+              <a:rPr lang="en-US" sz="1500" dirty="0">
+                <a:sym typeface="Wingdings" panose="05000000000000000000" pitchFamily="2" charset="2"/>
+              </a:rPr>
+              <a:t>Retesting for stationarity</a:t>
+            </a:r>
+          </a:p>
+          <a:p>
+            <a:r>
+              <a:rPr lang="en-US" sz="1500" dirty="0">
+                <a:sym typeface="Wingdings" panose="05000000000000000000" pitchFamily="2" charset="2"/>
+              </a:rPr>
+              <a:t>Fit a preliminary </a:t>
+            </a:r>
+            <a:r>
+              <a:rPr lang="en-US" sz="1500" dirty="0" err="1">
+                <a:sym typeface="Wingdings" panose="05000000000000000000" pitchFamily="2" charset="2"/>
+              </a:rPr>
+              <a:t>ARMA</a:t>
+            </a:r>
+            <a:r>
+              <a:rPr lang="en-US" sz="1500" dirty="0">
+                <a:sym typeface="Wingdings" panose="05000000000000000000" pitchFamily="2" charset="2"/>
+              </a:rPr>
+              <a:t> model –</a:t>
+            </a:r>
+            <a:br>
+              <a:rPr lang="en-US" sz="1500" dirty="0">
+                <a:sym typeface="Wingdings" panose="05000000000000000000" pitchFamily="2" charset="2"/>
+              </a:rPr>
+            </a:br>
+            <a:r>
+              <a:rPr lang="en-US" sz="1200" i="1" dirty="0">
+                <a:sym typeface="Wingdings" panose="05000000000000000000" pitchFamily="2" charset="2"/>
+              </a:rPr>
+              <a:t>why is an MA model a moving average model?</a:t>
+            </a:r>
+            <a:br>
+              <a:rPr lang="en-US" sz="1200" i="1" dirty="0">
+                <a:sym typeface="Wingdings" panose="05000000000000000000" pitchFamily="2" charset="2"/>
+              </a:rPr>
+            </a:br>
+            <a:r>
+              <a:rPr lang="en-US" sz="1200" i="1" dirty="0">
+                <a:sym typeface="Wingdings" panose="05000000000000000000" pitchFamily="2" charset="2"/>
+              </a:rPr>
+              <a:t>from where are the shock terms in the MA model derived?</a:t>
+            </a:r>
+            <a:br>
+              <a:rPr lang="en-US" sz="1200" i="1" dirty="0">
+                <a:sym typeface="Wingdings" panose="05000000000000000000" pitchFamily="2" charset="2"/>
+              </a:rPr>
+            </a:br>
+            <a:r>
+              <a:rPr lang="en-US" sz="1200" i="1" dirty="0">
+                <a:sym typeface="Wingdings" panose="05000000000000000000" pitchFamily="2" charset="2"/>
+              </a:rPr>
+              <a:t>how are the p and q model orders chosen?</a:t>
+            </a:r>
+            <a:br>
+              <a:rPr lang="en-US" sz="1200" i="1" dirty="0">
+                <a:sym typeface="Wingdings" panose="05000000000000000000" pitchFamily="2" charset="2"/>
+              </a:rPr>
+            </a:br>
+            <a:r>
+              <a:rPr lang="en-US" sz="1500" dirty="0">
+                <a:sym typeface="Wingdings" panose="05000000000000000000" pitchFamily="2" charset="2"/>
+              </a:rPr>
+              <a:t/>
+            </a:r>
+            <a:br>
+              <a:rPr lang="en-US" sz="1500" dirty="0">
+                <a:sym typeface="Wingdings" panose="05000000000000000000" pitchFamily="2" charset="2"/>
+              </a:rPr>
+            </a:br>
+            <a:endParaRPr lang="en-US" sz="1500" dirty="0">
+              <a:sym typeface="Wingdings" panose="05000000000000000000" pitchFamily="2" charset="2"/>
+            </a:endParaRPr>
+          </a:p>
+          <a:p>
+            <a:pPr lvl="1"/>
+            <a:endParaRPr lang="en-US" sz="1100" dirty="0">
+              <a:sym typeface="Wingdings" panose="05000000000000000000" pitchFamily="2" charset="2"/>
+            </a:endParaRPr>
+          </a:p>
+          <a:p>
+            <a:endParaRPr lang="en-US" sz="1500" dirty="0"/>
+          </a:p>
+          <a:p>
+            <a:endParaRPr lang="en-US" sz="1800" dirty="0"/>
+          </a:p>
+        </p:txBody>
+      </p:sp>
+    </p:spTree>
+    <p:extLst>
+      <p:ext uri="{BB962C8B-B14F-4D97-AF65-F5344CB8AC3E}">
+        <p14:creationId xmlns:p14="http://schemas.microsoft.com/office/powerpoint/2010/main" val="1680492806"/>
+      </p:ext>
+    </p:extLst>
+  </p:cSld>
+  <p:clrMapOvr>
+    <a:masterClrMapping/>
+  </p:clrMapOvr>
+</p:sld>
+</file>
+
 <file path=ppt/slides/slide2.xml><?xml version="1.0" encoding="utf-8"?>
 <p:sld xmlns:a="http://schemas.openxmlformats.org/drawingml/2006/main" xmlns:r="http://schemas.openxmlformats.org/officeDocument/2006/relationships" xmlns:p="http://schemas.openxmlformats.org/presentationml/2006/main">
   <p:cSld>
@@ -5920,7 +5690,7 @@
       </p:grpSpPr>
       <p:pic>
         <p:nvPicPr>
-          <p:cNvPr id="3" name="Picture 2"/>
+          <p:cNvPr id="12" name="Picture 11"/>
           <p:cNvPicPr>
             <a:picLocks noChangeAspect="1"/>
           </p:cNvPicPr>
@@ -5934,31 +5704,7 @@
         </p:blipFill>
         <p:spPr>
           <a:xfrm>
-            <a:off x="218697" y="199636"/>
-            <a:ext cx="1146340" cy="1395240"/>
-          </a:xfrm>
-          <a:prstGeom prst="rect">
-            <a:avLst/>
-          </a:prstGeom>
-        </p:spPr>
-      </p:pic>
-      <p:pic>
-        <p:nvPicPr>
-          <p:cNvPr id="12" name="Picture 11"/>
-          <p:cNvPicPr>
-            <a:picLocks noChangeAspect="1"/>
-          </p:cNvPicPr>
-          <p:nvPr/>
-        </p:nvPicPr>
-        <p:blipFill>
-          <a:blip r:embed="rId3"/>
-          <a:stretch>
-            <a:fillRect/>
-          </a:stretch>
-        </p:blipFill>
-        <p:spPr>
-          <a:xfrm>
-            <a:off x="2592238" y="187962"/>
+            <a:off x="8929243" y="5868862"/>
             <a:ext cx="3898594" cy="1978276"/>
           </a:xfrm>
           <a:prstGeom prst="rect">
@@ -5975,7 +5721,7 @@
           <p:nvPr/>
         </p:nvPicPr>
         <p:blipFill rotWithShape="1">
-          <a:blip r:embed="rId4"/>
+          <a:blip r:embed="rId3"/>
           <a:srcRect r="68129" b="87621"/>
           <a:stretch/>
         </p:blipFill>
@@ -5998,7 +5744,7 @@
           <p:nvPr/>
         </p:nvPicPr>
         <p:blipFill rotWithShape="1">
-          <a:blip r:embed="rId5"/>
+          <a:blip r:embed="rId4"/>
           <a:srcRect r="69466" b="88187"/>
           <a:stretch/>
         </p:blipFill>
@@ -6021,7 +5767,7 @@
           <p:nvPr/>
         </p:nvPicPr>
         <p:blipFill>
-          <a:blip r:embed="rId6"/>
+          <a:blip r:embed="rId5"/>
           <a:stretch>
             <a:fillRect/>
           </a:stretch>
@@ -6045,7 +5791,7 @@
           <p:nvPr/>
         </p:nvPicPr>
         <p:blipFill>
-          <a:blip r:embed="rId7"/>
+          <a:blip r:embed="rId6"/>
           <a:stretch>
             <a:fillRect/>
           </a:stretch>
@@ -6089,7 +5835,7 @@
             <p:nvPr/>
           </p:nvPicPr>
           <p:blipFill rotWithShape="1">
-            <a:blip r:embed="rId8"/>
+            <a:blip r:embed="rId7"/>
             <a:srcRect r="50455" b="54965"/>
             <a:stretch/>
           </p:blipFill>
@@ -6118,7 +5864,7 @@
             <p:nvPr/>
           </p:nvPicPr>
           <p:blipFill>
-            <a:blip r:embed="rId9"/>
+            <a:blip r:embed="rId8"/>
             <a:stretch>
               <a:fillRect/>
             </a:stretch>
@@ -6195,7 +5941,7 @@
           <p:nvPr/>
         </p:nvPicPr>
         <p:blipFill>
-          <a:blip r:embed="rId10"/>
+          <a:blip r:embed="rId9"/>
           <a:stretch>
             <a:fillRect/>
           </a:stretch>
@@ -6225,7 +5971,7 @@
           <p:nvPr/>
         </p:nvPicPr>
         <p:blipFill>
-          <a:blip r:embed="rId11"/>
+          <a:blip r:embed="rId10"/>
           <a:stretch>
             <a:fillRect/>
           </a:stretch>
@@ -6275,7 +6021,7 @@
             <p:nvPr/>
           </p:nvPicPr>
           <p:blipFill>
-            <a:blip r:embed="rId12"/>
+            <a:blip r:embed="rId11"/>
             <a:stretch>
               <a:fillRect/>
             </a:stretch>
@@ -6305,7 +6051,7 @@
             <p:nvPr/>
           </p:nvPicPr>
           <p:blipFill rotWithShape="1">
-            <a:blip r:embed="rId13"/>
+            <a:blip r:embed="rId12"/>
             <a:srcRect b="87085"/>
             <a:stretch/>
           </p:blipFill>
@@ -6334,7 +6080,7 @@
             <p:nvPr/>
           </p:nvPicPr>
           <p:blipFill>
-            <a:blip r:embed="rId14"/>
+            <a:blip r:embed="rId13"/>
             <a:stretch>
               <a:fillRect/>
             </a:stretch>
@@ -6385,7 +6131,7 @@
             <p:nvPr/>
           </p:nvPicPr>
           <p:blipFill rotWithShape="1">
-            <a:blip r:embed="rId15"/>
+            <a:blip r:embed="rId14"/>
             <a:srcRect b="12533"/>
             <a:stretch/>
           </p:blipFill>
@@ -6414,7 +6160,7 @@
             <p:nvPr/>
           </p:nvPicPr>
           <p:blipFill rotWithShape="1">
-            <a:blip r:embed="rId16"/>
+            <a:blip r:embed="rId15"/>
             <a:srcRect b="23631"/>
             <a:stretch/>
           </p:blipFill>
@@ -6443,7 +6189,7 @@
             <p:nvPr/>
           </p:nvPicPr>
           <p:blipFill>
-            <a:blip r:embed="rId17"/>
+            <a:blip r:embed="rId16"/>
             <a:stretch>
               <a:fillRect/>
             </a:stretch>
